--- a/reports/Презентация Microsoft PowerPoint.pptx
+++ b/reports/Презентация Microsoft PowerPoint.pptx
@@ -7,22 +7,25 @@
   <p:sldIdLst>
     <p:sldId id="256" r:id="rId2"/>
     <p:sldId id="257" r:id="rId3"/>
-    <p:sldId id="275" r:id="rId4"/>
-    <p:sldId id="276" r:id="rId5"/>
-    <p:sldId id="258" r:id="rId6"/>
-    <p:sldId id="259" r:id="rId7"/>
-    <p:sldId id="260" r:id="rId8"/>
-    <p:sldId id="261" r:id="rId9"/>
-    <p:sldId id="262" r:id="rId10"/>
-    <p:sldId id="263" r:id="rId11"/>
-    <p:sldId id="264" r:id="rId12"/>
-    <p:sldId id="265" r:id="rId13"/>
-    <p:sldId id="266" r:id="rId14"/>
-    <p:sldId id="277" r:id="rId15"/>
-    <p:sldId id="278" r:id="rId16"/>
-    <p:sldId id="279" r:id="rId17"/>
-    <p:sldId id="280" r:id="rId18"/>
-    <p:sldId id="272" r:id="rId19"/>
+    <p:sldId id="278" r:id="rId4"/>
+    <p:sldId id="279" r:id="rId5"/>
+    <p:sldId id="289" r:id="rId6"/>
+    <p:sldId id="290" r:id="rId7"/>
+    <p:sldId id="280" r:id="rId8"/>
+    <p:sldId id="281" r:id="rId9"/>
+    <p:sldId id="291" r:id="rId10"/>
+    <p:sldId id="295" r:id="rId11"/>
+    <p:sldId id="296" r:id="rId12"/>
+    <p:sldId id="297" r:id="rId13"/>
+    <p:sldId id="298" r:id="rId14"/>
+    <p:sldId id="285" r:id="rId15"/>
+    <p:sldId id="302" r:id="rId16"/>
+    <p:sldId id="300" r:id="rId17"/>
+    <p:sldId id="301" r:id="rId18"/>
+    <p:sldId id="299" r:id="rId19"/>
+    <p:sldId id="286" r:id="rId20"/>
+    <p:sldId id="283" r:id="rId21"/>
+    <p:sldId id="272" r:id="rId22"/>
   </p:sldIdLst>
   <p:sldSz cx="12192000" cy="6858000"/>
   <p:notesSz cx="6858000" cy="9144000"/>
@@ -2773,7 +2776,7 @@
           <a:p>
             <a:fld id="{1A139D5A-267C-4BEC-B5DD-CF1FBE6E7635}" type="datetimeFigureOut">
               <a:rPr lang="ru-RU" smtClean="0"/>
-              <a:t>11.12.2023</a:t>
+              <a:t>03.07.2024</a:t>
             </a:fld>
             <a:endParaRPr lang="ru-RU"/>
           </a:p>
@@ -2971,7 +2974,7 @@
           <a:p>
             <a:fld id="{1A139D5A-267C-4BEC-B5DD-CF1FBE6E7635}" type="datetimeFigureOut">
               <a:rPr lang="ru-RU" smtClean="0"/>
-              <a:t>11.12.2023</a:t>
+              <a:t>03.07.2024</a:t>
             </a:fld>
             <a:endParaRPr lang="ru-RU"/>
           </a:p>
@@ -3179,7 +3182,7 @@
           <a:p>
             <a:fld id="{1A139D5A-267C-4BEC-B5DD-CF1FBE6E7635}" type="datetimeFigureOut">
               <a:rPr lang="ru-RU" smtClean="0"/>
-              <a:t>11.12.2023</a:t>
+              <a:t>03.07.2024</a:t>
             </a:fld>
             <a:endParaRPr lang="ru-RU"/>
           </a:p>
@@ -3377,7 +3380,7 @@
           <a:p>
             <a:fld id="{1A139D5A-267C-4BEC-B5DD-CF1FBE6E7635}" type="datetimeFigureOut">
               <a:rPr lang="ru-RU" smtClean="0"/>
-              <a:t>11.12.2023</a:t>
+              <a:t>03.07.2024</a:t>
             </a:fld>
             <a:endParaRPr lang="ru-RU"/>
           </a:p>
@@ -3652,7 +3655,7 @@
           <a:p>
             <a:fld id="{1A139D5A-267C-4BEC-B5DD-CF1FBE6E7635}" type="datetimeFigureOut">
               <a:rPr lang="ru-RU" smtClean="0"/>
-              <a:t>11.12.2023</a:t>
+              <a:t>03.07.2024</a:t>
             </a:fld>
             <a:endParaRPr lang="ru-RU"/>
           </a:p>
@@ -3917,7 +3920,7 @@
           <a:p>
             <a:fld id="{1A139D5A-267C-4BEC-B5DD-CF1FBE6E7635}" type="datetimeFigureOut">
               <a:rPr lang="ru-RU" smtClean="0"/>
-              <a:t>11.12.2023</a:t>
+              <a:t>03.07.2024</a:t>
             </a:fld>
             <a:endParaRPr lang="ru-RU"/>
           </a:p>
@@ -4329,7 +4332,7 @@
           <a:p>
             <a:fld id="{1A139D5A-267C-4BEC-B5DD-CF1FBE6E7635}" type="datetimeFigureOut">
               <a:rPr lang="ru-RU" smtClean="0"/>
-              <a:t>11.12.2023</a:t>
+              <a:t>03.07.2024</a:t>
             </a:fld>
             <a:endParaRPr lang="ru-RU"/>
           </a:p>
@@ -4470,7 +4473,7 @@
           <a:p>
             <a:fld id="{1A139D5A-267C-4BEC-B5DD-CF1FBE6E7635}" type="datetimeFigureOut">
               <a:rPr lang="ru-RU" smtClean="0"/>
-              <a:t>11.12.2023</a:t>
+              <a:t>03.07.2024</a:t>
             </a:fld>
             <a:endParaRPr lang="ru-RU"/>
           </a:p>
@@ -4583,7 +4586,7 @@
           <a:p>
             <a:fld id="{1A139D5A-267C-4BEC-B5DD-CF1FBE6E7635}" type="datetimeFigureOut">
               <a:rPr lang="ru-RU" smtClean="0"/>
-              <a:t>11.12.2023</a:t>
+              <a:t>03.07.2024</a:t>
             </a:fld>
             <a:endParaRPr lang="ru-RU"/>
           </a:p>
@@ -4894,7 +4897,7 @@
           <a:p>
             <a:fld id="{1A139D5A-267C-4BEC-B5DD-CF1FBE6E7635}" type="datetimeFigureOut">
               <a:rPr lang="ru-RU" smtClean="0"/>
-              <a:t>11.12.2023</a:t>
+              <a:t>03.07.2024</a:t>
             </a:fld>
             <a:endParaRPr lang="ru-RU"/>
           </a:p>
@@ -5182,7 +5185,7 @@
           <a:p>
             <a:fld id="{1A139D5A-267C-4BEC-B5DD-CF1FBE6E7635}" type="datetimeFigureOut">
               <a:rPr lang="ru-RU" smtClean="0"/>
-              <a:t>11.12.2023</a:t>
+              <a:t>03.07.2024</a:t>
             </a:fld>
             <a:endParaRPr lang="ru-RU"/>
           </a:p>
@@ -5423,7 +5426,7 @@
           <a:p>
             <a:fld id="{1A139D5A-267C-4BEC-B5DD-CF1FBE6E7635}" type="datetimeFigureOut">
               <a:rPr lang="ru-RU" smtClean="0"/>
-              <a:t>11.12.2023</a:t>
+              <a:t>03.07.2024</a:t>
             </a:fld>
             <a:endParaRPr lang="ru-RU"/>
           </a:p>
@@ -5893,7 +5896,7 @@
                 <a:latin typeface="Arial" panose="020B0604020202020204" pitchFamily="34" charset="0"/>
                 <a:cs typeface="Arial" panose="020B0604020202020204" pitchFamily="34" charset="0"/>
               </a:rPr>
-              <a:t>УЧЕБНАЯ ПРАКТИКА</a:t>
+              <a:t>ПРОИЗВОДСТВЕННАЯ ПРАКТИКА</a:t>
             </a:r>
           </a:p>
           <a:p>
@@ -5925,7 +5928,7 @@
                 <a:latin typeface="Arial" panose="020B0604020202020204" pitchFamily="34" charset="0"/>
                 <a:cs typeface="Arial" panose="020B0604020202020204" pitchFamily="34" charset="0"/>
               </a:rPr>
-              <a:t>ПМ.11. РАЗРАБОТКА, АДМИНИСТРИРОВАНИЕ И ЗАЩИТА БАЗ ДАННЫХ</a:t>
+              <a:t>ПМ.02. ОСУЩЕСТВЛЕНИЕ ИНТЕГРАЦИИ ПРОГРАММНЫХ МОДУЛЕЙ</a:t>
             </a:r>
           </a:p>
         </p:txBody>
@@ -6205,7 +6208,7 @@
                 <a:latin typeface="Arial" panose="020B0604020202020204" pitchFamily="34" charset="0"/>
                 <a:cs typeface="Arial" panose="020B0604020202020204" pitchFamily="34" charset="0"/>
               </a:rPr>
-              <a:t>Голубева Е. П.</a:t>
+              <a:t>Романова Е. А.</a:t>
             </a:r>
           </a:p>
         </p:txBody>
@@ -6254,7 +6257,7 @@
                 <a:latin typeface="Arial" panose="020B0604020202020204" pitchFamily="34" charset="0"/>
                 <a:cs typeface="Arial" panose="020B0604020202020204" pitchFamily="34" charset="0"/>
               </a:rPr>
-              <a:t>2023 г.</a:t>
+              <a:t>2024 г.</a:t>
             </a:r>
           </a:p>
         </p:txBody>
@@ -6370,58 +6373,71 @@
       </p:grpSpPr>
       <p:sp>
         <p:nvSpPr>
-          <p:cNvPr id="5" name="Прямоугольник: скругленные углы 4">
-            <a:extLst>
-              <a:ext uri="{FF2B5EF4-FFF2-40B4-BE49-F238E27FC236}">
-                <a16:creationId xmlns:a16="http://schemas.microsoft.com/office/drawing/2014/main" id="{A66D2534-3B62-61B2-8022-ECA661133722}"/>
-              </a:ext>
-            </a:extLst>
-          </p:cNvPr>
-          <p:cNvSpPr/>
+          <p:cNvPr id="2" name="Заголовок 6">
+            <a:extLst>
+              <a:ext uri="{FF2B5EF4-FFF2-40B4-BE49-F238E27FC236}">
+                <a16:creationId xmlns:a16="http://schemas.microsoft.com/office/drawing/2014/main" id="{CA54FBEA-0CB3-B9E2-1EBC-26FA09B02972}"/>
+              </a:ext>
+            </a:extLst>
+          </p:cNvPr>
+          <p:cNvSpPr txBox="1">
+            <a:spLocks/>
+          </p:cNvSpPr>
           <p:nvPr/>
         </p:nvSpPr>
         <p:spPr>
           <a:xfrm>
-            <a:off x="2662335" y="1054359"/>
-            <a:ext cx="6867331" cy="5178490"/>
+            <a:off x="2923233" y="228798"/>
+            <a:ext cx="6345535" cy="725759"/>
           </a:xfrm>
-          <a:prstGeom prst="roundRect">
-            <a:avLst>
-              <a:gd name="adj" fmla="val 9280"/>
-            </a:avLst>
+          <a:prstGeom prst="rect">
+            <a:avLst/>
           </a:prstGeom>
         </p:spPr>
-        <p:style>
-          <a:lnRef idx="2">
-            <a:schemeClr val="accent1">
-              <a:shade val="15000"/>
-            </a:schemeClr>
-          </a:lnRef>
-          <a:fillRef idx="1">
-            <a:schemeClr val="accent1"/>
-          </a:fillRef>
-          <a:effectRef idx="0">
-            <a:schemeClr val="accent1"/>
-          </a:effectRef>
-          <a:fontRef idx="minor">
-            <a:schemeClr val="lt1"/>
-          </a:fontRef>
-        </p:style>
         <p:txBody>
-          <a:bodyPr rtlCol="0" anchor="ctr"/>
-          <a:lstStyle/>
+          <a:bodyPr vert="horz" lIns="91440" tIns="45720" rIns="91440" bIns="45720" rtlCol="0" anchor="ctr">
+            <a:noAutofit/>
+          </a:bodyPr>
+          <a:lstStyle>
+            <a:lvl1pPr algn="l" defTabSz="914400" rtl="0" eaLnBrk="1" latinLnBrk="0" hangingPunct="1">
+              <a:lnSpc>
+                <a:spcPct val="90000"/>
+              </a:lnSpc>
+              <a:spcBef>
+                <a:spcPct val="0"/>
+              </a:spcBef>
+              <a:buNone/>
+              <a:defRPr sz="4400" kern="1200">
+                <a:solidFill>
+                  <a:schemeClr val="tx1"/>
+                </a:solidFill>
+                <a:latin typeface="+mj-lt"/>
+                <a:ea typeface="+mj-ea"/>
+                <a:cs typeface="+mj-cs"/>
+              </a:defRPr>
+            </a:lvl1pPr>
+          </a:lstStyle>
           <a:p>
             <a:pPr algn="ctr"/>
-            <a:endParaRPr lang="ru-RU"/>
+            <a:r>
+              <a:rPr lang="ru-RU" sz="2800" b="1" dirty="0">
+                <a:solidFill>
+                  <a:srgbClr val="0070C0"/>
+                </a:solidFill>
+                <a:latin typeface="Arial" panose="020B0604020202020204" pitchFamily="34" charset="0"/>
+                <a:cs typeface="Arial" panose="020B0604020202020204" pitchFamily="34" charset="0"/>
+              </a:rPr>
+              <a:t>ПРОЕКТИРОВАНИЕ ПРОГРАММНОГО ПРОДУКТА</a:t>
+            </a:r>
           </a:p>
         </p:txBody>
       </p:sp>
       <p:sp>
         <p:nvSpPr>
-          <p:cNvPr id="2" name="TextBox 1">
-            <a:extLst>
-              <a:ext uri="{FF2B5EF4-FFF2-40B4-BE49-F238E27FC236}">
-                <a16:creationId xmlns:a16="http://schemas.microsoft.com/office/drawing/2014/main" id="{B3E2004E-B4A8-4AD8-8AA3-15F0CD248A09}"/>
+          <p:cNvPr id="4" name="TextBox 3">
+            <a:extLst>
+              <a:ext uri="{FF2B5EF4-FFF2-40B4-BE49-F238E27FC236}">
+                <a16:creationId xmlns:a16="http://schemas.microsoft.com/office/drawing/2014/main" id="{BD36FB8E-3D20-A2CD-546A-35DDC9D8884C}"/>
               </a:ext>
             </a:extLst>
           </p:cNvPr>
@@ -6430,8 +6446,8 @@
         </p:nvSpPr>
         <p:spPr>
           <a:xfrm>
-            <a:off x="803502" y="303438"/>
-            <a:ext cx="10584997" cy="480131"/>
+            <a:off x="1857370" y="5805976"/>
+            <a:ext cx="4540276" cy="369332"/>
           </a:xfrm>
           <a:prstGeom prst="rect">
             <a:avLst/>
@@ -6444,34 +6460,62 @@
           </a:bodyPr>
           <a:lstStyle/>
           <a:p>
-            <a:pPr algn="ctr">
-              <a:lnSpc>
-                <a:spcPct val="90000"/>
-              </a:lnSpc>
-              <a:spcBef>
-                <a:spcPct val="0"/>
-              </a:spcBef>
-            </a:pPr>
-            <a:r>
-              <a:rPr lang="ru-RU" sz="2800" b="1" dirty="0">
-                <a:solidFill>
-                  <a:srgbClr val="0070C0"/>
-                </a:solidFill>
+            <a:pPr algn="ctr"/>
+            <a:r>
+              <a:rPr lang="ru-RU" dirty="0">
                 <a:latin typeface="Arial" panose="020B0604020202020204" pitchFamily="34" charset="0"/>
-                <a:ea typeface="+mj-ea"/>
                 <a:cs typeface="Arial" panose="020B0604020202020204" pitchFamily="34" charset="0"/>
               </a:rPr>
-              <a:t>Текстовый редактор. Создание текстового документа</a:t>
+              <a:t>Диаграмма классов</a:t>
+            </a:r>
+          </a:p>
+        </p:txBody>
+      </p:sp>
+      <p:sp>
+        <p:nvSpPr>
+          <p:cNvPr id="7" name="TextBox 6">
+            <a:extLst>
+              <a:ext uri="{FF2B5EF4-FFF2-40B4-BE49-F238E27FC236}">
+                <a16:creationId xmlns:a16="http://schemas.microsoft.com/office/drawing/2014/main" id="{BE7E47C9-80D9-4712-15C4-3F7ABEF783CE}"/>
+              </a:ext>
+            </a:extLst>
+          </p:cNvPr>
+          <p:cNvSpPr txBox="1"/>
+          <p:nvPr/>
+        </p:nvSpPr>
+        <p:spPr>
+          <a:xfrm>
+            <a:off x="7102461" y="5805976"/>
+            <a:ext cx="4540276" cy="369332"/>
+          </a:xfrm>
+          <a:prstGeom prst="rect">
+            <a:avLst/>
+          </a:prstGeom>
+          <a:noFill/>
+        </p:spPr>
+        <p:txBody>
+          <a:bodyPr wrap="square" rtlCol="0">
+            <a:spAutoFit/>
+          </a:bodyPr>
+          <a:lstStyle/>
+          <a:p>
+            <a:pPr algn="ctr"/>
+            <a:r>
+              <a:rPr lang="ru-RU" dirty="0">
+                <a:latin typeface="Arial" panose="020B0604020202020204" pitchFamily="34" charset="0"/>
+                <a:cs typeface="Arial" panose="020B0604020202020204" pitchFamily="34" charset="0"/>
+              </a:rPr>
+              <a:t>Диаграмма коммуникации</a:t>
             </a:r>
           </a:p>
         </p:txBody>
       </p:sp>
       <p:pic>
         <p:nvPicPr>
-          <p:cNvPr id="3" name="Рисунок 2">
-            <a:extLst>
-              <a:ext uri="{FF2B5EF4-FFF2-40B4-BE49-F238E27FC236}">
-                <a16:creationId xmlns:a16="http://schemas.microsoft.com/office/drawing/2014/main" id="{3D264BD7-D39E-4D37-3929-8012510647B1}"/>
+          <p:cNvPr id="5" name="Рисунок 4">
+            <a:extLst>
+              <a:ext uri="{FF2B5EF4-FFF2-40B4-BE49-F238E27FC236}">
+                <a16:creationId xmlns:a16="http://schemas.microsoft.com/office/drawing/2014/main" id="{62246678-EBC3-196A-A382-410190B15563}"/>
               </a:ext>
             </a:extLst>
           </p:cNvPr>
@@ -6488,74 +6532,48 @@
         </p:blipFill>
         <p:spPr>
           <a:xfrm>
-            <a:off x="3407115" y="1336174"/>
-            <a:ext cx="5377770" cy="3951925"/>
+            <a:off x="887420" y="1352579"/>
+            <a:ext cx="6480175" cy="4397375"/>
           </a:xfrm>
           <a:prstGeom prst="rect">
             <a:avLst/>
           </a:prstGeom>
         </p:spPr>
       </p:pic>
-      <p:sp>
-        <p:nvSpPr>
-          <p:cNvPr id="4" name="TextBox 3">
-            <a:extLst>
-              <a:ext uri="{FF2B5EF4-FFF2-40B4-BE49-F238E27FC236}">
-                <a16:creationId xmlns:a16="http://schemas.microsoft.com/office/drawing/2014/main" id="{3DB9BA6F-5392-0D5F-65E9-48996A7B4817}"/>
-              </a:ext>
-            </a:extLst>
-          </p:cNvPr>
-          <p:cNvSpPr txBox="1"/>
+      <p:pic>
+        <p:nvPicPr>
+          <p:cNvPr id="8" name="Рисунок 7">
+            <a:extLst>
+              <a:ext uri="{FF2B5EF4-FFF2-40B4-BE49-F238E27FC236}">
+                <a16:creationId xmlns:a16="http://schemas.microsoft.com/office/drawing/2014/main" id="{52D63C14-14D2-E22C-5E7A-194846708B04}"/>
+              </a:ext>
+            </a:extLst>
+          </p:cNvPr>
+          <p:cNvPicPr>
+            <a:picLocks noChangeAspect="1"/>
+          </p:cNvPicPr>
           <p:nvPr/>
-        </p:nvSpPr>
+        </p:nvPicPr>
+        <p:blipFill>
+          <a:blip r:embed="rId3"/>
+          <a:stretch>
+            <a:fillRect/>
+          </a:stretch>
+        </p:blipFill>
         <p:spPr>
           <a:xfrm>
-            <a:off x="2940755" y="5412894"/>
-            <a:ext cx="6310490" cy="646331"/>
+            <a:off x="7891462" y="1066800"/>
+            <a:ext cx="2962275" cy="4747869"/>
           </a:xfrm>
           <a:prstGeom prst="rect">
             <a:avLst/>
           </a:prstGeom>
-          <a:noFill/>
         </p:spPr>
-        <p:txBody>
-          <a:bodyPr wrap="square" rtlCol="0">
-            <a:spAutoFit/>
-          </a:bodyPr>
-          <a:lstStyle/>
-          <a:p>
-            <a:pPr algn="ctr"/>
-            <a:r>
-              <a:rPr lang="ru-RU" b="1" dirty="0">
-                <a:solidFill>
-                  <a:schemeClr val="bg1"/>
-                </a:solidFill>
-              </a:rPr>
-              <a:t>Результат создания команды для </a:t>
-            </a:r>
-            <a:r>
-              <a:rPr lang="ru-RU" b="1" dirty="0" err="1">
-                <a:solidFill>
-                  <a:schemeClr val="bg1"/>
-                </a:solidFill>
-              </a:rPr>
-              <a:t>автоподсчёта</a:t>
-            </a:r>
-            <a:r>
-              <a:rPr lang="ru-RU" b="1" dirty="0">
-                <a:solidFill>
-                  <a:schemeClr val="bg1"/>
-                </a:solidFill>
-              </a:rPr>
-              <a:t> значений в таблице</a:t>
-            </a:r>
-          </a:p>
-        </p:txBody>
-      </p:sp>
+      </p:pic>
     </p:spTree>
     <p:extLst>
       <p:ext uri="{BB962C8B-B14F-4D97-AF65-F5344CB8AC3E}">
-        <p14:creationId xmlns:p14="http://schemas.microsoft.com/office/powerpoint/2010/main" val="721222302"/>
+        <p14:creationId xmlns:p14="http://schemas.microsoft.com/office/powerpoint/2010/main" val="2499161377"/>
       </p:ext>
     </p:extLst>
   </p:cSld>
@@ -6584,58 +6602,71 @@
       </p:grpSpPr>
       <p:sp>
         <p:nvSpPr>
-          <p:cNvPr id="5" name="Прямоугольник: скругленные углы 4">
-            <a:extLst>
-              <a:ext uri="{FF2B5EF4-FFF2-40B4-BE49-F238E27FC236}">
-                <a16:creationId xmlns:a16="http://schemas.microsoft.com/office/drawing/2014/main" id="{F7832DE7-A0A9-199C-6F36-44B7A0E589DA}"/>
-              </a:ext>
-            </a:extLst>
-          </p:cNvPr>
-          <p:cNvSpPr/>
+          <p:cNvPr id="2" name="Заголовок 6">
+            <a:extLst>
+              <a:ext uri="{FF2B5EF4-FFF2-40B4-BE49-F238E27FC236}">
+                <a16:creationId xmlns:a16="http://schemas.microsoft.com/office/drawing/2014/main" id="{CA54FBEA-0CB3-B9E2-1EBC-26FA09B02972}"/>
+              </a:ext>
+            </a:extLst>
+          </p:cNvPr>
+          <p:cNvSpPr txBox="1">
+            <a:spLocks/>
+          </p:cNvSpPr>
           <p:nvPr/>
         </p:nvSpPr>
         <p:spPr>
           <a:xfrm>
-            <a:off x="1799253" y="1408922"/>
-            <a:ext cx="8593494" cy="4161454"/>
+            <a:off x="2923233" y="228798"/>
+            <a:ext cx="6345535" cy="725759"/>
           </a:xfrm>
-          <a:prstGeom prst="roundRect">
-            <a:avLst>
-              <a:gd name="adj" fmla="val 9280"/>
-            </a:avLst>
+          <a:prstGeom prst="rect">
+            <a:avLst/>
           </a:prstGeom>
         </p:spPr>
-        <p:style>
-          <a:lnRef idx="2">
-            <a:schemeClr val="accent1">
-              <a:shade val="15000"/>
-            </a:schemeClr>
-          </a:lnRef>
-          <a:fillRef idx="1">
-            <a:schemeClr val="accent1"/>
-          </a:fillRef>
-          <a:effectRef idx="0">
-            <a:schemeClr val="accent1"/>
-          </a:effectRef>
-          <a:fontRef idx="minor">
-            <a:schemeClr val="lt1"/>
-          </a:fontRef>
-        </p:style>
         <p:txBody>
-          <a:bodyPr rtlCol="0" anchor="ctr"/>
-          <a:lstStyle/>
+          <a:bodyPr vert="horz" lIns="91440" tIns="45720" rIns="91440" bIns="45720" rtlCol="0" anchor="ctr">
+            <a:noAutofit/>
+          </a:bodyPr>
+          <a:lstStyle>
+            <a:lvl1pPr algn="l" defTabSz="914400" rtl="0" eaLnBrk="1" latinLnBrk="0" hangingPunct="1">
+              <a:lnSpc>
+                <a:spcPct val="90000"/>
+              </a:lnSpc>
+              <a:spcBef>
+                <a:spcPct val="0"/>
+              </a:spcBef>
+              <a:buNone/>
+              <a:defRPr sz="4400" kern="1200">
+                <a:solidFill>
+                  <a:schemeClr val="tx1"/>
+                </a:solidFill>
+                <a:latin typeface="+mj-lt"/>
+                <a:ea typeface="+mj-ea"/>
+                <a:cs typeface="+mj-cs"/>
+              </a:defRPr>
+            </a:lvl1pPr>
+          </a:lstStyle>
           <a:p>
             <a:pPr algn="ctr"/>
-            <a:endParaRPr lang="ru-RU"/>
+            <a:r>
+              <a:rPr lang="ru-RU" sz="2800" b="1" dirty="0">
+                <a:solidFill>
+                  <a:srgbClr val="0070C0"/>
+                </a:solidFill>
+                <a:latin typeface="Arial" panose="020B0604020202020204" pitchFamily="34" charset="0"/>
+                <a:cs typeface="Arial" panose="020B0604020202020204" pitchFamily="34" charset="0"/>
+              </a:rPr>
+              <a:t>ПРОЕКТИРОВАНИЕ ПРОГРАММНОГО ПРОДУКТА</a:t>
+            </a:r>
           </a:p>
         </p:txBody>
       </p:sp>
       <p:sp>
         <p:nvSpPr>
-          <p:cNvPr id="2" name="TextBox 1">
-            <a:extLst>
-              <a:ext uri="{FF2B5EF4-FFF2-40B4-BE49-F238E27FC236}">
-                <a16:creationId xmlns:a16="http://schemas.microsoft.com/office/drawing/2014/main" id="{14697387-67F1-9C07-54A9-CCBABFB059BB}"/>
+          <p:cNvPr id="4" name="TextBox 3">
+            <a:extLst>
+              <a:ext uri="{FF2B5EF4-FFF2-40B4-BE49-F238E27FC236}">
+                <a16:creationId xmlns:a16="http://schemas.microsoft.com/office/drawing/2014/main" id="{BD36FB8E-3D20-A2CD-546A-35DDC9D8884C}"/>
               </a:ext>
             </a:extLst>
           </p:cNvPr>
@@ -6644,8 +6675,8 @@
         </p:nvSpPr>
         <p:spPr>
           <a:xfrm>
-            <a:off x="803502" y="303438"/>
-            <a:ext cx="10584997" cy="480131"/>
+            <a:off x="1133470" y="5794242"/>
+            <a:ext cx="4540276" cy="369332"/>
           </a:xfrm>
           <a:prstGeom prst="rect">
             <a:avLst/>
@@ -6658,24 +6689,52 @@
           </a:bodyPr>
           <a:lstStyle/>
           <a:p>
-            <a:pPr algn="ctr">
-              <a:lnSpc>
-                <a:spcPct val="90000"/>
-              </a:lnSpc>
-              <a:spcBef>
-                <a:spcPct val="0"/>
-              </a:spcBef>
-            </a:pPr>
-            <a:r>
-              <a:rPr lang="ru-RU" sz="2800" b="1" dirty="0">
-                <a:solidFill>
-                  <a:srgbClr val="0070C0"/>
-                </a:solidFill>
+            <a:pPr algn="ctr"/>
+            <a:r>
+              <a:rPr lang="ru-RU" dirty="0">
                 <a:latin typeface="Arial" panose="020B0604020202020204" pitchFamily="34" charset="0"/>
-                <a:ea typeface="+mj-ea"/>
                 <a:cs typeface="Arial" panose="020B0604020202020204" pitchFamily="34" charset="0"/>
               </a:rPr>
-              <a:t>Текстовый редактор. Вывод для печати справочника</a:t>
+              <a:t>Диаграмма деятельности</a:t>
+            </a:r>
+          </a:p>
+        </p:txBody>
+      </p:sp>
+      <p:sp>
+        <p:nvSpPr>
+          <p:cNvPr id="7" name="TextBox 6">
+            <a:extLst>
+              <a:ext uri="{FF2B5EF4-FFF2-40B4-BE49-F238E27FC236}">
+                <a16:creationId xmlns:a16="http://schemas.microsoft.com/office/drawing/2014/main" id="{BE7E47C9-80D9-4712-15C4-3F7ABEF783CE}"/>
+              </a:ext>
+            </a:extLst>
+          </p:cNvPr>
+          <p:cNvSpPr txBox="1"/>
+          <p:nvPr/>
+        </p:nvSpPr>
+        <p:spPr>
+          <a:xfrm>
+            <a:off x="5926654" y="5773451"/>
+            <a:ext cx="4540276" cy="369332"/>
+          </a:xfrm>
+          <a:prstGeom prst="rect">
+            <a:avLst/>
+          </a:prstGeom>
+          <a:noFill/>
+        </p:spPr>
+        <p:txBody>
+          <a:bodyPr wrap="square" rtlCol="0">
+            <a:spAutoFit/>
+          </a:bodyPr>
+          <a:lstStyle/>
+          <a:p>
+            <a:pPr algn="ctr"/>
+            <a:r>
+              <a:rPr lang="ru-RU" dirty="0">
+                <a:latin typeface="Arial" panose="020B0604020202020204" pitchFamily="34" charset="0"/>
+                <a:cs typeface="Arial" panose="020B0604020202020204" pitchFamily="34" charset="0"/>
+              </a:rPr>
+              <a:t>Диаграмма состояний</a:t>
             </a:r>
           </a:p>
         </p:txBody>
@@ -6685,7 +6744,7 @@
           <p:cNvPr id="3" name="Рисунок 2">
             <a:extLst>
               <a:ext uri="{FF2B5EF4-FFF2-40B4-BE49-F238E27FC236}">
-                <a16:creationId xmlns:a16="http://schemas.microsoft.com/office/drawing/2014/main" id="{AA6F2781-0DCA-DAD8-AA1A-CE97C193F2F2}"/>
+                <a16:creationId xmlns:a16="http://schemas.microsoft.com/office/drawing/2014/main" id="{0C633B13-B9E7-E0CA-860F-408259C9413A}"/>
               </a:ext>
             </a:extLst>
           </p:cNvPr>
@@ -6702,58 +6761,48 @@
         </p:blipFill>
         <p:spPr>
           <a:xfrm>
-            <a:off x="2335570" y="1730829"/>
-            <a:ext cx="7520861" cy="2953138"/>
+            <a:off x="1979247" y="1270952"/>
+            <a:ext cx="2960938" cy="4316095"/>
           </a:xfrm>
           <a:prstGeom prst="rect">
             <a:avLst/>
           </a:prstGeom>
         </p:spPr>
       </p:pic>
-      <p:sp>
-        <p:nvSpPr>
-          <p:cNvPr id="4" name="TextBox 3">
-            <a:extLst>
-              <a:ext uri="{FF2B5EF4-FFF2-40B4-BE49-F238E27FC236}">
-                <a16:creationId xmlns:a16="http://schemas.microsoft.com/office/drawing/2014/main" id="{54607D58-E9CD-DC87-128E-9C1BF5B16121}"/>
-              </a:ext>
-            </a:extLst>
-          </p:cNvPr>
-          <p:cNvSpPr txBox="1"/>
+      <p:pic>
+        <p:nvPicPr>
+          <p:cNvPr id="6" name="Рисунок 5">
+            <a:extLst>
+              <a:ext uri="{FF2B5EF4-FFF2-40B4-BE49-F238E27FC236}">
+                <a16:creationId xmlns:a16="http://schemas.microsoft.com/office/drawing/2014/main" id="{59DD06B2-FF5F-32F6-52CE-FC83BEE6F615}"/>
+              </a:ext>
+            </a:extLst>
+          </p:cNvPr>
+          <p:cNvPicPr>
+            <a:picLocks noChangeAspect="1"/>
+          </p:cNvPicPr>
           <p:nvPr/>
-        </p:nvSpPr>
+        </p:nvPicPr>
+        <p:blipFill>
+          <a:blip r:embed="rId3"/>
+          <a:stretch>
+            <a:fillRect/>
+          </a:stretch>
+        </p:blipFill>
         <p:spPr>
           <a:xfrm>
-            <a:off x="2940755" y="4757839"/>
-            <a:ext cx="6310490" cy="369332"/>
+            <a:off x="5793740" y="1112519"/>
+            <a:ext cx="4806105" cy="4474528"/>
           </a:xfrm>
           <a:prstGeom prst="rect">
             <a:avLst/>
           </a:prstGeom>
-          <a:noFill/>
         </p:spPr>
-        <p:txBody>
-          <a:bodyPr wrap="square" rtlCol="0">
-            <a:spAutoFit/>
-          </a:bodyPr>
-          <a:lstStyle/>
-          <a:p>
-            <a:pPr algn="ctr"/>
-            <a:r>
-              <a:rPr lang="ru-RU" b="1" dirty="0">
-                <a:solidFill>
-                  <a:schemeClr val="bg1"/>
-                </a:solidFill>
-              </a:rPr>
-              <a:t>Макет под печать справочника Одноклассники</a:t>
-            </a:r>
-          </a:p>
-        </p:txBody>
-      </p:sp>
+      </p:pic>
     </p:spTree>
     <p:extLst>
       <p:ext uri="{BB962C8B-B14F-4D97-AF65-F5344CB8AC3E}">
-        <p14:creationId xmlns:p14="http://schemas.microsoft.com/office/powerpoint/2010/main" val="528365134"/>
+        <p14:creationId xmlns:p14="http://schemas.microsoft.com/office/powerpoint/2010/main" val="1621020475"/>
       </p:ext>
     </p:extLst>
   </p:cSld>
@@ -6782,58 +6831,71 @@
       </p:grpSpPr>
       <p:sp>
         <p:nvSpPr>
-          <p:cNvPr id="5" name="Прямоугольник: скругленные углы 4">
-            <a:extLst>
-              <a:ext uri="{FF2B5EF4-FFF2-40B4-BE49-F238E27FC236}">
-                <a16:creationId xmlns:a16="http://schemas.microsoft.com/office/drawing/2014/main" id="{11AE9336-B87D-9EA7-3C8E-CA67A4900834}"/>
-              </a:ext>
-            </a:extLst>
-          </p:cNvPr>
-          <p:cNvSpPr/>
+          <p:cNvPr id="2" name="Заголовок 6">
+            <a:extLst>
+              <a:ext uri="{FF2B5EF4-FFF2-40B4-BE49-F238E27FC236}">
+                <a16:creationId xmlns:a16="http://schemas.microsoft.com/office/drawing/2014/main" id="{CA54FBEA-0CB3-B9E2-1EBC-26FA09B02972}"/>
+              </a:ext>
+            </a:extLst>
+          </p:cNvPr>
+          <p:cNvSpPr txBox="1">
+            <a:spLocks/>
+          </p:cNvSpPr>
           <p:nvPr/>
         </p:nvSpPr>
         <p:spPr>
           <a:xfrm>
-            <a:off x="2727649" y="1306285"/>
-            <a:ext cx="6736702" cy="4926564"/>
+            <a:off x="2923233" y="228798"/>
+            <a:ext cx="6345535" cy="725759"/>
           </a:xfrm>
-          <a:prstGeom prst="roundRect">
-            <a:avLst>
-              <a:gd name="adj" fmla="val 9280"/>
-            </a:avLst>
+          <a:prstGeom prst="rect">
+            <a:avLst/>
           </a:prstGeom>
         </p:spPr>
-        <p:style>
-          <a:lnRef idx="2">
-            <a:schemeClr val="accent1">
-              <a:shade val="15000"/>
-            </a:schemeClr>
-          </a:lnRef>
-          <a:fillRef idx="1">
-            <a:schemeClr val="accent1"/>
-          </a:fillRef>
-          <a:effectRef idx="0">
-            <a:schemeClr val="accent1"/>
-          </a:effectRef>
-          <a:fontRef idx="minor">
-            <a:schemeClr val="lt1"/>
-          </a:fontRef>
-        </p:style>
         <p:txBody>
-          <a:bodyPr rtlCol="0" anchor="ctr"/>
-          <a:lstStyle/>
+          <a:bodyPr vert="horz" lIns="91440" tIns="45720" rIns="91440" bIns="45720" rtlCol="0" anchor="ctr">
+            <a:noAutofit/>
+          </a:bodyPr>
+          <a:lstStyle>
+            <a:lvl1pPr algn="l" defTabSz="914400" rtl="0" eaLnBrk="1" latinLnBrk="0" hangingPunct="1">
+              <a:lnSpc>
+                <a:spcPct val="90000"/>
+              </a:lnSpc>
+              <a:spcBef>
+                <a:spcPct val="0"/>
+              </a:spcBef>
+              <a:buNone/>
+              <a:defRPr sz="4400" kern="1200">
+                <a:solidFill>
+                  <a:schemeClr val="tx1"/>
+                </a:solidFill>
+                <a:latin typeface="+mj-lt"/>
+                <a:ea typeface="+mj-ea"/>
+                <a:cs typeface="+mj-cs"/>
+              </a:defRPr>
+            </a:lvl1pPr>
+          </a:lstStyle>
           <a:p>
             <a:pPr algn="ctr"/>
-            <a:endParaRPr lang="ru-RU"/>
+            <a:r>
+              <a:rPr lang="ru-RU" sz="2800" b="1" dirty="0">
+                <a:solidFill>
+                  <a:srgbClr val="0070C0"/>
+                </a:solidFill>
+                <a:latin typeface="Arial" panose="020B0604020202020204" pitchFamily="34" charset="0"/>
+                <a:cs typeface="Arial" panose="020B0604020202020204" pitchFamily="34" charset="0"/>
+              </a:rPr>
+              <a:t>ПРОЕКТИРОВАНИЕ ПРОГРАММНОГО ПРОДУКТА</a:t>
+            </a:r>
           </a:p>
         </p:txBody>
       </p:sp>
       <p:sp>
         <p:nvSpPr>
-          <p:cNvPr id="2" name="TextBox 1">
-            <a:extLst>
-              <a:ext uri="{FF2B5EF4-FFF2-40B4-BE49-F238E27FC236}">
-                <a16:creationId xmlns:a16="http://schemas.microsoft.com/office/drawing/2014/main" id="{904CBCDC-938D-D6DB-CAB4-F356F30DC5FF}"/>
+          <p:cNvPr id="4" name="TextBox 3">
+            <a:extLst>
+              <a:ext uri="{FF2B5EF4-FFF2-40B4-BE49-F238E27FC236}">
+                <a16:creationId xmlns:a16="http://schemas.microsoft.com/office/drawing/2014/main" id="{BD36FB8E-3D20-A2CD-546A-35DDC9D8884C}"/>
               </a:ext>
             </a:extLst>
           </p:cNvPr>
@@ -6842,8 +6904,8 @@
         </p:nvSpPr>
         <p:spPr>
           <a:xfrm>
-            <a:off x="803502" y="303438"/>
-            <a:ext cx="10584997" cy="1255728"/>
+            <a:off x="1006470" y="5507194"/>
+            <a:ext cx="4540276" cy="369332"/>
           </a:xfrm>
           <a:prstGeom prst="rect">
             <a:avLst/>
@@ -6856,73 +6918,62 @@
           </a:bodyPr>
           <a:lstStyle/>
           <a:p>
-            <a:pPr algn="ctr">
-              <a:lnSpc>
-                <a:spcPct val="90000"/>
-              </a:lnSpc>
-              <a:spcBef>
-                <a:spcPct val="0"/>
-              </a:spcBef>
-            </a:pPr>
-            <a:r>
-              <a:rPr lang="ru-RU" sz="2800" b="1" dirty="0">
-                <a:solidFill>
-                  <a:srgbClr val="0070C0"/>
-                </a:solidFill>
+            <a:pPr algn="ctr"/>
+            <a:r>
+              <a:rPr lang="ru-RU" dirty="0">
                 <a:latin typeface="Arial" panose="020B0604020202020204" pitchFamily="34" charset="0"/>
-                <a:ea typeface="+mj-ea"/>
                 <a:cs typeface="Arial" panose="020B0604020202020204" pitchFamily="34" charset="0"/>
               </a:rPr>
-              <a:t>Текстовый редактор. Разработать собственный</a:t>
-            </a:r>
-          </a:p>
-          <a:p>
-            <a:pPr algn="ctr">
-              <a:lnSpc>
-                <a:spcPct val="90000"/>
-              </a:lnSpc>
-              <a:spcBef>
-                <a:spcPct val="0"/>
-              </a:spcBef>
-            </a:pPr>
-            <a:r>
-              <a:rPr lang="ru-RU" sz="2800" b="1" dirty="0">
-                <a:solidFill>
-                  <a:srgbClr val="0070C0"/>
-                </a:solidFill>
+              <a:t>Диаграмма развёртывания</a:t>
+            </a:r>
+          </a:p>
+        </p:txBody>
+      </p:sp>
+      <p:sp>
+        <p:nvSpPr>
+          <p:cNvPr id="7" name="TextBox 6">
+            <a:extLst>
+              <a:ext uri="{FF2B5EF4-FFF2-40B4-BE49-F238E27FC236}">
+                <a16:creationId xmlns:a16="http://schemas.microsoft.com/office/drawing/2014/main" id="{BE7E47C9-80D9-4712-15C4-3F7ABEF783CE}"/>
+              </a:ext>
+            </a:extLst>
+          </p:cNvPr>
+          <p:cNvSpPr txBox="1"/>
+          <p:nvPr/>
+        </p:nvSpPr>
+        <p:spPr>
+          <a:xfrm>
+            <a:off x="6998629" y="5137862"/>
+            <a:ext cx="4540276" cy="369332"/>
+          </a:xfrm>
+          <a:prstGeom prst="rect">
+            <a:avLst/>
+          </a:prstGeom>
+          <a:noFill/>
+        </p:spPr>
+        <p:txBody>
+          <a:bodyPr wrap="square" rtlCol="0">
+            <a:spAutoFit/>
+          </a:bodyPr>
+          <a:lstStyle/>
+          <a:p>
+            <a:pPr algn="ctr"/>
+            <a:r>
+              <a:rPr lang="ru-RU" dirty="0">
                 <a:latin typeface="Arial" panose="020B0604020202020204" pitchFamily="34" charset="0"/>
-                <a:ea typeface="+mj-ea"/>
                 <a:cs typeface="Arial" panose="020B0604020202020204" pitchFamily="34" charset="0"/>
               </a:rPr>
-              <a:t>текстовый редактор</a:t>
-            </a:r>
-          </a:p>
-          <a:p>
-            <a:pPr algn="ctr">
-              <a:lnSpc>
-                <a:spcPct val="90000"/>
-              </a:lnSpc>
-              <a:spcBef>
-                <a:spcPct val="0"/>
-              </a:spcBef>
-            </a:pPr>
-            <a:endParaRPr lang="ru-RU" sz="2800" b="1" dirty="0">
-              <a:solidFill>
-                <a:srgbClr val="0070C0"/>
-              </a:solidFill>
-              <a:latin typeface="Arial" panose="020B0604020202020204" pitchFamily="34" charset="0"/>
-              <a:ea typeface="+mj-ea"/>
-              <a:cs typeface="Arial" panose="020B0604020202020204" pitchFamily="34" charset="0"/>
-            </a:endParaRPr>
+              <a:t>Диаграмма компонентов</a:t>
+            </a:r>
           </a:p>
         </p:txBody>
       </p:sp>
       <p:pic>
         <p:nvPicPr>
-          <p:cNvPr id="3" name="Рисунок 2">
-            <a:extLst>
-              <a:ext uri="{FF2B5EF4-FFF2-40B4-BE49-F238E27FC236}">
-                <a16:creationId xmlns:a16="http://schemas.microsoft.com/office/drawing/2014/main" id="{CF9CD171-43A8-F31B-5B17-5DFEB7E6852E}"/>
+          <p:cNvPr id="5" name="Рисунок 4">
+            <a:extLst>
+              <a:ext uri="{FF2B5EF4-FFF2-40B4-BE49-F238E27FC236}">
+                <a16:creationId xmlns:a16="http://schemas.microsoft.com/office/drawing/2014/main" id="{F84994E8-16B2-5C27-0CB1-00EF54D53DC4}"/>
               </a:ext>
             </a:extLst>
           </p:cNvPr>
@@ -6939,58 +6990,48 @@
         </p:blipFill>
         <p:spPr>
           <a:xfrm>
-            <a:off x="3401445" y="1569811"/>
-            <a:ext cx="5389111" cy="3981904"/>
+            <a:off x="561339" y="1563845"/>
+            <a:ext cx="5777079" cy="3728323"/>
           </a:xfrm>
           <a:prstGeom prst="rect">
             <a:avLst/>
           </a:prstGeom>
         </p:spPr>
       </p:pic>
-      <p:sp>
-        <p:nvSpPr>
-          <p:cNvPr id="4" name="TextBox 3">
-            <a:extLst>
-              <a:ext uri="{FF2B5EF4-FFF2-40B4-BE49-F238E27FC236}">
-                <a16:creationId xmlns:a16="http://schemas.microsoft.com/office/drawing/2014/main" id="{DD6CB0FE-06D9-5D95-C4AF-84AC7B7B1C6B}"/>
-              </a:ext>
-            </a:extLst>
-          </p:cNvPr>
-          <p:cNvSpPr txBox="1"/>
+      <p:pic>
+        <p:nvPicPr>
+          <p:cNvPr id="8" name="Рисунок 7">
+            <a:extLst>
+              <a:ext uri="{FF2B5EF4-FFF2-40B4-BE49-F238E27FC236}">
+                <a16:creationId xmlns:a16="http://schemas.microsoft.com/office/drawing/2014/main" id="{717585D3-9C19-5E6A-9BB6-EB1C5E82B7A6}"/>
+              </a:ext>
+            </a:extLst>
+          </p:cNvPr>
+          <p:cNvPicPr>
+            <a:picLocks noChangeAspect="1"/>
+          </p:cNvPicPr>
           <p:nvPr/>
-        </p:nvSpPr>
+        </p:nvPicPr>
+        <p:blipFill>
+          <a:blip r:embed="rId3"/>
+          <a:stretch>
+            <a:fillRect/>
+          </a:stretch>
+        </p:blipFill>
         <p:spPr>
           <a:xfrm>
-            <a:off x="2940755" y="5551715"/>
-            <a:ext cx="6310490" cy="369332"/>
+            <a:off x="6633835" y="1563845"/>
+            <a:ext cx="5269865" cy="3433445"/>
           </a:xfrm>
           <a:prstGeom prst="rect">
             <a:avLst/>
           </a:prstGeom>
-          <a:noFill/>
         </p:spPr>
-        <p:txBody>
-          <a:bodyPr wrap="square" rtlCol="0">
-            <a:spAutoFit/>
-          </a:bodyPr>
-          <a:lstStyle/>
-          <a:p>
-            <a:pPr algn="ctr"/>
-            <a:r>
-              <a:rPr lang="ru-RU" b="1" dirty="0">
-                <a:solidFill>
-                  <a:schemeClr val="bg1"/>
-                </a:solidFill>
-              </a:rPr>
-              <a:t>Текстовый редактор собственной разработки</a:t>
-            </a:r>
-          </a:p>
-        </p:txBody>
-      </p:sp>
+      </p:pic>
     </p:spTree>
     <p:extLst>
       <p:ext uri="{BB962C8B-B14F-4D97-AF65-F5344CB8AC3E}">
-        <p14:creationId xmlns:p14="http://schemas.microsoft.com/office/powerpoint/2010/main" val="695895313"/>
+        <p14:creationId xmlns:p14="http://schemas.microsoft.com/office/powerpoint/2010/main" val="2552447430"/>
       </p:ext>
     </p:extLst>
   </p:cSld>
@@ -7019,106 +7060,71 @@
       </p:grpSpPr>
       <p:sp>
         <p:nvSpPr>
-          <p:cNvPr id="8" name="Прямоугольник: скругленные углы 7">
-            <a:extLst>
-              <a:ext uri="{FF2B5EF4-FFF2-40B4-BE49-F238E27FC236}">
-                <a16:creationId xmlns:a16="http://schemas.microsoft.com/office/drawing/2014/main" id="{93C06F8B-FD40-0A07-3A0C-7D21815F99C7}"/>
-              </a:ext>
-            </a:extLst>
-          </p:cNvPr>
-          <p:cNvSpPr/>
+          <p:cNvPr id="2" name="Заголовок 6">
+            <a:extLst>
+              <a:ext uri="{FF2B5EF4-FFF2-40B4-BE49-F238E27FC236}">
+                <a16:creationId xmlns:a16="http://schemas.microsoft.com/office/drawing/2014/main" id="{CA54FBEA-0CB3-B9E2-1EBC-26FA09B02972}"/>
+              </a:ext>
+            </a:extLst>
+          </p:cNvPr>
+          <p:cNvSpPr txBox="1">
+            <a:spLocks/>
+          </p:cNvSpPr>
           <p:nvPr/>
         </p:nvSpPr>
         <p:spPr>
           <a:xfrm>
-            <a:off x="7025950" y="1559166"/>
-            <a:ext cx="5083629" cy="3573625"/>
+            <a:off x="2923233" y="228798"/>
+            <a:ext cx="6345535" cy="725759"/>
           </a:xfrm>
-          <a:prstGeom prst="roundRect">
-            <a:avLst>
-              <a:gd name="adj" fmla="val 9280"/>
-            </a:avLst>
+          <a:prstGeom prst="rect">
+            <a:avLst/>
           </a:prstGeom>
         </p:spPr>
-        <p:style>
-          <a:lnRef idx="2">
-            <a:schemeClr val="accent1">
-              <a:shade val="15000"/>
-            </a:schemeClr>
-          </a:lnRef>
-          <a:fillRef idx="1">
-            <a:schemeClr val="accent1"/>
-          </a:fillRef>
-          <a:effectRef idx="0">
-            <a:schemeClr val="accent1"/>
-          </a:effectRef>
-          <a:fontRef idx="minor">
-            <a:schemeClr val="lt1"/>
-          </a:fontRef>
-        </p:style>
         <p:txBody>
-          <a:bodyPr rtlCol="0" anchor="ctr"/>
-          <a:lstStyle/>
+          <a:bodyPr vert="horz" lIns="91440" tIns="45720" rIns="91440" bIns="45720" rtlCol="0" anchor="ctr">
+            <a:noAutofit/>
+          </a:bodyPr>
+          <a:lstStyle>
+            <a:lvl1pPr algn="l" defTabSz="914400" rtl="0" eaLnBrk="1" latinLnBrk="0" hangingPunct="1">
+              <a:lnSpc>
+                <a:spcPct val="90000"/>
+              </a:lnSpc>
+              <a:spcBef>
+                <a:spcPct val="0"/>
+              </a:spcBef>
+              <a:buNone/>
+              <a:defRPr sz="4400" kern="1200">
+                <a:solidFill>
+                  <a:schemeClr val="tx1"/>
+                </a:solidFill>
+                <a:latin typeface="+mj-lt"/>
+                <a:ea typeface="+mj-ea"/>
+                <a:cs typeface="+mj-cs"/>
+              </a:defRPr>
+            </a:lvl1pPr>
+          </a:lstStyle>
           <a:p>
             <a:pPr algn="ctr"/>
-            <a:endParaRPr lang="ru-RU"/>
+            <a:r>
+              <a:rPr lang="ru-RU" sz="2800" b="1" dirty="0">
+                <a:solidFill>
+                  <a:srgbClr val="0070C0"/>
+                </a:solidFill>
+                <a:latin typeface="Arial" panose="020B0604020202020204" pitchFamily="34" charset="0"/>
+                <a:cs typeface="Arial" panose="020B0604020202020204" pitchFamily="34" charset="0"/>
+              </a:rPr>
+              <a:t>ПРОЕКТИРОВАНИЕ ПРОГРАММНОГО ПРОДУКТА</a:t>
+            </a:r>
           </a:p>
         </p:txBody>
       </p:sp>
       <p:sp>
         <p:nvSpPr>
-          <p:cNvPr id="7" name="Прямоугольник: скругленные углы 6">
-            <a:extLst>
-              <a:ext uri="{FF2B5EF4-FFF2-40B4-BE49-F238E27FC236}">
-                <a16:creationId xmlns:a16="http://schemas.microsoft.com/office/drawing/2014/main" id="{943056A0-9FF3-A09B-C766-F655FDEA3918}"/>
-              </a:ext>
-            </a:extLst>
-          </p:cNvPr>
-          <p:cNvSpPr/>
-          <p:nvPr/>
-        </p:nvSpPr>
-        <p:spPr>
-          <a:xfrm>
-            <a:off x="335075" y="1559166"/>
-            <a:ext cx="6561432" cy="3573625"/>
-          </a:xfrm>
-          <a:prstGeom prst="roundRect">
-            <a:avLst>
-              <a:gd name="adj" fmla="val 9280"/>
-            </a:avLst>
-          </a:prstGeom>
-        </p:spPr>
-        <p:style>
-          <a:lnRef idx="2">
-            <a:schemeClr val="accent1">
-              <a:shade val="15000"/>
-            </a:schemeClr>
-          </a:lnRef>
-          <a:fillRef idx="1">
-            <a:schemeClr val="accent1"/>
-          </a:fillRef>
-          <a:effectRef idx="0">
-            <a:schemeClr val="accent1"/>
-          </a:effectRef>
-          <a:fontRef idx="minor">
-            <a:schemeClr val="lt1"/>
-          </a:fontRef>
-        </p:style>
-        <p:txBody>
-          <a:bodyPr rtlCol="0" anchor="ctr"/>
-          <a:lstStyle/>
-          <a:p>
-            <a:pPr algn="ctr"/>
-            <a:endParaRPr lang="ru-RU"/>
-          </a:p>
-        </p:txBody>
-      </p:sp>
-      <p:sp>
-        <p:nvSpPr>
-          <p:cNvPr id="2" name="TextBox 1">
-            <a:extLst>
-              <a:ext uri="{FF2B5EF4-FFF2-40B4-BE49-F238E27FC236}">
-                <a16:creationId xmlns:a16="http://schemas.microsoft.com/office/drawing/2014/main" id="{3A688F60-8485-2BD0-3F87-F28ADB141546}"/>
+          <p:cNvPr id="4" name="TextBox 3">
+            <a:extLst>
+              <a:ext uri="{FF2B5EF4-FFF2-40B4-BE49-F238E27FC236}">
+                <a16:creationId xmlns:a16="http://schemas.microsoft.com/office/drawing/2014/main" id="{BD36FB8E-3D20-A2CD-546A-35DDC9D8884C}"/>
               </a:ext>
             </a:extLst>
           </p:cNvPr>
@@ -7127,8 +7133,8 @@
         </p:nvSpPr>
         <p:spPr>
           <a:xfrm>
-            <a:off x="803502" y="303438"/>
-            <a:ext cx="10584997" cy="1255728"/>
+            <a:off x="4110090" y="5534110"/>
+            <a:ext cx="4540276" cy="369332"/>
           </a:xfrm>
           <a:prstGeom prst="rect">
             <a:avLst/>
@@ -7141,62 +7147,14 @@
           </a:bodyPr>
           <a:lstStyle/>
           <a:p>
-            <a:pPr algn="ctr">
-              <a:lnSpc>
-                <a:spcPct val="90000"/>
-              </a:lnSpc>
-              <a:spcBef>
-                <a:spcPct val="0"/>
-              </a:spcBef>
-            </a:pPr>
-            <a:r>
-              <a:rPr lang="ru-RU" sz="2800" b="1" dirty="0">
-                <a:solidFill>
-                  <a:srgbClr val="0070C0"/>
-                </a:solidFill>
+            <a:pPr algn="ctr"/>
+            <a:r>
+              <a:rPr lang="ru-RU" dirty="0">
                 <a:latin typeface="Arial" panose="020B0604020202020204" pitchFamily="34" charset="0"/>
-                <a:ea typeface="+mj-ea"/>
                 <a:cs typeface="Arial" panose="020B0604020202020204" pitchFamily="34" charset="0"/>
               </a:rPr>
-              <a:t>Текстовый редактор. Команда для сохранения текста в формате </a:t>
-            </a:r>
-            <a:r>
-              <a:rPr lang="en-US" sz="2800" b="1" dirty="0">
-                <a:solidFill>
-                  <a:srgbClr val="0070C0"/>
-                </a:solidFill>
-                <a:latin typeface="Arial" panose="020B0604020202020204" pitchFamily="34" charset="0"/>
-                <a:ea typeface="+mj-ea"/>
-                <a:cs typeface="Arial" panose="020B0604020202020204" pitchFamily="34" charset="0"/>
-              </a:rPr>
-              <a:t>html</a:t>
-            </a:r>
-            <a:endParaRPr lang="ru-RU" sz="2800" b="1" dirty="0">
-              <a:solidFill>
-                <a:srgbClr val="0070C0"/>
-              </a:solidFill>
-              <a:latin typeface="Arial" panose="020B0604020202020204" pitchFamily="34" charset="0"/>
-              <a:ea typeface="+mj-ea"/>
-              <a:cs typeface="Arial" panose="020B0604020202020204" pitchFamily="34" charset="0"/>
-            </a:endParaRPr>
-          </a:p>
-          <a:p>
-            <a:pPr algn="ctr">
-              <a:lnSpc>
-                <a:spcPct val="90000"/>
-              </a:lnSpc>
-              <a:spcBef>
-                <a:spcPct val="0"/>
-              </a:spcBef>
-            </a:pPr>
-            <a:endParaRPr lang="ru-RU" sz="2800" b="1" dirty="0">
-              <a:solidFill>
-                <a:srgbClr val="0070C0"/>
-              </a:solidFill>
-              <a:latin typeface="Arial" panose="020B0604020202020204" pitchFamily="34" charset="0"/>
-              <a:ea typeface="+mj-ea"/>
-              <a:cs typeface="Arial" panose="020B0604020202020204" pitchFamily="34" charset="0"/>
-            </a:endParaRPr>
+              <a:t>Диаграмма потоков данных</a:t>
+            </a:r>
           </a:p>
         </p:txBody>
       </p:sp>
@@ -7205,7 +7163,7 @@
           <p:cNvPr id="3" name="Рисунок 2">
             <a:extLst>
               <a:ext uri="{FF2B5EF4-FFF2-40B4-BE49-F238E27FC236}">
-                <a16:creationId xmlns:a16="http://schemas.microsoft.com/office/drawing/2014/main" id="{A496F619-158D-6E6E-D738-599365B93F0A}"/>
+                <a16:creationId xmlns:a16="http://schemas.microsoft.com/office/drawing/2014/main" id="{268D3BEF-E490-C9D0-A063-D446EAB40FDF}"/>
               </a:ext>
             </a:extLst>
           </p:cNvPr>
@@ -7222,128 +7180,18 @@
         </p:blipFill>
         <p:spPr>
           <a:xfrm>
-            <a:off x="541936" y="2006182"/>
-            <a:ext cx="6147710" cy="2113998"/>
+            <a:off x="3379469" y="1269596"/>
+            <a:ext cx="6345535" cy="4264514"/>
           </a:xfrm>
           <a:prstGeom prst="rect">
             <a:avLst/>
           </a:prstGeom>
         </p:spPr>
       </p:pic>
-      <p:pic>
-        <p:nvPicPr>
-          <p:cNvPr id="4" name="Рисунок 3">
-            <a:extLst>
-              <a:ext uri="{FF2B5EF4-FFF2-40B4-BE49-F238E27FC236}">
-                <a16:creationId xmlns:a16="http://schemas.microsoft.com/office/drawing/2014/main" id="{F0DF3B9B-4E15-D9C1-CE47-3758B5187A7A}"/>
-              </a:ext>
-            </a:extLst>
-          </p:cNvPr>
-          <p:cNvPicPr>
-            <a:picLocks noChangeAspect="1"/>
-          </p:cNvPicPr>
-          <p:nvPr/>
-        </p:nvPicPr>
-        <p:blipFill>
-          <a:blip r:embed="rId3"/>
-          <a:stretch>
-            <a:fillRect/>
-          </a:stretch>
-        </p:blipFill>
-        <p:spPr>
-          <a:xfrm>
-            <a:off x="7201516" y="2006182"/>
-            <a:ext cx="4732496" cy="2036482"/>
-          </a:xfrm>
-          <a:prstGeom prst="rect">
-            <a:avLst/>
-          </a:prstGeom>
-        </p:spPr>
-      </p:pic>
-      <p:sp>
-        <p:nvSpPr>
-          <p:cNvPr id="5" name="TextBox 4">
-            <a:extLst>
-              <a:ext uri="{FF2B5EF4-FFF2-40B4-BE49-F238E27FC236}">
-                <a16:creationId xmlns:a16="http://schemas.microsoft.com/office/drawing/2014/main" id="{4B811352-9742-6F80-EB67-D10ED2C1F21C}"/>
-              </a:ext>
-            </a:extLst>
-          </p:cNvPr>
-          <p:cNvSpPr txBox="1"/>
-          <p:nvPr/>
-        </p:nvSpPr>
-        <p:spPr>
-          <a:xfrm>
-            <a:off x="582078" y="4227722"/>
-            <a:ext cx="6067426" cy="369332"/>
-          </a:xfrm>
-          <a:prstGeom prst="rect">
-            <a:avLst/>
-          </a:prstGeom>
-          <a:noFill/>
-        </p:spPr>
-        <p:txBody>
-          <a:bodyPr wrap="square" rtlCol="0">
-            <a:spAutoFit/>
-          </a:bodyPr>
-          <a:lstStyle/>
-          <a:p>
-            <a:pPr algn="ctr"/>
-            <a:r>
-              <a:rPr lang="ru-RU" b="1" dirty="0">
-                <a:solidFill>
-                  <a:schemeClr val="bg1"/>
-                </a:solidFill>
-              </a:rPr>
-              <a:t>Реализация команды</a:t>
-            </a:r>
-          </a:p>
-        </p:txBody>
-      </p:sp>
-      <p:sp>
-        <p:nvSpPr>
-          <p:cNvPr id="6" name="TextBox 5">
-            <a:extLst>
-              <a:ext uri="{FF2B5EF4-FFF2-40B4-BE49-F238E27FC236}">
-                <a16:creationId xmlns:a16="http://schemas.microsoft.com/office/drawing/2014/main" id="{F8B00B0C-CEC3-254C-443E-5448C2F95A8C}"/>
-              </a:ext>
-            </a:extLst>
-          </p:cNvPr>
-          <p:cNvSpPr txBox="1"/>
-          <p:nvPr/>
-        </p:nvSpPr>
-        <p:spPr>
-          <a:xfrm>
-            <a:off x="7690138" y="4120180"/>
-            <a:ext cx="3755253" cy="369332"/>
-          </a:xfrm>
-          <a:prstGeom prst="rect">
-            <a:avLst/>
-          </a:prstGeom>
-          <a:noFill/>
-        </p:spPr>
-        <p:txBody>
-          <a:bodyPr wrap="square" rtlCol="0">
-            <a:spAutoFit/>
-          </a:bodyPr>
-          <a:lstStyle/>
-          <a:p>
-            <a:pPr algn="ctr"/>
-            <a:r>
-              <a:rPr lang="ru-RU" b="1" dirty="0">
-                <a:solidFill>
-                  <a:schemeClr val="bg1"/>
-                </a:solidFill>
-              </a:rPr>
-              <a:t>Результат команды</a:t>
-            </a:r>
-          </a:p>
-        </p:txBody>
-      </p:sp>
     </p:spTree>
     <p:extLst>
       <p:ext uri="{BB962C8B-B14F-4D97-AF65-F5344CB8AC3E}">
-        <p14:creationId xmlns:p14="http://schemas.microsoft.com/office/powerpoint/2010/main" val="3444942343"/>
+        <p14:creationId xmlns:p14="http://schemas.microsoft.com/office/powerpoint/2010/main" val="3248451944"/>
       </p:ext>
     </p:extLst>
   </p:cSld>
@@ -7372,298 +7220,103 @@
       </p:grpSpPr>
       <p:sp>
         <p:nvSpPr>
-          <p:cNvPr id="6" name="Прямоугольник: скругленные углы 5">
-            <a:extLst>
-              <a:ext uri="{FF2B5EF4-FFF2-40B4-BE49-F238E27FC236}">
-                <a16:creationId xmlns:a16="http://schemas.microsoft.com/office/drawing/2014/main" id="{D7F2F3CA-E5CB-44A3-AD2A-C04FF46662A8}"/>
-              </a:ext>
-            </a:extLst>
-          </p:cNvPr>
-          <p:cNvSpPr/>
+          <p:cNvPr id="3" name="Заголовок 6">
+            <a:extLst>
+              <a:ext uri="{FF2B5EF4-FFF2-40B4-BE49-F238E27FC236}">
+                <a16:creationId xmlns:a16="http://schemas.microsoft.com/office/drawing/2014/main" id="{7F969BA9-903A-70BA-869A-68703DF2A006}"/>
+              </a:ext>
+            </a:extLst>
+          </p:cNvPr>
+          <p:cNvSpPr txBox="1">
+            <a:spLocks/>
+          </p:cNvSpPr>
           <p:nvPr/>
         </p:nvSpPr>
         <p:spPr>
           <a:xfrm>
-            <a:off x="8202886" y="1540505"/>
-            <a:ext cx="3692066" cy="3451373"/>
-          </a:xfrm>
-          <a:prstGeom prst="roundRect">
-            <a:avLst>
-              <a:gd name="adj" fmla="val 9280"/>
-            </a:avLst>
-          </a:prstGeom>
-        </p:spPr>
-        <p:style>
-          <a:lnRef idx="2">
-            <a:schemeClr val="accent1">
-              <a:shade val="15000"/>
-            </a:schemeClr>
-          </a:lnRef>
-          <a:fillRef idx="1">
-            <a:schemeClr val="accent1"/>
-          </a:fillRef>
-          <a:effectRef idx="0">
-            <a:schemeClr val="accent1"/>
-          </a:effectRef>
-          <a:fontRef idx="minor">
-            <a:schemeClr val="lt1"/>
-          </a:fontRef>
-        </p:style>
-        <p:txBody>
-          <a:bodyPr rtlCol="0" anchor="ctr"/>
-          <a:lstStyle/>
-          <a:p>
-            <a:pPr algn="ctr"/>
-            <a:endParaRPr lang="ru-RU"/>
-          </a:p>
-        </p:txBody>
-      </p:sp>
-      <p:sp>
-        <p:nvSpPr>
-          <p:cNvPr id="7" name="Прямоугольник: скругленные углы 6">
-            <a:extLst>
-              <a:ext uri="{FF2B5EF4-FFF2-40B4-BE49-F238E27FC236}">
-                <a16:creationId xmlns:a16="http://schemas.microsoft.com/office/drawing/2014/main" id="{EB8B8745-798F-4EE6-E83D-E9DC4DE42E28}"/>
-              </a:ext>
-            </a:extLst>
-          </p:cNvPr>
-          <p:cNvSpPr/>
-          <p:nvPr/>
-        </p:nvSpPr>
-        <p:spPr>
-          <a:xfrm>
-            <a:off x="4257134" y="1547077"/>
-            <a:ext cx="3692066" cy="3451373"/>
-          </a:xfrm>
-          <a:prstGeom prst="roundRect">
-            <a:avLst>
-              <a:gd name="adj" fmla="val 9280"/>
-            </a:avLst>
-          </a:prstGeom>
-        </p:spPr>
-        <p:style>
-          <a:lnRef idx="2">
-            <a:schemeClr val="accent1">
-              <a:shade val="15000"/>
-            </a:schemeClr>
-          </a:lnRef>
-          <a:fillRef idx="1">
-            <a:schemeClr val="accent1"/>
-          </a:fillRef>
-          <a:effectRef idx="0">
-            <a:schemeClr val="accent1"/>
-          </a:effectRef>
-          <a:fontRef idx="minor">
-            <a:schemeClr val="lt1"/>
-          </a:fontRef>
-        </p:style>
-        <p:txBody>
-          <a:bodyPr rtlCol="0" anchor="ctr"/>
-          <a:lstStyle/>
-          <a:p>
-            <a:pPr algn="ctr"/>
-            <a:endParaRPr lang="ru-RU"/>
-          </a:p>
-        </p:txBody>
-      </p:sp>
-      <p:sp>
-        <p:nvSpPr>
-          <p:cNvPr id="2" name="Прямоугольник: скругленные углы 1">
-            <a:extLst>
-              <a:ext uri="{FF2B5EF4-FFF2-40B4-BE49-F238E27FC236}">
-                <a16:creationId xmlns:a16="http://schemas.microsoft.com/office/drawing/2014/main" id="{8955BABD-E90A-430E-8C2B-CCFBD6585190}"/>
-              </a:ext>
-            </a:extLst>
-          </p:cNvPr>
-          <p:cNvSpPr/>
-          <p:nvPr/>
-        </p:nvSpPr>
-        <p:spPr>
-          <a:xfrm>
-            <a:off x="311382" y="1547077"/>
-            <a:ext cx="3692066" cy="3451373"/>
-          </a:xfrm>
-          <a:prstGeom prst="roundRect">
-            <a:avLst>
-              <a:gd name="adj" fmla="val 9280"/>
-            </a:avLst>
-          </a:prstGeom>
-        </p:spPr>
-        <p:style>
-          <a:lnRef idx="2">
-            <a:schemeClr val="accent1">
-              <a:shade val="15000"/>
-            </a:schemeClr>
-          </a:lnRef>
-          <a:fillRef idx="1">
-            <a:schemeClr val="accent1"/>
-          </a:fillRef>
-          <a:effectRef idx="0">
-            <a:schemeClr val="accent1"/>
-          </a:effectRef>
-          <a:fontRef idx="minor">
-            <a:schemeClr val="lt1"/>
-          </a:fontRef>
-        </p:style>
-        <p:txBody>
-          <a:bodyPr rtlCol="0" anchor="ctr"/>
-          <a:lstStyle/>
-          <a:p>
-            <a:pPr algn="ctr"/>
-            <a:endParaRPr lang="ru-RU"/>
-          </a:p>
-        </p:txBody>
-      </p:sp>
-      <p:sp>
-        <p:nvSpPr>
-          <p:cNvPr id="5" name="TextBox 3">
-            <a:extLst>
-              <a:ext uri="{FF2B5EF4-FFF2-40B4-BE49-F238E27FC236}">
-                <a16:creationId xmlns:a16="http://schemas.microsoft.com/office/drawing/2014/main" id="{486C7F71-D8CA-EF26-9193-EBAA6391C2C5}"/>
-              </a:ext>
-            </a:extLst>
-          </p:cNvPr>
-          <p:cNvSpPr txBox="1"/>
-          <p:nvPr/>
-        </p:nvSpPr>
-        <p:spPr>
-          <a:xfrm>
-            <a:off x="1614488" y="249367"/>
-            <a:ext cx="8963025" cy="480131"/>
+            <a:off x="2598440" y="401445"/>
+            <a:ext cx="6995120" cy="725759"/>
           </a:xfrm>
           <a:prstGeom prst="rect">
             <a:avLst/>
           </a:prstGeom>
-          <a:noFill/>
         </p:spPr>
         <p:txBody>
-          <a:bodyPr wrap="square" rtlCol="0">
-            <a:spAutoFit/>
+          <a:bodyPr vert="horz" lIns="91440" tIns="45720" rIns="91440" bIns="45720" rtlCol="0" anchor="ctr">
+            <a:noAutofit/>
           </a:bodyPr>
           <a:lstStyle>
-            <a:defPPr>
-              <a:defRPr lang="ru-RU"/>
-            </a:defPPr>
-            <a:lvl1pPr marL="0" algn="l" defTabSz="914400" rtl="0" eaLnBrk="1" latinLnBrk="0" hangingPunct="1">
-              <a:defRPr sz="1800" kern="1200">
-                <a:solidFill>
-                  <a:schemeClr val="tx1"/>
-                </a:solidFill>
-                <a:latin typeface="+mn-lt"/>
-                <a:ea typeface="+mn-ea"/>
-                <a:cs typeface="+mn-cs"/>
-              </a:defRPr>
-            </a:lvl1pPr>
-            <a:lvl2pPr marL="457200" algn="l" defTabSz="914400" rtl="0" eaLnBrk="1" latinLnBrk="0" hangingPunct="1">
-              <a:defRPr sz="1800" kern="1200">
-                <a:solidFill>
-                  <a:schemeClr val="tx1"/>
-                </a:solidFill>
-                <a:latin typeface="+mn-lt"/>
-                <a:ea typeface="+mn-ea"/>
-                <a:cs typeface="+mn-cs"/>
-              </a:defRPr>
-            </a:lvl2pPr>
-            <a:lvl3pPr marL="914400" algn="l" defTabSz="914400" rtl="0" eaLnBrk="1" latinLnBrk="0" hangingPunct="1">
-              <a:defRPr sz="1800" kern="1200">
-                <a:solidFill>
-                  <a:schemeClr val="tx1"/>
-                </a:solidFill>
-                <a:latin typeface="+mn-lt"/>
-                <a:ea typeface="+mn-ea"/>
-                <a:cs typeface="+mn-cs"/>
-              </a:defRPr>
-            </a:lvl3pPr>
-            <a:lvl4pPr marL="1371600" algn="l" defTabSz="914400" rtl="0" eaLnBrk="1" latinLnBrk="0" hangingPunct="1">
-              <a:defRPr sz="1800" kern="1200">
-                <a:solidFill>
-                  <a:schemeClr val="tx1"/>
-                </a:solidFill>
-                <a:latin typeface="+mn-lt"/>
-                <a:ea typeface="+mn-ea"/>
-                <a:cs typeface="+mn-cs"/>
-              </a:defRPr>
-            </a:lvl4pPr>
-            <a:lvl5pPr marL="1828800" algn="l" defTabSz="914400" rtl="0" eaLnBrk="1" latinLnBrk="0" hangingPunct="1">
-              <a:defRPr sz="1800" kern="1200">
-                <a:solidFill>
-                  <a:schemeClr val="tx1"/>
-                </a:solidFill>
-                <a:latin typeface="+mn-lt"/>
-                <a:ea typeface="+mn-ea"/>
-                <a:cs typeface="+mn-cs"/>
-              </a:defRPr>
-            </a:lvl5pPr>
-            <a:lvl6pPr marL="2286000" algn="l" defTabSz="914400" rtl="0" eaLnBrk="1" latinLnBrk="0" hangingPunct="1">
-              <a:defRPr sz="1800" kern="1200">
-                <a:solidFill>
-                  <a:schemeClr val="tx1"/>
-                </a:solidFill>
-                <a:latin typeface="+mn-lt"/>
-                <a:ea typeface="+mn-ea"/>
-                <a:cs typeface="+mn-cs"/>
-              </a:defRPr>
-            </a:lvl6pPr>
-            <a:lvl7pPr marL="2743200" algn="l" defTabSz="914400" rtl="0" eaLnBrk="1" latinLnBrk="0" hangingPunct="1">
-              <a:defRPr sz="1800" kern="1200">
-                <a:solidFill>
-                  <a:schemeClr val="tx1"/>
-                </a:solidFill>
-                <a:latin typeface="+mn-lt"/>
-                <a:ea typeface="+mn-ea"/>
-                <a:cs typeface="+mn-cs"/>
-              </a:defRPr>
-            </a:lvl7pPr>
-            <a:lvl8pPr marL="3200400" algn="l" defTabSz="914400" rtl="0" eaLnBrk="1" latinLnBrk="0" hangingPunct="1">
-              <a:defRPr sz="1800" kern="1200">
-                <a:solidFill>
-                  <a:schemeClr val="tx1"/>
-                </a:solidFill>
-                <a:latin typeface="+mn-lt"/>
-                <a:ea typeface="+mn-ea"/>
-                <a:cs typeface="+mn-cs"/>
-              </a:defRPr>
-            </a:lvl8pPr>
-            <a:lvl9pPr marL="3657600" algn="l" defTabSz="914400" rtl="0" eaLnBrk="1" latinLnBrk="0" hangingPunct="1">
-              <a:defRPr sz="1800" kern="1200">
-                <a:solidFill>
-                  <a:schemeClr val="tx1"/>
-                </a:solidFill>
-                <a:latin typeface="+mn-lt"/>
-                <a:ea typeface="+mn-ea"/>
-                <a:cs typeface="+mn-cs"/>
-              </a:defRPr>
-            </a:lvl9pPr>
-          </a:lstStyle>
-          <a:p>
-            <a:pPr algn="ctr">
+            <a:lvl1pPr algn="l" defTabSz="914400" rtl="0" eaLnBrk="1" latinLnBrk="0" hangingPunct="1">
               <a:lnSpc>
                 <a:spcPct val="90000"/>
               </a:lnSpc>
               <a:spcBef>
                 <a:spcPct val="0"/>
               </a:spcBef>
-            </a:pPr>
+              <a:buNone/>
+              <a:defRPr sz="4400" kern="1200">
+                <a:solidFill>
+                  <a:schemeClr val="tx1"/>
+                </a:solidFill>
+                <a:latin typeface="+mj-lt"/>
+                <a:ea typeface="+mj-ea"/>
+                <a:cs typeface="+mj-cs"/>
+              </a:defRPr>
+            </a:lvl1pPr>
+          </a:lstStyle>
+          <a:p>
+            <a:pPr algn="ctr"/>
             <a:r>
               <a:rPr lang="ru-RU" sz="2800" b="1" dirty="0">
                 <a:solidFill>
                   <a:srgbClr val="0070C0"/>
                 </a:solidFill>
                 <a:latin typeface="Arial" panose="020B0604020202020204" pitchFamily="34" charset="0"/>
-                <a:ea typeface="+mj-ea"/>
                 <a:cs typeface="Arial" panose="020B0604020202020204" pitchFamily="34" charset="0"/>
               </a:rPr>
-              <a:t>Программирование</a:t>
+              <a:t>РАЗРАБОТКА ПРОГРАММНОГО ПРОДУКТА</a:t>
             </a:r>
           </a:p>
         </p:txBody>
       </p:sp>
+      <p:pic>
+        <p:nvPicPr>
+          <p:cNvPr id="5" name="Рисунок 4">
+            <a:extLst>
+              <a:ext uri="{FF2B5EF4-FFF2-40B4-BE49-F238E27FC236}">
+                <a16:creationId xmlns:a16="http://schemas.microsoft.com/office/drawing/2014/main" id="{18976E0E-E3E0-EF3B-AB95-ABF268BFBFC4}"/>
+              </a:ext>
+            </a:extLst>
+          </p:cNvPr>
+          <p:cNvPicPr>
+            <a:picLocks noChangeAspect="1"/>
+          </p:cNvPicPr>
+          <p:nvPr/>
+        </p:nvPicPr>
+        <p:blipFill>
+          <a:blip r:embed="rId2"/>
+          <a:stretch>
+            <a:fillRect/>
+          </a:stretch>
+        </p:blipFill>
+        <p:spPr>
+          <a:xfrm>
+            <a:off x="2855912" y="802005"/>
+            <a:ext cx="6480175" cy="5253990"/>
+          </a:xfrm>
+          <a:prstGeom prst="roundRect">
+            <a:avLst>
+              <a:gd name="adj" fmla="val 8690"/>
+            </a:avLst>
+          </a:prstGeom>
+        </p:spPr>
+      </p:pic>
       <p:sp>
         <p:nvSpPr>
-          <p:cNvPr id="8" name="TextBox 7">
-            <a:extLst>
-              <a:ext uri="{FF2B5EF4-FFF2-40B4-BE49-F238E27FC236}">
-                <a16:creationId xmlns:a16="http://schemas.microsoft.com/office/drawing/2014/main" id="{4B5E447F-17BD-43BE-B408-71A6046065AC}"/>
+          <p:cNvPr id="10" name="TextBox 9">
+            <a:extLst>
+              <a:ext uri="{FF2B5EF4-FFF2-40B4-BE49-F238E27FC236}">
+                <a16:creationId xmlns:a16="http://schemas.microsoft.com/office/drawing/2014/main" id="{A630E5E2-15A3-C852-3C2E-F466F3AE8570}"/>
               </a:ext>
             </a:extLst>
           </p:cNvPr>
@@ -7672,8 +7325,8 @@
         </p:nvSpPr>
         <p:spPr>
           <a:xfrm>
-            <a:off x="565068" y="4156266"/>
-            <a:ext cx="3184695" cy="646331"/>
+            <a:off x="3640190" y="6087223"/>
+            <a:ext cx="4540276" cy="369332"/>
           </a:xfrm>
           <a:prstGeom prst="rect">
             <a:avLst/>
@@ -7688,197 +7341,44 @@
           <a:p>
             <a:pPr algn="ctr"/>
             <a:r>
-              <a:rPr lang="ru-RU" b="1" dirty="0">
-                <a:solidFill>
-                  <a:schemeClr val="bg1"/>
-                </a:solidFill>
+              <a:rPr lang="ru-RU" dirty="0">
+                <a:latin typeface="Arial" panose="020B0604020202020204" pitchFamily="34" charset="0"/>
+                <a:cs typeface="Arial" panose="020B0604020202020204" pitchFamily="34" charset="0"/>
               </a:rPr>
-              <a:t>Граф-дерево для тестирования</a:t>
-            </a:r>
-          </a:p>
-        </p:txBody>
-      </p:sp>
-      <p:pic>
-        <p:nvPicPr>
-          <p:cNvPr id="9" name="Рисунок 8">
-            <a:extLst>
-              <a:ext uri="{FF2B5EF4-FFF2-40B4-BE49-F238E27FC236}">
-                <a16:creationId xmlns:a16="http://schemas.microsoft.com/office/drawing/2014/main" id="{5A03E1C8-01E3-48A2-9018-78CADEF36532}"/>
-              </a:ext>
-            </a:extLst>
-          </p:cNvPr>
-          <p:cNvPicPr/>
-          <p:nvPr/>
-        </p:nvPicPr>
-        <p:blipFill>
-          <a:blip r:embed="rId2"/>
-          <a:stretch>
-            <a:fillRect/>
-          </a:stretch>
-        </p:blipFill>
-        <p:spPr>
-          <a:xfrm>
-            <a:off x="656275" y="1754696"/>
-            <a:ext cx="3002280" cy="2401570"/>
-          </a:xfrm>
-          <a:prstGeom prst="rect">
-            <a:avLst/>
-          </a:prstGeom>
-        </p:spPr>
-      </p:pic>
-      <p:pic>
-        <p:nvPicPr>
-          <p:cNvPr id="12" name="Рисунок 11">
-            <a:extLst>
-              <a:ext uri="{FF2B5EF4-FFF2-40B4-BE49-F238E27FC236}">
-                <a16:creationId xmlns:a16="http://schemas.microsoft.com/office/drawing/2014/main" id="{A4EF492D-CFDD-4A88-B534-9FF84F719BB3}"/>
-              </a:ext>
-            </a:extLst>
-          </p:cNvPr>
-          <p:cNvPicPr/>
-          <p:nvPr/>
-        </p:nvPicPr>
-        <p:blipFill>
-          <a:blip r:embed="rId3"/>
-          <a:stretch>
-            <a:fillRect/>
-          </a:stretch>
-        </p:blipFill>
-        <p:spPr>
-          <a:xfrm>
-            <a:off x="4377385" y="2288688"/>
-            <a:ext cx="3451565" cy="1455519"/>
-          </a:xfrm>
-          <a:prstGeom prst="rect">
-            <a:avLst/>
-          </a:prstGeom>
-        </p:spPr>
-      </p:pic>
-      <p:sp>
-        <p:nvSpPr>
-          <p:cNvPr id="13" name="TextBox 12">
-            <a:extLst>
-              <a:ext uri="{FF2B5EF4-FFF2-40B4-BE49-F238E27FC236}">
-                <a16:creationId xmlns:a16="http://schemas.microsoft.com/office/drawing/2014/main" id="{41EC3C77-90EC-4E45-9D4B-5D63086465CF}"/>
-              </a:ext>
-            </a:extLst>
-          </p:cNvPr>
-          <p:cNvSpPr txBox="1"/>
-          <p:nvPr/>
-        </p:nvSpPr>
-        <p:spPr>
-          <a:xfrm>
-            <a:off x="4510820" y="4048163"/>
-            <a:ext cx="3184695" cy="646331"/>
-          </a:xfrm>
-          <a:prstGeom prst="rect">
-            <a:avLst/>
-          </a:prstGeom>
-          <a:noFill/>
-        </p:spPr>
-        <p:txBody>
-          <a:bodyPr wrap="square" rtlCol="0">
-            <a:spAutoFit/>
-          </a:bodyPr>
-          <a:lstStyle/>
-          <a:p>
-            <a:pPr algn="ctr"/>
-            <a:r>
-              <a:rPr lang="ru-RU" b="1" dirty="0">
-                <a:solidFill>
-                  <a:schemeClr val="bg1"/>
-                </a:solidFill>
+              <a:t>Документирование </a:t>
+            </a:r>
+            <a:r>
+              <a:rPr lang="en-US" dirty="0">
+                <a:latin typeface="Arial" panose="020B0604020202020204" pitchFamily="34" charset="0"/>
+                <a:cs typeface="Arial" panose="020B0604020202020204" pitchFamily="34" charset="0"/>
               </a:rPr>
-              <a:t>Результат получения код </a:t>
-            </a:r>
-            <a:r>
-              <a:rPr lang="ru-RU" b="1" dirty="0" err="1">
-                <a:solidFill>
-                  <a:schemeClr val="bg1"/>
-                </a:solidFill>
+              <a:t>API </a:t>
+            </a:r>
+            <a:r>
+              <a:rPr lang="ru-RU" dirty="0">
+                <a:latin typeface="Arial" panose="020B0604020202020204" pitchFamily="34" charset="0"/>
+                <a:cs typeface="Arial" panose="020B0604020202020204" pitchFamily="34" charset="0"/>
               </a:rPr>
-              <a:t>Прюфера</a:t>
-            </a:r>
-            <a:endParaRPr lang="ru-RU" b="1" dirty="0">
-              <a:solidFill>
-                <a:schemeClr val="bg1"/>
-              </a:solidFill>
+              <a:t>в </a:t>
+            </a:r>
+            <a:r>
+              <a:rPr lang="en-US" dirty="0">
+                <a:latin typeface="Arial" panose="020B0604020202020204" pitchFamily="34" charset="0"/>
+                <a:cs typeface="Arial" panose="020B0604020202020204" pitchFamily="34" charset="0"/>
+              </a:rPr>
+              <a:t>Swagger</a:t>
+            </a:r>
+            <a:endParaRPr lang="ru-RU" dirty="0">
+              <a:latin typeface="Arial" panose="020B0604020202020204" pitchFamily="34" charset="0"/>
+              <a:cs typeface="Arial" panose="020B0604020202020204" pitchFamily="34" charset="0"/>
             </a:endParaRPr>
-          </a:p>
-        </p:txBody>
-      </p:sp>
-      <p:pic>
-        <p:nvPicPr>
-          <p:cNvPr id="14" name="Рисунок 13">
-            <a:extLst>
-              <a:ext uri="{FF2B5EF4-FFF2-40B4-BE49-F238E27FC236}">
-                <a16:creationId xmlns:a16="http://schemas.microsoft.com/office/drawing/2014/main" id="{7D4190C5-77BD-4579-BB45-D3874A9D346B}"/>
-              </a:ext>
-            </a:extLst>
-          </p:cNvPr>
-          <p:cNvPicPr/>
-          <p:nvPr/>
-        </p:nvPicPr>
-        <p:blipFill>
-          <a:blip r:embed="rId4"/>
-          <a:stretch>
-            <a:fillRect/>
-          </a:stretch>
-        </p:blipFill>
-        <p:spPr>
-          <a:xfrm>
-            <a:off x="8739232" y="1860704"/>
-            <a:ext cx="2619375" cy="2266950"/>
-          </a:xfrm>
-          <a:prstGeom prst="rect">
-            <a:avLst/>
-          </a:prstGeom>
-        </p:spPr>
-      </p:pic>
-      <p:sp>
-        <p:nvSpPr>
-          <p:cNvPr id="15" name="TextBox 14">
-            <a:extLst>
-              <a:ext uri="{FF2B5EF4-FFF2-40B4-BE49-F238E27FC236}">
-                <a16:creationId xmlns:a16="http://schemas.microsoft.com/office/drawing/2014/main" id="{F58EBF79-A3C4-4719-A180-ABD194AD709D}"/>
-              </a:ext>
-            </a:extLst>
-          </p:cNvPr>
-          <p:cNvSpPr txBox="1"/>
-          <p:nvPr/>
-        </p:nvSpPr>
-        <p:spPr>
-          <a:xfrm>
-            <a:off x="8456572" y="4240464"/>
-            <a:ext cx="3184695" cy="646331"/>
-          </a:xfrm>
-          <a:prstGeom prst="rect">
-            <a:avLst/>
-          </a:prstGeom>
-          <a:noFill/>
-        </p:spPr>
-        <p:txBody>
-          <a:bodyPr wrap="square" rtlCol="0">
-            <a:spAutoFit/>
-          </a:bodyPr>
-          <a:lstStyle/>
-          <a:p>
-            <a:pPr algn="ctr"/>
-            <a:r>
-              <a:rPr lang="ru-RU" b="1" dirty="0">
-                <a:solidFill>
-                  <a:schemeClr val="bg1"/>
-                </a:solidFill>
-              </a:rPr>
-              <a:t>Результат получения рёбер графа</a:t>
-            </a:r>
           </a:p>
         </p:txBody>
       </p:sp>
     </p:spTree>
     <p:extLst>
       <p:ext uri="{BB962C8B-B14F-4D97-AF65-F5344CB8AC3E}">
-        <p14:creationId xmlns:p14="http://schemas.microsoft.com/office/powerpoint/2010/main" val="1462103421"/>
+        <p14:creationId xmlns:p14="http://schemas.microsoft.com/office/powerpoint/2010/main" val="1467164443"/>
       </p:ext>
     </p:extLst>
   </p:cSld>
@@ -7907,268 +7407,71 @@
       </p:grpSpPr>
       <p:sp>
         <p:nvSpPr>
-          <p:cNvPr id="3" name="Прямоугольник: скругленные углы 2">
-            <a:extLst>
-              <a:ext uri="{FF2B5EF4-FFF2-40B4-BE49-F238E27FC236}">
-                <a16:creationId xmlns:a16="http://schemas.microsoft.com/office/drawing/2014/main" id="{B4846974-0A3E-1883-86AA-3D75DB5E7071}"/>
-              </a:ext>
-            </a:extLst>
-          </p:cNvPr>
-          <p:cNvSpPr/>
+          <p:cNvPr id="3" name="Заголовок 6">
+            <a:extLst>
+              <a:ext uri="{FF2B5EF4-FFF2-40B4-BE49-F238E27FC236}">
+                <a16:creationId xmlns:a16="http://schemas.microsoft.com/office/drawing/2014/main" id="{7F969BA9-903A-70BA-869A-68703DF2A006}"/>
+              </a:ext>
+            </a:extLst>
+          </p:cNvPr>
+          <p:cNvSpPr txBox="1">
+            <a:spLocks/>
+          </p:cNvSpPr>
           <p:nvPr/>
         </p:nvSpPr>
         <p:spPr>
           <a:xfrm>
-            <a:off x="5374433" y="1117297"/>
-            <a:ext cx="5859624" cy="4161454"/>
-          </a:xfrm>
-          <a:prstGeom prst="roundRect">
-            <a:avLst>
-              <a:gd name="adj" fmla="val 9280"/>
-            </a:avLst>
-          </a:prstGeom>
-        </p:spPr>
-        <p:style>
-          <a:lnRef idx="2">
-            <a:schemeClr val="accent1">
-              <a:shade val="15000"/>
-            </a:schemeClr>
-          </a:lnRef>
-          <a:fillRef idx="1">
-            <a:schemeClr val="accent1"/>
-          </a:fillRef>
-          <a:effectRef idx="0">
-            <a:schemeClr val="accent1"/>
-          </a:effectRef>
-          <a:fontRef idx="minor">
-            <a:schemeClr val="lt1"/>
-          </a:fontRef>
-        </p:style>
-        <p:txBody>
-          <a:bodyPr rtlCol="0" anchor="ctr"/>
-          <a:lstStyle/>
-          <a:p>
-            <a:pPr algn="ctr"/>
-            <a:endParaRPr lang="ru-RU"/>
-          </a:p>
-        </p:txBody>
-      </p:sp>
-      <p:sp>
-        <p:nvSpPr>
-          <p:cNvPr id="2" name="Прямоугольник: скругленные углы 1">
-            <a:extLst>
-              <a:ext uri="{FF2B5EF4-FFF2-40B4-BE49-F238E27FC236}">
-                <a16:creationId xmlns:a16="http://schemas.microsoft.com/office/drawing/2014/main" id="{A2FC7C09-F456-6DCC-B856-0C1ACB19C255}"/>
-              </a:ext>
-            </a:extLst>
-          </p:cNvPr>
-          <p:cNvSpPr/>
-          <p:nvPr/>
-        </p:nvSpPr>
-        <p:spPr>
-          <a:xfrm>
-            <a:off x="698241" y="1123740"/>
-            <a:ext cx="4200331" cy="4161454"/>
-          </a:xfrm>
-          <a:prstGeom prst="roundRect">
-            <a:avLst>
-              <a:gd name="adj" fmla="val 9280"/>
-            </a:avLst>
-          </a:prstGeom>
-        </p:spPr>
-        <p:style>
-          <a:lnRef idx="2">
-            <a:schemeClr val="accent1">
-              <a:shade val="15000"/>
-            </a:schemeClr>
-          </a:lnRef>
-          <a:fillRef idx="1">
-            <a:schemeClr val="accent1"/>
-          </a:fillRef>
-          <a:effectRef idx="0">
-            <a:schemeClr val="accent1"/>
-          </a:effectRef>
-          <a:fontRef idx="minor">
-            <a:schemeClr val="lt1"/>
-          </a:fontRef>
-        </p:style>
-        <p:txBody>
-          <a:bodyPr rtlCol="0" anchor="ctr"/>
-          <a:lstStyle/>
-          <a:p>
-            <a:pPr algn="ctr"/>
-            <a:endParaRPr lang="ru-RU"/>
-          </a:p>
-        </p:txBody>
-      </p:sp>
-      <p:sp>
-        <p:nvSpPr>
-          <p:cNvPr id="5" name="TextBox 3">
-            <a:extLst>
-              <a:ext uri="{FF2B5EF4-FFF2-40B4-BE49-F238E27FC236}">
-                <a16:creationId xmlns:a16="http://schemas.microsoft.com/office/drawing/2014/main" id="{486C7F71-D8CA-EF26-9193-EBAA6391C2C5}"/>
-              </a:ext>
-            </a:extLst>
-          </p:cNvPr>
-          <p:cNvSpPr txBox="1"/>
-          <p:nvPr/>
-        </p:nvSpPr>
-        <p:spPr>
-          <a:xfrm>
-            <a:off x="1614488" y="249367"/>
-            <a:ext cx="8963025" cy="867930"/>
+            <a:off x="2598440" y="401445"/>
+            <a:ext cx="6995120" cy="725759"/>
           </a:xfrm>
           <a:prstGeom prst="rect">
             <a:avLst/>
           </a:prstGeom>
-          <a:noFill/>
         </p:spPr>
         <p:txBody>
-          <a:bodyPr wrap="square" rtlCol="0">
-            <a:spAutoFit/>
+          <a:bodyPr vert="horz" lIns="91440" tIns="45720" rIns="91440" bIns="45720" rtlCol="0" anchor="ctr">
+            <a:noAutofit/>
           </a:bodyPr>
           <a:lstStyle>
-            <a:defPPr>
-              <a:defRPr lang="ru-RU"/>
-            </a:defPPr>
-            <a:lvl1pPr marL="0" algn="l" defTabSz="914400" rtl="0" eaLnBrk="1" latinLnBrk="0" hangingPunct="1">
-              <a:defRPr sz="1800" kern="1200">
-                <a:solidFill>
-                  <a:schemeClr val="tx1"/>
-                </a:solidFill>
-                <a:latin typeface="+mn-lt"/>
-                <a:ea typeface="+mn-ea"/>
-                <a:cs typeface="+mn-cs"/>
-              </a:defRPr>
-            </a:lvl1pPr>
-            <a:lvl2pPr marL="457200" algn="l" defTabSz="914400" rtl="0" eaLnBrk="1" latinLnBrk="0" hangingPunct="1">
-              <a:defRPr sz="1800" kern="1200">
-                <a:solidFill>
-                  <a:schemeClr val="tx1"/>
-                </a:solidFill>
-                <a:latin typeface="+mn-lt"/>
-                <a:ea typeface="+mn-ea"/>
-                <a:cs typeface="+mn-cs"/>
-              </a:defRPr>
-            </a:lvl2pPr>
-            <a:lvl3pPr marL="914400" algn="l" defTabSz="914400" rtl="0" eaLnBrk="1" latinLnBrk="0" hangingPunct="1">
-              <a:defRPr sz="1800" kern="1200">
-                <a:solidFill>
-                  <a:schemeClr val="tx1"/>
-                </a:solidFill>
-                <a:latin typeface="+mn-lt"/>
-                <a:ea typeface="+mn-ea"/>
-                <a:cs typeface="+mn-cs"/>
-              </a:defRPr>
-            </a:lvl3pPr>
-            <a:lvl4pPr marL="1371600" algn="l" defTabSz="914400" rtl="0" eaLnBrk="1" latinLnBrk="0" hangingPunct="1">
-              <a:defRPr sz="1800" kern="1200">
-                <a:solidFill>
-                  <a:schemeClr val="tx1"/>
-                </a:solidFill>
-                <a:latin typeface="+mn-lt"/>
-                <a:ea typeface="+mn-ea"/>
-                <a:cs typeface="+mn-cs"/>
-              </a:defRPr>
-            </a:lvl4pPr>
-            <a:lvl5pPr marL="1828800" algn="l" defTabSz="914400" rtl="0" eaLnBrk="1" latinLnBrk="0" hangingPunct="1">
-              <a:defRPr sz="1800" kern="1200">
-                <a:solidFill>
-                  <a:schemeClr val="tx1"/>
-                </a:solidFill>
-                <a:latin typeface="+mn-lt"/>
-                <a:ea typeface="+mn-ea"/>
-                <a:cs typeface="+mn-cs"/>
-              </a:defRPr>
-            </a:lvl5pPr>
-            <a:lvl6pPr marL="2286000" algn="l" defTabSz="914400" rtl="0" eaLnBrk="1" latinLnBrk="0" hangingPunct="1">
-              <a:defRPr sz="1800" kern="1200">
-                <a:solidFill>
-                  <a:schemeClr val="tx1"/>
-                </a:solidFill>
-                <a:latin typeface="+mn-lt"/>
-                <a:ea typeface="+mn-ea"/>
-                <a:cs typeface="+mn-cs"/>
-              </a:defRPr>
-            </a:lvl6pPr>
-            <a:lvl7pPr marL="2743200" algn="l" defTabSz="914400" rtl="0" eaLnBrk="1" latinLnBrk="0" hangingPunct="1">
-              <a:defRPr sz="1800" kern="1200">
-                <a:solidFill>
-                  <a:schemeClr val="tx1"/>
-                </a:solidFill>
-                <a:latin typeface="+mn-lt"/>
-                <a:ea typeface="+mn-ea"/>
-                <a:cs typeface="+mn-cs"/>
-              </a:defRPr>
-            </a:lvl7pPr>
-            <a:lvl8pPr marL="3200400" algn="l" defTabSz="914400" rtl="0" eaLnBrk="1" latinLnBrk="0" hangingPunct="1">
-              <a:defRPr sz="1800" kern="1200">
-                <a:solidFill>
-                  <a:schemeClr val="tx1"/>
-                </a:solidFill>
-                <a:latin typeface="+mn-lt"/>
-                <a:ea typeface="+mn-ea"/>
-                <a:cs typeface="+mn-cs"/>
-              </a:defRPr>
-            </a:lvl8pPr>
-            <a:lvl9pPr marL="3657600" algn="l" defTabSz="914400" rtl="0" eaLnBrk="1" latinLnBrk="0" hangingPunct="1">
-              <a:defRPr sz="1800" kern="1200">
-                <a:solidFill>
-                  <a:schemeClr val="tx1"/>
-                </a:solidFill>
-                <a:latin typeface="+mn-lt"/>
-                <a:ea typeface="+mn-ea"/>
-                <a:cs typeface="+mn-cs"/>
-              </a:defRPr>
-            </a:lvl9pPr>
-          </a:lstStyle>
-          <a:p>
-            <a:pPr algn="ctr">
+            <a:lvl1pPr algn="l" defTabSz="914400" rtl="0" eaLnBrk="1" latinLnBrk="0" hangingPunct="1">
               <a:lnSpc>
                 <a:spcPct val="90000"/>
               </a:lnSpc>
               <a:spcBef>
                 <a:spcPct val="0"/>
               </a:spcBef>
-            </a:pPr>
+              <a:buNone/>
+              <a:defRPr sz="4400" kern="1200">
+                <a:solidFill>
+                  <a:schemeClr val="tx1"/>
+                </a:solidFill>
+                <a:latin typeface="+mj-lt"/>
+                <a:ea typeface="+mj-ea"/>
+                <a:cs typeface="+mj-cs"/>
+              </a:defRPr>
+            </a:lvl1pPr>
+          </a:lstStyle>
+          <a:p>
+            <a:pPr algn="ctr"/>
             <a:r>
               <a:rPr lang="ru-RU" sz="2800" b="1" dirty="0">
                 <a:solidFill>
                   <a:srgbClr val="0070C0"/>
                 </a:solidFill>
                 <a:latin typeface="Arial" panose="020B0604020202020204" pitchFamily="34" charset="0"/>
-                <a:ea typeface="+mj-ea"/>
                 <a:cs typeface="Arial" panose="020B0604020202020204" pitchFamily="34" charset="0"/>
               </a:rPr>
-              <a:t>Моделирование системы 1С</a:t>
-            </a:r>
-          </a:p>
-          <a:p>
-            <a:pPr algn="ctr">
-              <a:lnSpc>
-                <a:spcPct val="90000"/>
-              </a:lnSpc>
-              <a:spcBef>
-                <a:spcPct val="0"/>
-              </a:spcBef>
-            </a:pPr>
-            <a:endParaRPr lang="ru-RU" sz="2800" b="1" dirty="0">
-              <a:solidFill>
-                <a:srgbClr val="0070C0"/>
-              </a:solidFill>
-              <a:latin typeface="Arial" panose="020B0604020202020204" pitchFamily="34" charset="0"/>
-              <a:ea typeface="+mj-ea"/>
-              <a:cs typeface="Arial" panose="020B0604020202020204" pitchFamily="34" charset="0"/>
-            </a:endParaRPr>
+              <a:t>РАЗРАБОТКА ПРОГРАММНОГО ПРОДУКТА</a:t>
+            </a:r>
           </a:p>
         </p:txBody>
       </p:sp>
       <p:pic>
         <p:nvPicPr>
-          <p:cNvPr id="7" name="Рисунок 6">
-            <a:extLst>
-              <a:ext uri="{FF2B5EF4-FFF2-40B4-BE49-F238E27FC236}">
-                <a16:creationId xmlns:a16="http://schemas.microsoft.com/office/drawing/2014/main" id="{EC0742AC-A17E-40F6-9651-AAEF139F7209}"/>
+          <p:cNvPr id="4" name="Рисунок 3">
+            <a:extLst>
+              <a:ext uri="{FF2B5EF4-FFF2-40B4-BE49-F238E27FC236}">
+                <a16:creationId xmlns:a16="http://schemas.microsoft.com/office/drawing/2014/main" id="{D3928F0D-B22B-7FB4-B3F8-CC337CCA4818}"/>
               </a:ext>
             </a:extLst>
           </p:cNvPr>
@@ -8185,60 +7488,22 @@
         </p:blipFill>
         <p:spPr>
           <a:xfrm>
-            <a:off x="1206059" y="1572806"/>
-            <a:ext cx="3184694" cy="2724530"/>
+            <a:off x="718942" y="1258462"/>
+            <a:ext cx="5710456" cy="3827888"/>
           </a:xfrm>
-          <a:prstGeom prst="rect">
-            <a:avLst/>
+          <a:prstGeom prst="roundRect">
+            <a:avLst>
+              <a:gd name="adj" fmla="val 6714"/>
+            </a:avLst>
           </a:prstGeom>
         </p:spPr>
       </p:pic>
-      <p:sp>
-        <p:nvSpPr>
-          <p:cNvPr id="8" name="TextBox 7">
-            <a:extLst>
-              <a:ext uri="{FF2B5EF4-FFF2-40B4-BE49-F238E27FC236}">
-                <a16:creationId xmlns:a16="http://schemas.microsoft.com/office/drawing/2014/main" id="{4B5E447F-17BD-43BE-B408-71A6046065AC}"/>
-              </a:ext>
-            </a:extLst>
-          </p:cNvPr>
-          <p:cNvSpPr txBox="1"/>
-          <p:nvPr/>
-        </p:nvSpPr>
-        <p:spPr>
-          <a:xfrm>
-            <a:off x="1206059" y="4462195"/>
-            <a:ext cx="3184695" cy="646331"/>
-          </a:xfrm>
-          <a:prstGeom prst="rect">
-            <a:avLst/>
-          </a:prstGeom>
-          <a:noFill/>
-        </p:spPr>
-        <p:txBody>
-          <a:bodyPr wrap="square" rtlCol="0">
-            <a:spAutoFit/>
-          </a:bodyPr>
-          <a:lstStyle/>
-          <a:p>
-            <a:pPr algn="ctr"/>
-            <a:r>
-              <a:rPr lang="ru-RU" b="1" dirty="0">
-                <a:solidFill>
-                  <a:schemeClr val="bg1"/>
-                </a:solidFill>
-              </a:rPr>
-              <a:t>Дерево объектов создаваемого справочника</a:t>
-            </a:r>
-          </a:p>
-        </p:txBody>
-      </p:sp>
       <p:pic>
         <p:nvPicPr>
-          <p:cNvPr id="10" name="Рисунок 9">
-            <a:extLst>
-              <a:ext uri="{FF2B5EF4-FFF2-40B4-BE49-F238E27FC236}">
-                <a16:creationId xmlns:a16="http://schemas.microsoft.com/office/drawing/2014/main" id="{32A131B7-5DCF-4BEF-A82F-4313DEF8210B}"/>
+          <p:cNvPr id="7" name="Рисунок 6">
+            <a:extLst>
+              <a:ext uri="{FF2B5EF4-FFF2-40B4-BE49-F238E27FC236}">
+                <a16:creationId xmlns:a16="http://schemas.microsoft.com/office/drawing/2014/main" id="{C84A9104-CB0F-33EC-5AE3-3D7ABFCF4B7B}"/>
               </a:ext>
             </a:extLst>
           </p:cNvPr>
@@ -8255,20 +7520,22 @@
         </p:blipFill>
         <p:spPr>
           <a:xfrm>
-            <a:off x="5780360" y="1548353"/>
-            <a:ext cx="5047771" cy="2838435"/>
+            <a:off x="6873106" y="1414690"/>
+            <a:ext cx="4540276" cy="3766168"/>
           </a:xfrm>
-          <a:prstGeom prst="rect">
-            <a:avLst/>
+          <a:prstGeom prst="roundRect">
+            <a:avLst>
+              <a:gd name="adj" fmla="val 7815"/>
+            </a:avLst>
           </a:prstGeom>
         </p:spPr>
       </p:pic>
       <p:sp>
         <p:nvSpPr>
-          <p:cNvPr id="11" name="TextBox 10">
-            <a:extLst>
-              <a:ext uri="{FF2B5EF4-FFF2-40B4-BE49-F238E27FC236}">
-                <a16:creationId xmlns:a16="http://schemas.microsoft.com/office/drawing/2014/main" id="{AABED57F-955A-4BD2-A01B-DC8CFA77C149}"/>
+          <p:cNvPr id="8" name="TextBox 7">
+            <a:extLst>
+              <a:ext uri="{FF2B5EF4-FFF2-40B4-BE49-F238E27FC236}">
+                <a16:creationId xmlns:a16="http://schemas.microsoft.com/office/drawing/2014/main" id="{4CF6D914-1BC0-6BC0-4FD7-E33C6D902572}"/>
               </a:ext>
             </a:extLst>
           </p:cNvPr>
@@ -8277,8 +7544,8 @@
         </p:nvSpPr>
         <p:spPr>
           <a:xfrm>
-            <a:off x="6711898" y="4551647"/>
-            <a:ext cx="3184695" cy="646331"/>
+            <a:off x="1128472" y="5276372"/>
+            <a:ext cx="4540276" cy="646331"/>
           </a:xfrm>
           <a:prstGeom prst="rect">
             <a:avLst/>
@@ -8293,20 +7560,108 @@
           <a:p>
             <a:pPr algn="ctr"/>
             <a:r>
-              <a:rPr lang="ru-RU" b="1" dirty="0">
-                <a:solidFill>
-                  <a:schemeClr val="bg1"/>
-                </a:solidFill>
+              <a:rPr lang="ru-RU" dirty="0">
+                <a:latin typeface="Arial" panose="020B0604020202020204" pitchFamily="34" charset="0"/>
+                <a:cs typeface="Arial" panose="020B0604020202020204" pitchFamily="34" charset="0"/>
               </a:rPr>
-              <a:t>Результат моделирования системы</a:t>
-            </a:r>
+              <a:t>Запрос на получение списка ролей к </a:t>
+            </a:r>
+            <a:r>
+              <a:rPr lang="en-US" dirty="0">
+                <a:latin typeface="Arial" panose="020B0604020202020204" pitchFamily="34" charset="0"/>
+                <a:cs typeface="Arial" panose="020B0604020202020204" pitchFamily="34" charset="0"/>
+              </a:rPr>
+              <a:t>API </a:t>
+            </a:r>
+            <a:r>
+              <a:rPr lang="ru-RU" dirty="0">
+                <a:latin typeface="Arial" panose="020B0604020202020204" pitchFamily="34" charset="0"/>
+                <a:cs typeface="Arial" panose="020B0604020202020204" pitchFamily="34" charset="0"/>
+              </a:rPr>
+              <a:t>в </a:t>
+            </a:r>
+            <a:r>
+              <a:rPr lang="en-US" dirty="0">
+                <a:latin typeface="Arial" panose="020B0604020202020204" pitchFamily="34" charset="0"/>
+                <a:cs typeface="Arial" panose="020B0604020202020204" pitchFamily="34" charset="0"/>
+              </a:rPr>
+              <a:t>Swagger</a:t>
+            </a:r>
+            <a:endParaRPr lang="ru-RU" dirty="0">
+              <a:latin typeface="Arial" panose="020B0604020202020204" pitchFamily="34" charset="0"/>
+              <a:cs typeface="Arial" panose="020B0604020202020204" pitchFamily="34" charset="0"/>
+            </a:endParaRPr>
+          </a:p>
+        </p:txBody>
+      </p:sp>
+      <p:sp>
+        <p:nvSpPr>
+          <p:cNvPr id="9" name="TextBox 8">
+            <a:extLst>
+              <a:ext uri="{FF2B5EF4-FFF2-40B4-BE49-F238E27FC236}">
+                <a16:creationId xmlns:a16="http://schemas.microsoft.com/office/drawing/2014/main" id="{40220706-96C2-11C9-6FB9-C64C123D2D74}"/>
+              </a:ext>
+            </a:extLst>
+          </p:cNvPr>
+          <p:cNvSpPr txBox="1"/>
+          <p:nvPr/>
+        </p:nvSpPr>
+        <p:spPr>
+          <a:xfrm>
+            <a:off x="6992911" y="5276371"/>
+            <a:ext cx="4540276" cy="646331"/>
+          </a:xfrm>
+          <a:prstGeom prst="rect">
+            <a:avLst/>
+          </a:prstGeom>
+          <a:noFill/>
+        </p:spPr>
+        <p:txBody>
+          <a:bodyPr wrap="square" rtlCol="0">
+            <a:spAutoFit/>
+          </a:bodyPr>
+          <a:lstStyle/>
+          <a:p>
+            <a:pPr algn="ctr"/>
+            <a:r>
+              <a:rPr lang="ru-RU" dirty="0">
+                <a:latin typeface="Arial" panose="020B0604020202020204" pitchFamily="34" charset="0"/>
+                <a:cs typeface="Arial" panose="020B0604020202020204" pitchFamily="34" charset="0"/>
+              </a:rPr>
+              <a:t>Результат запроса на получение списка ролей к </a:t>
+            </a:r>
+            <a:r>
+              <a:rPr lang="en-US" dirty="0">
+                <a:latin typeface="Arial" panose="020B0604020202020204" pitchFamily="34" charset="0"/>
+                <a:cs typeface="Arial" panose="020B0604020202020204" pitchFamily="34" charset="0"/>
+              </a:rPr>
+              <a:t>API </a:t>
+            </a:r>
+            <a:r>
+              <a:rPr lang="ru-RU" dirty="0">
+                <a:latin typeface="Arial" panose="020B0604020202020204" pitchFamily="34" charset="0"/>
+                <a:cs typeface="Arial" panose="020B0604020202020204" pitchFamily="34" charset="0"/>
+              </a:rPr>
+              <a:t>в </a:t>
+            </a:r>
+            <a:r>
+              <a:rPr lang="en-US" dirty="0">
+                <a:latin typeface="Arial" panose="020B0604020202020204" pitchFamily="34" charset="0"/>
+                <a:cs typeface="Arial" panose="020B0604020202020204" pitchFamily="34" charset="0"/>
+              </a:rPr>
+              <a:t>Swagger</a:t>
+            </a:r>
+            <a:endParaRPr lang="ru-RU" dirty="0">
+              <a:latin typeface="Arial" panose="020B0604020202020204" pitchFamily="34" charset="0"/>
+              <a:cs typeface="Arial" panose="020B0604020202020204" pitchFamily="34" charset="0"/>
+            </a:endParaRPr>
           </a:p>
         </p:txBody>
       </p:sp>
     </p:spTree>
     <p:extLst>
       <p:ext uri="{BB962C8B-B14F-4D97-AF65-F5344CB8AC3E}">
-        <p14:creationId xmlns:p14="http://schemas.microsoft.com/office/powerpoint/2010/main" val="2664672396"/>
+        <p14:creationId xmlns:p14="http://schemas.microsoft.com/office/powerpoint/2010/main" val="4188486772"/>
       </p:ext>
     </p:extLst>
   </p:cSld>
@@ -8335,58 +7690,162 @@
       </p:grpSpPr>
       <p:sp>
         <p:nvSpPr>
-          <p:cNvPr id="2" name="Прямоугольник: скругленные углы 1">
-            <a:extLst>
-              <a:ext uri="{FF2B5EF4-FFF2-40B4-BE49-F238E27FC236}">
-                <a16:creationId xmlns:a16="http://schemas.microsoft.com/office/drawing/2014/main" id="{142B0555-DDC6-1EF9-95A2-87CF985A2BF8}"/>
-              </a:ext>
-            </a:extLst>
-          </p:cNvPr>
-          <p:cNvSpPr/>
+          <p:cNvPr id="3" name="Заголовок 6">
+            <a:extLst>
+              <a:ext uri="{FF2B5EF4-FFF2-40B4-BE49-F238E27FC236}">
+                <a16:creationId xmlns:a16="http://schemas.microsoft.com/office/drawing/2014/main" id="{7F969BA9-903A-70BA-869A-68703DF2A006}"/>
+              </a:ext>
+            </a:extLst>
+          </p:cNvPr>
+          <p:cNvSpPr txBox="1">
+            <a:spLocks/>
+          </p:cNvSpPr>
           <p:nvPr/>
         </p:nvSpPr>
         <p:spPr>
           <a:xfrm>
-            <a:off x="1021703" y="913143"/>
-            <a:ext cx="10148595" cy="5506317"/>
+            <a:off x="2598440" y="401445"/>
+            <a:ext cx="6995120" cy="725759"/>
+          </a:xfrm>
+          <a:prstGeom prst="rect">
+            <a:avLst/>
+          </a:prstGeom>
+        </p:spPr>
+        <p:txBody>
+          <a:bodyPr vert="horz" lIns="91440" tIns="45720" rIns="91440" bIns="45720" rtlCol="0" anchor="ctr">
+            <a:noAutofit/>
+          </a:bodyPr>
+          <a:lstStyle>
+            <a:lvl1pPr algn="l" defTabSz="914400" rtl="0" eaLnBrk="1" latinLnBrk="0" hangingPunct="1">
+              <a:lnSpc>
+                <a:spcPct val="90000"/>
+              </a:lnSpc>
+              <a:spcBef>
+                <a:spcPct val="0"/>
+              </a:spcBef>
+              <a:buNone/>
+              <a:defRPr sz="4400" kern="1200">
+                <a:solidFill>
+                  <a:schemeClr val="tx1"/>
+                </a:solidFill>
+                <a:latin typeface="+mj-lt"/>
+                <a:ea typeface="+mj-ea"/>
+                <a:cs typeface="+mj-cs"/>
+              </a:defRPr>
+            </a:lvl1pPr>
+          </a:lstStyle>
+          <a:p>
+            <a:pPr algn="ctr"/>
+            <a:r>
+              <a:rPr lang="ru-RU" sz="2800" b="1" dirty="0">
+                <a:solidFill>
+                  <a:srgbClr val="0070C0"/>
+                </a:solidFill>
+                <a:latin typeface="Arial" panose="020B0604020202020204" pitchFamily="34" charset="0"/>
+                <a:cs typeface="Arial" panose="020B0604020202020204" pitchFamily="34" charset="0"/>
+              </a:rPr>
+              <a:t>РАЗРАБОТКА ПРОГРАММНОГО ПРОДУКТА</a:t>
+            </a:r>
+          </a:p>
+        </p:txBody>
+      </p:sp>
+      <p:pic>
+        <p:nvPicPr>
+          <p:cNvPr id="7" name="Рисунок 6">
+            <a:extLst>
+              <a:ext uri="{FF2B5EF4-FFF2-40B4-BE49-F238E27FC236}">
+                <a16:creationId xmlns:a16="http://schemas.microsoft.com/office/drawing/2014/main" id="{E4F74B3D-3265-B436-30D8-7B80B9CBD210}"/>
+              </a:ext>
+            </a:extLst>
+          </p:cNvPr>
+          <p:cNvPicPr>
+            <a:picLocks noChangeAspect="1"/>
+          </p:cNvPicPr>
+          <p:nvPr/>
+        </p:nvPicPr>
+        <p:blipFill>
+          <a:blip r:embed="rId2"/>
+          <a:stretch>
+            <a:fillRect/>
+          </a:stretch>
+        </p:blipFill>
+        <p:spPr>
+          <a:xfrm>
+            <a:off x="7620000" y="1288571"/>
+            <a:ext cx="4132216" cy="2418687"/>
           </a:xfrm>
           <a:prstGeom prst="roundRect">
             <a:avLst>
-              <a:gd name="adj" fmla="val 9280"/>
+              <a:gd name="adj" fmla="val 14146"/>
             </a:avLst>
           </a:prstGeom>
         </p:spPr>
-        <p:style>
-          <a:lnRef idx="2">
-            <a:schemeClr val="accent1">
-              <a:shade val="15000"/>
-            </a:schemeClr>
-          </a:lnRef>
-          <a:fillRef idx="1">
-            <a:schemeClr val="accent1"/>
-          </a:fillRef>
-          <a:effectRef idx="0">
-            <a:schemeClr val="accent1"/>
-          </a:effectRef>
-          <a:fontRef idx="minor">
-            <a:schemeClr val="lt1"/>
-          </a:fontRef>
-        </p:style>
-        <p:txBody>
-          <a:bodyPr rtlCol="0" anchor="ctr"/>
-          <a:lstStyle/>
-          <a:p>
-            <a:pPr algn="ctr"/>
-            <a:endParaRPr lang="ru-RU"/>
-          </a:p>
-        </p:txBody>
-      </p:sp>
+      </p:pic>
+      <p:pic>
+        <p:nvPicPr>
+          <p:cNvPr id="9" name="Рисунок 8">
+            <a:extLst>
+              <a:ext uri="{FF2B5EF4-FFF2-40B4-BE49-F238E27FC236}">
+                <a16:creationId xmlns:a16="http://schemas.microsoft.com/office/drawing/2014/main" id="{45760C15-A587-4708-A907-5277F1EFD36A}"/>
+              </a:ext>
+            </a:extLst>
+          </p:cNvPr>
+          <p:cNvPicPr>
+            <a:picLocks noChangeAspect="1"/>
+          </p:cNvPicPr>
+          <p:nvPr/>
+        </p:nvPicPr>
+        <p:blipFill rotWithShape="1">
+          <a:blip r:embed="rId3"/>
+          <a:srcRect l="342" b="41950"/>
+          <a:stretch/>
+        </p:blipFill>
+        <p:spPr>
+          <a:xfrm>
+            <a:off x="3989339" y="3909186"/>
+            <a:ext cx="4213322" cy="2081935"/>
+          </a:xfrm>
+          <a:prstGeom prst="roundRect">
+            <a:avLst/>
+          </a:prstGeom>
+        </p:spPr>
+      </p:pic>
+      <p:pic>
+        <p:nvPicPr>
+          <p:cNvPr id="4" name="Рисунок 3">
+            <a:extLst>
+              <a:ext uri="{FF2B5EF4-FFF2-40B4-BE49-F238E27FC236}">
+                <a16:creationId xmlns:a16="http://schemas.microsoft.com/office/drawing/2014/main" id="{5D067C08-D938-0937-B34B-2A3F1B6DBE5F}"/>
+              </a:ext>
+            </a:extLst>
+          </p:cNvPr>
+          <p:cNvPicPr>
+            <a:picLocks noChangeAspect="1"/>
+          </p:cNvPicPr>
+          <p:nvPr/>
+        </p:nvPicPr>
+        <p:blipFill>
+          <a:blip r:embed="rId4"/>
+          <a:stretch>
+            <a:fillRect/>
+          </a:stretch>
+        </p:blipFill>
+        <p:spPr>
+          <a:xfrm>
+            <a:off x="324928" y="1659050"/>
+            <a:ext cx="5102688" cy="1948163"/>
+          </a:xfrm>
+          <a:prstGeom prst="roundRect">
+            <a:avLst/>
+          </a:prstGeom>
+        </p:spPr>
+      </p:pic>
       <p:sp>
         <p:nvSpPr>
-          <p:cNvPr id="4" name="TextBox 3">
-            <a:extLst>
-              <a:ext uri="{FF2B5EF4-FFF2-40B4-BE49-F238E27FC236}">
-                <a16:creationId xmlns:a16="http://schemas.microsoft.com/office/drawing/2014/main" id="{486C7F71-D8CA-EF26-9193-EBAA6391C2C5}"/>
+          <p:cNvPr id="5" name="TextBox 4">
+            <a:extLst>
+              <a:ext uri="{FF2B5EF4-FFF2-40B4-BE49-F238E27FC236}">
+                <a16:creationId xmlns:a16="http://schemas.microsoft.com/office/drawing/2014/main" id="{4538113D-4607-E294-B029-FBAA89AB7D86}"/>
               </a:ext>
             </a:extLst>
           </p:cNvPr>
@@ -8395,8 +7854,8 @@
         </p:nvSpPr>
         <p:spPr>
           <a:xfrm>
-            <a:off x="1190489" y="303438"/>
-            <a:ext cx="9811023" cy="867930"/>
+            <a:off x="8503347" y="3863036"/>
+            <a:ext cx="2729153" cy="923330"/>
           </a:xfrm>
           <a:prstGeom prst="rect">
             <a:avLst/>
@@ -8409,63 +7868,37 @@
           </a:bodyPr>
           <a:lstStyle/>
           <a:p>
-            <a:pPr algn="ctr">
-              <a:lnSpc>
-                <a:spcPct val="90000"/>
-              </a:lnSpc>
-              <a:spcBef>
-                <a:spcPct val="0"/>
-              </a:spcBef>
-            </a:pPr>
-            <a:r>
-              <a:rPr lang="ru-RU" sz="2800" b="1" dirty="0">
-                <a:solidFill>
-                  <a:srgbClr val="0070C0"/>
-                </a:solidFill>
+            <a:pPr algn="ctr"/>
+            <a:r>
+              <a:rPr lang="ru-RU" dirty="0">
                 <a:latin typeface="Arial" panose="020B0604020202020204" pitchFamily="34" charset="0"/>
-                <a:ea typeface="+mj-ea"/>
                 <a:cs typeface="Arial" panose="020B0604020202020204" pitchFamily="34" charset="0"/>
               </a:rPr>
-              <a:t>Конфигурирование</a:t>
-            </a:r>
-            <a:r>
-              <a:rPr lang="en-US" sz="2800" b="1" dirty="0">
-                <a:solidFill>
-                  <a:srgbClr val="0070C0"/>
-                </a:solidFill>
+              <a:t>Запрос на получение списка пользователей к </a:t>
+            </a:r>
+            <a:r>
+              <a:rPr lang="en-US" dirty="0">
                 <a:latin typeface="Arial" panose="020B0604020202020204" pitchFamily="34" charset="0"/>
-                <a:ea typeface="+mj-ea"/>
                 <a:cs typeface="Arial" panose="020B0604020202020204" pitchFamily="34" charset="0"/>
               </a:rPr>
-              <a:t>. </a:t>
-            </a:r>
-            <a:r>
-              <a:rPr lang="ru-RU" sz="2800" b="1" dirty="0">
-                <a:solidFill>
-                  <a:srgbClr val="0070C0"/>
-                </a:solidFill>
+              <a:t>API </a:t>
+            </a:r>
+            <a:r>
+              <a:rPr lang="ru-RU" dirty="0">
                 <a:latin typeface="Arial" panose="020B0604020202020204" pitchFamily="34" charset="0"/>
-                <a:ea typeface="+mj-ea"/>
                 <a:cs typeface="Arial" panose="020B0604020202020204" pitchFamily="34" charset="0"/>
               </a:rPr>
-              <a:t>Схема базы данных</a:t>
-            </a:r>
-          </a:p>
-          <a:p>
-            <a:pPr algn="ctr">
-              <a:lnSpc>
-                <a:spcPct val="90000"/>
-              </a:lnSpc>
-              <a:spcBef>
-                <a:spcPct val="0"/>
-              </a:spcBef>
-            </a:pPr>
-            <a:endParaRPr lang="ru-RU" sz="2800" b="1" dirty="0">
-              <a:solidFill>
-                <a:srgbClr val="0070C0"/>
-              </a:solidFill>
+              <a:t>в </a:t>
+            </a:r>
+            <a:r>
+              <a:rPr lang="en-US" dirty="0">
+                <a:latin typeface="Arial" panose="020B0604020202020204" pitchFamily="34" charset="0"/>
+                <a:cs typeface="Arial" panose="020B0604020202020204" pitchFamily="34" charset="0"/>
+              </a:rPr>
+              <a:t>Swagger</a:t>
+            </a:r>
+            <a:endParaRPr lang="ru-RU" dirty="0">
               <a:latin typeface="Arial" panose="020B0604020202020204" pitchFamily="34" charset="0"/>
-              <a:ea typeface="+mj-ea"/>
               <a:cs typeface="Arial" panose="020B0604020202020204" pitchFamily="34" charset="0"/>
             </a:endParaRPr>
           </a:p>
@@ -8476,7 +7909,7 @@
           <p:cNvPr id="6" name="TextBox 5">
             <a:extLst>
               <a:ext uri="{FF2B5EF4-FFF2-40B4-BE49-F238E27FC236}">
-                <a16:creationId xmlns:a16="http://schemas.microsoft.com/office/drawing/2014/main" id="{E9698655-042B-42E7-65E2-E1C434C9E39B}"/>
+                <a16:creationId xmlns:a16="http://schemas.microsoft.com/office/drawing/2014/main" id="{75744C1A-B3D9-B0B2-1BCA-D214122E5141}"/>
               </a:ext>
             </a:extLst>
           </p:cNvPr>
@@ -8485,8 +7918,8 @@
         </p:nvSpPr>
         <p:spPr>
           <a:xfrm>
-            <a:off x="2917372" y="5562991"/>
-            <a:ext cx="6357257" cy="461665"/>
+            <a:off x="3825862" y="6133389"/>
+            <a:ext cx="4540276" cy="646331"/>
           </a:xfrm>
           <a:prstGeom prst="rect">
             <a:avLst/>
@@ -8501,56 +7934,94 @@
           <a:p>
             <a:pPr algn="ctr"/>
             <a:r>
-              <a:rPr lang="ru-RU" sz="2400" b="1" dirty="0">
-                <a:solidFill>
-                  <a:schemeClr val="bg1"/>
-                </a:solidFill>
+              <a:rPr lang="ru-RU" dirty="0">
+                <a:latin typeface="Arial" panose="020B0604020202020204" pitchFamily="34" charset="0"/>
+                <a:cs typeface="Arial" panose="020B0604020202020204" pitchFamily="34" charset="0"/>
               </a:rPr>
-              <a:t>Схема базы данных</a:t>
-            </a:r>
+              <a:t>Результат запроса на получение списка пользователей к </a:t>
+            </a:r>
+            <a:r>
+              <a:rPr lang="en-US" dirty="0">
+                <a:latin typeface="Arial" panose="020B0604020202020204" pitchFamily="34" charset="0"/>
+                <a:cs typeface="Arial" panose="020B0604020202020204" pitchFamily="34" charset="0"/>
+              </a:rPr>
+              <a:t>API </a:t>
+            </a:r>
+            <a:r>
+              <a:rPr lang="ru-RU" dirty="0">
+                <a:latin typeface="Arial" panose="020B0604020202020204" pitchFamily="34" charset="0"/>
+                <a:cs typeface="Arial" panose="020B0604020202020204" pitchFamily="34" charset="0"/>
+              </a:rPr>
+              <a:t>в </a:t>
+            </a:r>
+            <a:r>
+              <a:rPr lang="en-US" dirty="0">
+                <a:latin typeface="Arial" panose="020B0604020202020204" pitchFamily="34" charset="0"/>
+                <a:cs typeface="Arial" panose="020B0604020202020204" pitchFamily="34" charset="0"/>
+              </a:rPr>
+              <a:t>Swagger</a:t>
+            </a:r>
+            <a:endParaRPr lang="ru-RU" dirty="0">
+              <a:latin typeface="Arial" panose="020B0604020202020204" pitchFamily="34" charset="0"/>
+              <a:cs typeface="Arial" panose="020B0604020202020204" pitchFamily="34" charset="0"/>
+            </a:endParaRPr>
           </a:p>
         </p:txBody>
       </p:sp>
-      <p:pic>
-        <p:nvPicPr>
-          <p:cNvPr id="3" name="Рисунок 2">
-            <a:extLst>
-              <a:ext uri="{FF2B5EF4-FFF2-40B4-BE49-F238E27FC236}">
-                <a16:creationId xmlns:a16="http://schemas.microsoft.com/office/drawing/2014/main" id="{01774400-6960-DE4C-4EE2-99ED45EFDCDC}"/>
-              </a:ext>
-            </a:extLst>
-          </p:cNvPr>
-          <p:cNvPicPr>
-            <a:picLocks noChangeAspect="1"/>
-          </p:cNvPicPr>
+      <p:sp>
+        <p:nvSpPr>
+          <p:cNvPr id="8" name="TextBox 7">
+            <a:extLst>
+              <a:ext uri="{FF2B5EF4-FFF2-40B4-BE49-F238E27FC236}">
+                <a16:creationId xmlns:a16="http://schemas.microsoft.com/office/drawing/2014/main" id="{4B9BBCB0-C4C9-18CF-4033-51C109F65A84}"/>
+              </a:ext>
+            </a:extLst>
+          </p:cNvPr>
+          <p:cNvSpPr txBox="1"/>
           <p:nvPr/>
-        </p:nvPicPr>
-        <p:blipFill>
-          <a:blip r:embed="rId2">
-            <a:extLst>
-              <a:ext uri="{28A0092B-C50C-407E-A947-70E740481C1C}">
-                <a14:useLocalDpi xmlns:a14="http://schemas.microsoft.com/office/drawing/2010/main" val="0"/>
-              </a:ext>
-            </a:extLst>
-          </a:blip>
-          <a:stretch>
-            <a:fillRect/>
-          </a:stretch>
-        </p:blipFill>
+        </p:nvSpPr>
         <p:spPr>
           <a:xfrm>
-            <a:off x="1672259" y="1419202"/>
-            <a:ext cx="8847483" cy="3656652"/>
+            <a:off x="632169" y="3707258"/>
+            <a:ext cx="2729153" cy="923330"/>
           </a:xfrm>
           <a:prstGeom prst="rect">
             <a:avLst/>
           </a:prstGeom>
+          <a:noFill/>
         </p:spPr>
-      </p:pic>
+        <p:txBody>
+          <a:bodyPr wrap="square" rtlCol="0">
+            <a:spAutoFit/>
+          </a:bodyPr>
+          <a:lstStyle/>
+          <a:p>
+            <a:pPr algn="ctr"/>
+            <a:r>
+              <a:rPr lang="ru-RU" dirty="0">
+                <a:latin typeface="Arial" panose="020B0604020202020204" pitchFamily="34" charset="0"/>
+                <a:cs typeface="Arial" panose="020B0604020202020204" pitchFamily="34" charset="0"/>
+              </a:rPr>
+              <a:t>Данные пользователя, от которого был запрос к </a:t>
+            </a:r>
+            <a:r>
+              <a:rPr lang="en-US" dirty="0">
+                <a:latin typeface="Arial" panose="020B0604020202020204" pitchFamily="34" charset="0"/>
+                <a:cs typeface="Arial" panose="020B0604020202020204" pitchFamily="34" charset="0"/>
+              </a:rPr>
+              <a:t>API</a:t>
+            </a:r>
+            <a:endParaRPr lang="ru-RU" dirty="0">
+              <a:latin typeface="Arial" panose="020B0604020202020204" pitchFamily="34" charset="0"/>
+              <a:cs typeface="Arial" panose="020B0604020202020204" pitchFamily="34" charset="0"/>
+            </a:endParaRPr>
+          </a:p>
+        </p:txBody>
+      </p:sp>
     </p:spTree>
     <p:extLst>
       <p:ext uri="{BB962C8B-B14F-4D97-AF65-F5344CB8AC3E}">
-        <p14:creationId xmlns:p14="http://schemas.microsoft.com/office/powerpoint/2010/main" val="866360972"/>
+        <p14:creationId xmlns:p14="http://schemas.microsoft.com/office/powerpoint/2010/main" val="1393674056"/>
       </p:ext>
     </p:extLst>
   </p:cSld>
@@ -8579,58 +8050,71 @@
       </p:grpSpPr>
       <p:sp>
         <p:nvSpPr>
-          <p:cNvPr id="3" name="Прямоугольник: скругленные углы 2">
-            <a:extLst>
-              <a:ext uri="{FF2B5EF4-FFF2-40B4-BE49-F238E27FC236}">
-                <a16:creationId xmlns:a16="http://schemas.microsoft.com/office/drawing/2014/main" id="{91FEFA84-A92D-643E-8672-405C52952204}"/>
-              </a:ext>
-            </a:extLst>
-          </p:cNvPr>
-          <p:cNvSpPr/>
+          <p:cNvPr id="3" name="Заголовок 6">
+            <a:extLst>
+              <a:ext uri="{FF2B5EF4-FFF2-40B4-BE49-F238E27FC236}">
+                <a16:creationId xmlns:a16="http://schemas.microsoft.com/office/drawing/2014/main" id="{7F969BA9-903A-70BA-869A-68703DF2A006}"/>
+              </a:ext>
+            </a:extLst>
+          </p:cNvPr>
+          <p:cNvSpPr txBox="1">
+            <a:spLocks/>
+          </p:cNvSpPr>
           <p:nvPr/>
         </p:nvSpPr>
         <p:spPr>
           <a:xfrm>
-            <a:off x="1021703" y="913143"/>
-            <a:ext cx="10148595" cy="5506317"/>
+            <a:off x="2598440" y="401445"/>
+            <a:ext cx="6995120" cy="725759"/>
           </a:xfrm>
-          <a:prstGeom prst="roundRect">
-            <a:avLst>
-              <a:gd name="adj" fmla="val 9280"/>
-            </a:avLst>
+          <a:prstGeom prst="rect">
+            <a:avLst/>
           </a:prstGeom>
         </p:spPr>
-        <p:style>
-          <a:lnRef idx="2">
-            <a:schemeClr val="accent1">
-              <a:shade val="15000"/>
-            </a:schemeClr>
-          </a:lnRef>
-          <a:fillRef idx="1">
-            <a:schemeClr val="accent1"/>
-          </a:fillRef>
-          <a:effectRef idx="0">
-            <a:schemeClr val="accent1"/>
-          </a:effectRef>
-          <a:fontRef idx="minor">
-            <a:schemeClr val="lt1"/>
-          </a:fontRef>
-        </p:style>
         <p:txBody>
-          <a:bodyPr rtlCol="0" anchor="ctr"/>
-          <a:lstStyle/>
+          <a:bodyPr vert="horz" lIns="91440" tIns="45720" rIns="91440" bIns="45720" rtlCol="0" anchor="ctr">
+            <a:noAutofit/>
+          </a:bodyPr>
+          <a:lstStyle>
+            <a:lvl1pPr algn="l" defTabSz="914400" rtl="0" eaLnBrk="1" latinLnBrk="0" hangingPunct="1">
+              <a:lnSpc>
+                <a:spcPct val="90000"/>
+              </a:lnSpc>
+              <a:spcBef>
+                <a:spcPct val="0"/>
+              </a:spcBef>
+              <a:buNone/>
+              <a:defRPr sz="4400" kern="1200">
+                <a:solidFill>
+                  <a:schemeClr val="tx1"/>
+                </a:solidFill>
+                <a:latin typeface="+mj-lt"/>
+                <a:ea typeface="+mj-ea"/>
+                <a:cs typeface="+mj-cs"/>
+              </a:defRPr>
+            </a:lvl1pPr>
+          </a:lstStyle>
           <a:p>
             <a:pPr algn="ctr"/>
-            <a:endParaRPr lang="ru-RU"/>
+            <a:r>
+              <a:rPr lang="ru-RU" sz="2800" b="1" dirty="0">
+                <a:solidFill>
+                  <a:srgbClr val="0070C0"/>
+                </a:solidFill>
+                <a:latin typeface="Arial" panose="020B0604020202020204" pitchFamily="34" charset="0"/>
+                <a:cs typeface="Arial" panose="020B0604020202020204" pitchFamily="34" charset="0"/>
+              </a:rPr>
+              <a:t>РАЗРАБОТКА ПРОГРАММНОГО ПРОДУКТА</a:t>
+            </a:r>
           </a:p>
         </p:txBody>
       </p:sp>
       <p:pic>
         <p:nvPicPr>
-          <p:cNvPr id="2" name="Рисунок 1">
-            <a:extLst>
-              <a:ext uri="{FF2B5EF4-FFF2-40B4-BE49-F238E27FC236}">
-                <a16:creationId xmlns:a16="http://schemas.microsoft.com/office/drawing/2014/main" id="{630E0480-5C66-1833-1BAF-05D36F848392}"/>
+          <p:cNvPr id="6" name="Рисунок 5">
+            <a:extLst>
+              <a:ext uri="{FF2B5EF4-FFF2-40B4-BE49-F238E27FC236}">
+                <a16:creationId xmlns:a16="http://schemas.microsoft.com/office/drawing/2014/main" id="{73895366-B9B6-C2D7-D3EE-9A642936CC7E}"/>
               </a:ext>
             </a:extLst>
           </p:cNvPr>
@@ -8647,20 +8131,83 @@
         </p:blipFill>
         <p:spPr>
           <a:xfrm>
-            <a:off x="1941504" y="1513891"/>
-            <a:ext cx="8308993" cy="3617946"/>
+            <a:off x="233630" y="1660860"/>
+            <a:ext cx="4974278" cy="1956012"/>
           </a:xfrm>
-          <a:prstGeom prst="rect">
+          <a:prstGeom prst="roundRect">
+            <a:avLst>
+              <a:gd name="adj" fmla="val 14719"/>
+            </a:avLst>
+          </a:prstGeom>
+        </p:spPr>
+      </p:pic>
+      <p:pic>
+        <p:nvPicPr>
+          <p:cNvPr id="11" name="Рисунок 10">
+            <a:extLst>
+              <a:ext uri="{FF2B5EF4-FFF2-40B4-BE49-F238E27FC236}">
+                <a16:creationId xmlns:a16="http://schemas.microsoft.com/office/drawing/2014/main" id="{28093928-345E-FF8D-3294-BA3EA7AFEF72}"/>
+              </a:ext>
+            </a:extLst>
+          </p:cNvPr>
+          <p:cNvPicPr>
+            <a:picLocks noChangeAspect="1"/>
+          </p:cNvPicPr>
+          <p:nvPr/>
+        </p:nvPicPr>
+        <p:blipFill>
+          <a:blip r:embed="rId3"/>
+          <a:stretch>
+            <a:fillRect/>
+          </a:stretch>
+        </p:blipFill>
+        <p:spPr>
+          <a:xfrm>
+            <a:off x="6678304" y="1550852"/>
+            <a:ext cx="5127666" cy="2240098"/>
+          </a:xfrm>
+          <a:prstGeom prst="roundRect">
             <a:avLst/>
+          </a:prstGeom>
+        </p:spPr>
+      </p:pic>
+      <p:pic>
+        <p:nvPicPr>
+          <p:cNvPr id="13" name="Рисунок 12">
+            <a:extLst>
+              <a:ext uri="{FF2B5EF4-FFF2-40B4-BE49-F238E27FC236}">
+                <a16:creationId xmlns:a16="http://schemas.microsoft.com/office/drawing/2014/main" id="{45617AF5-6B5C-C34A-BD1D-DCF244BE910A}"/>
+              </a:ext>
+            </a:extLst>
+          </p:cNvPr>
+          <p:cNvPicPr>
+            <a:picLocks noChangeAspect="1"/>
+          </p:cNvPicPr>
+          <p:nvPr/>
+        </p:nvPicPr>
+        <p:blipFill rotWithShape="1">
+          <a:blip r:embed="rId4"/>
+          <a:srcRect r="9234"/>
+          <a:stretch/>
+        </p:blipFill>
+        <p:spPr>
+          <a:xfrm>
+            <a:off x="3213112" y="4627668"/>
+            <a:ext cx="5290235" cy="1517749"/>
+          </a:xfrm>
+          <a:prstGeom prst="roundRect">
+            <a:avLst>
+              <a:gd name="adj" fmla="val 23570"/>
+            </a:avLst>
           </a:prstGeom>
         </p:spPr>
       </p:pic>
       <p:sp>
         <p:nvSpPr>
-          <p:cNvPr id="5" name="TextBox 4">
-            <a:extLst>
-              <a:ext uri="{FF2B5EF4-FFF2-40B4-BE49-F238E27FC236}">
-                <a16:creationId xmlns:a16="http://schemas.microsoft.com/office/drawing/2014/main" id="{2F600F44-CB43-2F55-DA22-AD8E308F4F7E}"/>
+          <p:cNvPr id="14" name="TextBox 13">
+            <a:extLst>
+              <a:ext uri="{FF2B5EF4-FFF2-40B4-BE49-F238E27FC236}">
+                <a16:creationId xmlns:a16="http://schemas.microsoft.com/office/drawing/2014/main" id="{01D6920D-93C0-E403-6A58-0A999F4D2470}"/>
               </a:ext>
             </a:extLst>
           </p:cNvPr>
@@ -8669,8 +8216,8 @@
         </p:nvSpPr>
         <p:spPr>
           <a:xfrm>
-            <a:off x="1190489" y="303438"/>
-            <a:ext cx="9811023" cy="867930"/>
+            <a:off x="8503347" y="3863036"/>
+            <a:ext cx="2729153" cy="923330"/>
           </a:xfrm>
           <a:prstGeom prst="rect">
             <a:avLst/>
@@ -8683,63 +8230,37 @@
           </a:bodyPr>
           <a:lstStyle/>
           <a:p>
-            <a:pPr algn="ctr">
-              <a:lnSpc>
-                <a:spcPct val="90000"/>
-              </a:lnSpc>
-              <a:spcBef>
-                <a:spcPct val="0"/>
-              </a:spcBef>
-            </a:pPr>
-            <a:r>
-              <a:rPr lang="ru-RU" sz="2800" b="1" dirty="0">
-                <a:solidFill>
-                  <a:srgbClr val="0070C0"/>
-                </a:solidFill>
+            <a:pPr algn="ctr"/>
+            <a:r>
+              <a:rPr lang="ru-RU" dirty="0">
                 <a:latin typeface="Arial" panose="020B0604020202020204" pitchFamily="34" charset="0"/>
-                <a:ea typeface="+mj-ea"/>
                 <a:cs typeface="Arial" panose="020B0604020202020204" pitchFamily="34" charset="0"/>
               </a:rPr>
-              <a:t>Конфигурирование</a:t>
-            </a:r>
-            <a:r>
-              <a:rPr lang="en-US" sz="2800" b="1" dirty="0">
-                <a:solidFill>
-                  <a:srgbClr val="0070C0"/>
-                </a:solidFill>
+              <a:t>Запрос на получение списка пользователей к </a:t>
+            </a:r>
+            <a:r>
+              <a:rPr lang="en-US" dirty="0">
                 <a:latin typeface="Arial" panose="020B0604020202020204" pitchFamily="34" charset="0"/>
-                <a:ea typeface="+mj-ea"/>
                 <a:cs typeface="Arial" panose="020B0604020202020204" pitchFamily="34" charset="0"/>
               </a:rPr>
-              <a:t>. </a:t>
-            </a:r>
-            <a:r>
-              <a:rPr lang="ru-RU" sz="2800" b="1" dirty="0">
-                <a:solidFill>
-                  <a:srgbClr val="0070C0"/>
-                </a:solidFill>
+              <a:t>API </a:t>
+            </a:r>
+            <a:r>
+              <a:rPr lang="ru-RU" dirty="0">
                 <a:latin typeface="Arial" panose="020B0604020202020204" pitchFamily="34" charset="0"/>
-                <a:ea typeface="+mj-ea"/>
                 <a:cs typeface="Arial" panose="020B0604020202020204" pitchFamily="34" charset="0"/>
               </a:rPr>
-              <a:t>Пример отчёта</a:t>
-            </a:r>
-          </a:p>
-          <a:p>
-            <a:pPr algn="ctr">
-              <a:lnSpc>
-                <a:spcPct val="90000"/>
-              </a:lnSpc>
-              <a:spcBef>
-                <a:spcPct val="0"/>
-              </a:spcBef>
-            </a:pPr>
-            <a:endParaRPr lang="ru-RU" sz="2800" b="1" dirty="0">
-              <a:solidFill>
-                <a:srgbClr val="0070C0"/>
-              </a:solidFill>
+              <a:t>в </a:t>
+            </a:r>
+            <a:r>
+              <a:rPr lang="en-US" dirty="0">
+                <a:latin typeface="Arial" panose="020B0604020202020204" pitchFamily="34" charset="0"/>
+                <a:cs typeface="Arial" panose="020B0604020202020204" pitchFamily="34" charset="0"/>
+              </a:rPr>
+              <a:t>Swagger</a:t>
+            </a:r>
+            <a:endParaRPr lang="ru-RU" dirty="0">
               <a:latin typeface="Arial" panose="020B0604020202020204" pitchFamily="34" charset="0"/>
-              <a:ea typeface="+mj-ea"/>
               <a:cs typeface="Arial" panose="020B0604020202020204" pitchFamily="34" charset="0"/>
             </a:endParaRPr>
           </a:p>
@@ -8747,10 +8268,10 @@
       </p:sp>
       <p:sp>
         <p:nvSpPr>
-          <p:cNvPr id="6" name="TextBox 5">
-            <a:extLst>
-              <a:ext uri="{FF2B5EF4-FFF2-40B4-BE49-F238E27FC236}">
-                <a16:creationId xmlns:a16="http://schemas.microsoft.com/office/drawing/2014/main" id="{CDC84195-3351-7679-6FA4-E048D4D34A2F}"/>
+          <p:cNvPr id="15" name="TextBox 14">
+            <a:extLst>
+              <a:ext uri="{FF2B5EF4-FFF2-40B4-BE49-F238E27FC236}">
+                <a16:creationId xmlns:a16="http://schemas.microsoft.com/office/drawing/2014/main" id="{119B54E8-4741-7282-8C16-DD5F44621F97}"/>
               </a:ext>
             </a:extLst>
           </p:cNvPr>
@@ -8759,8 +8280,8 @@
         </p:nvSpPr>
         <p:spPr>
           <a:xfrm>
-            <a:off x="2917371" y="5355785"/>
-            <a:ext cx="6357257" cy="589072"/>
+            <a:off x="3588091" y="6211669"/>
+            <a:ext cx="4540276" cy="646331"/>
           </a:xfrm>
           <a:prstGeom prst="rect">
             <a:avLst/>
@@ -8773,29 +8294,96 @@
           </a:bodyPr>
           <a:lstStyle/>
           <a:p>
-            <a:pPr algn="ctr">
-              <a:lnSpc>
-                <a:spcPct val="150000"/>
-              </a:lnSpc>
-              <a:spcAft>
-                <a:spcPts val="800"/>
-              </a:spcAft>
-            </a:pPr>
-            <a:r>
-              <a:rPr lang="ru-RU" sz="2400" b="1" dirty="0">
-                <a:solidFill>
-                  <a:schemeClr val="bg1"/>
-                </a:solidFill>
+            <a:pPr algn="ctr"/>
+            <a:r>
+              <a:rPr lang="ru-RU" dirty="0">
+                <a:latin typeface="Arial" panose="020B0604020202020204" pitchFamily="34" charset="0"/>
+                <a:cs typeface="Arial" panose="020B0604020202020204" pitchFamily="34" charset="0"/>
               </a:rPr>
-              <a:t>Список записей на занятие</a:t>
-            </a:r>
+              <a:t>Результат запроса на получение списка пользователей к </a:t>
+            </a:r>
+            <a:r>
+              <a:rPr lang="en-US" dirty="0">
+                <a:latin typeface="Arial" panose="020B0604020202020204" pitchFamily="34" charset="0"/>
+                <a:cs typeface="Arial" panose="020B0604020202020204" pitchFamily="34" charset="0"/>
+              </a:rPr>
+              <a:t>API </a:t>
+            </a:r>
+            <a:r>
+              <a:rPr lang="ru-RU" dirty="0">
+                <a:latin typeface="Arial" panose="020B0604020202020204" pitchFamily="34" charset="0"/>
+                <a:cs typeface="Arial" panose="020B0604020202020204" pitchFamily="34" charset="0"/>
+              </a:rPr>
+              <a:t>в </a:t>
+            </a:r>
+            <a:r>
+              <a:rPr lang="en-US" dirty="0">
+                <a:latin typeface="Arial" panose="020B0604020202020204" pitchFamily="34" charset="0"/>
+                <a:cs typeface="Arial" panose="020B0604020202020204" pitchFamily="34" charset="0"/>
+              </a:rPr>
+              <a:t>Swagger</a:t>
+            </a:r>
+            <a:endParaRPr lang="ru-RU" dirty="0">
+              <a:latin typeface="Arial" panose="020B0604020202020204" pitchFamily="34" charset="0"/>
+              <a:cs typeface="Arial" panose="020B0604020202020204" pitchFamily="34" charset="0"/>
+            </a:endParaRPr>
+          </a:p>
+        </p:txBody>
+      </p:sp>
+      <p:sp>
+        <p:nvSpPr>
+          <p:cNvPr id="16" name="TextBox 15">
+            <a:extLst>
+              <a:ext uri="{FF2B5EF4-FFF2-40B4-BE49-F238E27FC236}">
+                <a16:creationId xmlns:a16="http://schemas.microsoft.com/office/drawing/2014/main" id="{AFC0D516-101D-09C8-EB90-5C300D4F07B8}"/>
+              </a:ext>
+            </a:extLst>
+          </p:cNvPr>
+          <p:cNvSpPr txBox="1"/>
+          <p:nvPr/>
+        </p:nvSpPr>
+        <p:spPr>
+          <a:xfrm>
+            <a:off x="632169" y="3707258"/>
+            <a:ext cx="2729153" cy="923330"/>
+          </a:xfrm>
+          <a:prstGeom prst="rect">
+            <a:avLst/>
+          </a:prstGeom>
+          <a:noFill/>
+        </p:spPr>
+        <p:txBody>
+          <a:bodyPr wrap="square" rtlCol="0">
+            <a:spAutoFit/>
+          </a:bodyPr>
+          <a:lstStyle/>
+          <a:p>
+            <a:pPr algn="ctr"/>
+            <a:r>
+              <a:rPr lang="ru-RU" dirty="0">
+                <a:latin typeface="Arial" panose="020B0604020202020204" pitchFamily="34" charset="0"/>
+                <a:cs typeface="Arial" panose="020B0604020202020204" pitchFamily="34" charset="0"/>
+              </a:rPr>
+              <a:t>Данные пользователя, от которого был запрос к </a:t>
+            </a:r>
+            <a:r>
+              <a:rPr lang="en-US" dirty="0">
+                <a:latin typeface="Arial" panose="020B0604020202020204" pitchFamily="34" charset="0"/>
+                <a:cs typeface="Arial" panose="020B0604020202020204" pitchFamily="34" charset="0"/>
+              </a:rPr>
+              <a:t>API</a:t>
+            </a:r>
+            <a:endParaRPr lang="ru-RU" dirty="0">
+              <a:latin typeface="Arial" panose="020B0604020202020204" pitchFamily="34" charset="0"/>
+              <a:cs typeface="Arial" panose="020B0604020202020204" pitchFamily="34" charset="0"/>
+            </a:endParaRPr>
           </a:p>
         </p:txBody>
       </p:sp>
     </p:spTree>
     <p:extLst>
       <p:ext uri="{BB962C8B-B14F-4D97-AF65-F5344CB8AC3E}">
-        <p14:creationId xmlns:p14="http://schemas.microsoft.com/office/powerpoint/2010/main" val="1379750903"/>
+        <p14:creationId xmlns:p14="http://schemas.microsoft.com/office/powerpoint/2010/main" val="2636576912"/>
       </p:ext>
     </p:extLst>
   </p:cSld>
@@ -8824,10 +8412,10 @@
       </p:grpSpPr>
       <p:sp>
         <p:nvSpPr>
-          <p:cNvPr id="2" name="Заголовок 6">
-            <a:extLst>
-              <a:ext uri="{FF2B5EF4-FFF2-40B4-BE49-F238E27FC236}">
-                <a16:creationId xmlns:a16="http://schemas.microsoft.com/office/drawing/2014/main" id="{A4F11AD0-A3B5-D7FB-C831-CD77AF135E04}"/>
+          <p:cNvPr id="3" name="Заголовок 6">
+            <a:extLst>
+              <a:ext uri="{FF2B5EF4-FFF2-40B4-BE49-F238E27FC236}">
+                <a16:creationId xmlns:a16="http://schemas.microsoft.com/office/drawing/2014/main" id="{7F969BA9-903A-70BA-869A-68703DF2A006}"/>
               </a:ext>
             </a:extLst>
           </p:cNvPr>
@@ -8838,7 +8426,463 @@
         </p:nvSpPr>
         <p:spPr>
           <a:xfrm>
-            <a:off x="2598440" y="187553"/>
+            <a:off x="2598440" y="401445"/>
+            <a:ext cx="6995120" cy="725759"/>
+          </a:xfrm>
+          <a:prstGeom prst="rect">
+            <a:avLst/>
+          </a:prstGeom>
+        </p:spPr>
+        <p:txBody>
+          <a:bodyPr vert="horz" lIns="91440" tIns="45720" rIns="91440" bIns="45720" rtlCol="0" anchor="ctr">
+            <a:noAutofit/>
+          </a:bodyPr>
+          <a:lstStyle>
+            <a:lvl1pPr algn="l" defTabSz="914400" rtl="0" eaLnBrk="1" latinLnBrk="0" hangingPunct="1">
+              <a:lnSpc>
+                <a:spcPct val="90000"/>
+              </a:lnSpc>
+              <a:spcBef>
+                <a:spcPct val="0"/>
+              </a:spcBef>
+              <a:buNone/>
+              <a:defRPr sz="4400" kern="1200">
+                <a:solidFill>
+                  <a:schemeClr val="tx1"/>
+                </a:solidFill>
+                <a:latin typeface="+mj-lt"/>
+                <a:ea typeface="+mj-ea"/>
+                <a:cs typeface="+mj-cs"/>
+              </a:defRPr>
+            </a:lvl1pPr>
+          </a:lstStyle>
+          <a:p>
+            <a:pPr algn="ctr"/>
+            <a:r>
+              <a:rPr lang="ru-RU" sz="2800" b="1" dirty="0">
+                <a:solidFill>
+                  <a:srgbClr val="0070C0"/>
+                </a:solidFill>
+                <a:latin typeface="Arial" panose="020B0604020202020204" pitchFamily="34" charset="0"/>
+                <a:cs typeface="Arial" panose="020B0604020202020204" pitchFamily="34" charset="0"/>
+              </a:rPr>
+              <a:t>РАЗРАБОТКА ПРОГРАММНОГО ПРОДУКТА</a:t>
+            </a:r>
+          </a:p>
+        </p:txBody>
+      </p:sp>
+      <p:sp>
+        <p:nvSpPr>
+          <p:cNvPr id="10" name="TextBox 9">
+            <a:extLst>
+              <a:ext uri="{FF2B5EF4-FFF2-40B4-BE49-F238E27FC236}">
+                <a16:creationId xmlns:a16="http://schemas.microsoft.com/office/drawing/2014/main" id="{A630E5E2-15A3-C852-3C2E-F466F3AE8570}"/>
+              </a:ext>
+            </a:extLst>
+          </p:cNvPr>
+          <p:cNvSpPr txBox="1"/>
+          <p:nvPr/>
+        </p:nvSpPr>
+        <p:spPr>
+          <a:xfrm>
+            <a:off x="1318972" y="5940790"/>
+            <a:ext cx="4540276" cy="646331"/>
+          </a:xfrm>
+          <a:prstGeom prst="rect">
+            <a:avLst/>
+          </a:prstGeom>
+          <a:noFill/>
+        </p:spPr>
+        <p:txBody>
+          <a:bodyPr wrap="square" rtlCol="0">
+            <a:spAutoFit/>
+          </a:bodyPr>
+          <a:lstStyle/>
+          <a:p>
+            <a:pPr algn="ctr"/>
+            <a:r>
+              <a:rPr lang="ru-RU" dirty="0">
+                <a:latin typeface="Arial" panose="020B0604020202020204" pitchFamily="34" charset="0"/>
+                <a:cs typeface="Arial" panose="020B0604020202020204" pitchFamily="34" charset="0"/>
+              </a:rPr>
+              <a:t>Запрос на получение документа с сервера к </a:t>
+            </a:r>
+            <a:r>
+              <a:rPr lang="en-US" dirty="0">
+                <a:latin typeface="Arial" panose="020B0604020202020204" pitchFamily="34" charset="0"/>
+                <a:cs typeface="Arial" panose="020B0604020202020204" pitchFamily="34" charset="0"/>
+              </a:rPr>
+              <a:t>API </a:t>
+            </a:r>
+            <a:r>
+              <a:rPr lang="ru-RU" dirty="0">
+                <a:latin typeface="Arial" panose="020B0604020202020204" pitchFamily="34" charset="0"/>
+                <a:cs typeface="Arial" panose="020B0604020202020204" pitchFamily="34" charset="0"/>
+              </a:rPr>
+              <a:t>в </a:t>
+            </a:r>
+            <a:r>
+              <a:rPr lang="en-US" dirty="0">
+                <a:latin typeface="Arial" panose="020B0604020202020204" pitchFamily="34" charset="0"/>
+                <a:cs typeface="Arial" panose="020B0604020202020204" pitchFamily="34" charset="0"/>
+              </a:rPr>
+              <a:t>Swagger</a:t>
+            </a:r>
+            <a:endParaRPr lang="ru-RU" dirty="0">
+              <a:latin typeface="Arial" panose="020B0604020202020204" pitchFamily="34" charset="0"/>
+              <a:cs typeface="Arial" panose="020B0604020202020204" pitchFamily="34" charset="0"/>
+            </a:endParaRPr>
+          </a:p>
+        </p:txBody>
+      </p:sp>
+      <p:pic>
+        <p:nvPicPr>
+          <p:cNvPr id="4" name="Рисунок 3">
+            <a:extLst>
+              <a:ext uri="{FF2B5EF4-FFF2-40B4-BE49-F238E27FC236}">
+                <a16:creationId xmlns:a16="http://schemas.microsoft.com/office/drawing/2014/main" id="{E7F3B957-EFC2-DBB9-8F3C-30E380C206A0}"/>
+              </a:ext>
+            </a:extLst>
+          </p:cNvPr>
+          <p:cNvPicPr>
+            <a:picLocks noChangeAspect="1"/>
+          </p:cNvPicPr>
+          <p:nvPr/>
+        </p:nvPicPr>
+        <p:blipFill>
+          <a:blip r:embed="rId2"/>
+          <a:stretch>
+            <a:fillRect/>
+          </a:stretch>
+        </p:blipFill>
+        <p:spPr>
+          <a:xfrm>
+            <a:off x="1318972" y="1302956"/>
+            <a:ext cx="4777028" cy="4608513"/>
+          </a:xfrm>
+          <a:prstGeom prst="roundRect">
+            <a:avLst>
+              <a:gd name="adj" fmla="val 8606"/>
+            </a:avLst>
+          </a:prstGeom>
+        </p:spPr>
+      </p:pic>
+      <p:pic>
+        <p:nvPicPr>
+          <p:cNvPr id="7" name="Рисунок 6">
+            <a:extLst>
+              <a:ext uri="{FF2B5EF4-FFF2-40B4-BE49-F238E27FC236}">
+                <a16:creationId xmlns:a16="http://schemas.microsoft.com/office/drawing/2014/main" id="{49EE82A7-7D94-011D-A634-75A52521C4BA}"/>
+              </a:ext>
+            </a:extLst>
+          </p:cNvPr>
+          <p:cNvPicPr>
+            <a:picLocks noChangeAspect="1"/>
+          </p:cNvPicPr>
+          <p:nvPr/>
+        </p:nvPicPr>
+        <p:blipFill>
+          <a:blip r:embed="rId3"/>
+          <a:stretch>
+            <a:fillRect/>
+          </a:stretch>
+        </p:blipFill>
+        <p:spPr>
+          <a:xfrm>
+            <a:off x="6627812" y="2420175"/>
+            <a:ext cx="4981575" cy="1257300"/>
+          </a:xfrm>
+          <a:prstGeom prst="roundRect">
+            <a:avLst/>
+          </a:prstGeom>
+        </p:spPr>
+      </p:pic>
+      <p:sp>
+        <p:nvSpPr>
+          <p:cNvPr id="8" name="TextBox 7">
+            <a:extLst>
+              <a:ext uri="{FF2B5EF4-FFF2-40B4-BE49-F238E27FC236}">
+                <a16:creationId xmlns:a16="http://schemas.microsoft.com/office/drawing/2014/main" id="{91C5D40B-93C1-2E70-4751-DCBB4180298D}"/>
+              </a:ext>
+            </a:extLst>
+          </p:cNvPr>
+          <p:cNvSpPr txBox="1"/>
+          <p:nvPr/>
+        </p:nvSpPr>
+        <p:spPr>
+          <a:xfrm>
+            <a:off x="7069111" y="3870690"/>
+            <a:ext cx="4540276" cy="646331"/>
+          </a:xfrm>
+          <a:prstGeom prst="rect">
+            <a:avLst/>
+          </a:prstGeom>
+          <a:noFill/>
+        </p:spPr>
+        <p:txBody>
+          <a:bodyPr wrap="square" rtlCol="0">
+            <a:spAutoFit/>
+          </a:bodyPr>
+          <a:lstStyle/>
+          <a:p>
+            <a:pPr algn="ctr"/>
+            <a:r>
+              <a:rPr lang="ru-RU" dirty="0">
+                <a:latin typeface="Arial" panose="020B0604020202020204" pitchFamily="34" charset="0"/>
+                <a:cs typeface="Arial" panose="020B0604020202020204" pitchFamily="34" charset="0"/>
+              </a:rPr>
+              <a:t>Результат запроса на получение документа с сервера к </a:t>
+            </a:r>
+            <a:r>
+              <a:rPr lang="en-US" dirty="0">
+                <a:latin typeface="Arial" panose="020B0604020202020204" pitchFamily="34" charset="0"/>
+                <a:cs typeface="Arial" panose="020B0604020202020204" pitchFamily="34" charset="0"/>
+              </a:rPr>
+              <a:t>API </a:t>
+            </a:r>
+            <a:r>
+              <a:rPr lang="ru-RU" dirty="0">
+                <a:latin typeface="Arial" panose="020B0604020202020204" pitchFamily="34" charset="0"/>
+                <a:cs typeface="Arial" panose="020B0604020202020204" pitchFamily="34" charset="0"/>
+              </a:rPr>
+              <a:t>в </a:t>
+            </a:r>
+            <a:r>
+              <a:rPr lang="en-US" dirty="0">
+                <a:latin typeface="Arial" panose="020B0604020202020204" pitchFamily="34" charset="0"/>
+                <a:cs typeface="Arial" panose="020B0604020202020204" pitchFamily="34" charset="0"/>
+              </a:rPr>
+              <a:t>Swagger</a:t>
+            </a:r>
+            <a:endParaRPr lang="ru-RU" dirty="0">
+              <a:latin typeface="Arial" panose="020B0604020202020204" pitchFamily="34" charset="0"/>
+              <a:cs typeface="Arial" panose="020B0604020202020204" pitchFamily="34" charset="0"/>
+            </a:endParaRPr>
+          </a:p>
+        </p:txBody>
+      </p:sp>
+    </p:spTree>
+    <p:extLst>
+      <p:ext uri="{BB962C8B-B14F-4D97-AF65-F5344CB8AC3E}">
+        <p14:creationId xmlns:p14="http://schemas.microsoft.com/office/powerpoint/2010/main" val="2727089820"/>
+      </p:ext>
+    </p:extLst>
+  </p:cSld>
+  <p:clrMapOvr>
+    <a:masterClrMapping/>
+  </p:clrMapOvr>
+</p:sld>
+</file>
+
+<file path=ppt/slides/slide19.xml><?xml version="1.0" encoding="utf-8"?>
+<p:sld xmlns:a="http://schemas.openxmlformats.org/drawingml/2006/main" xmlns:r="http://schemas.openxmlformats.org/officeDocument/2006/relationships" xmlns:p="http://schemas.openxmlformats.org/presentationml/2006/main">
+  <p:cSld>
+    <p:spTree>
+      <p:nvGrpSpPr>
+        <p:cNvPr id="1" name=""/>
+        <p:cNvGrpSpPr/>
+        <p:nvPr/>
+      </p:nvGrpSpPr>
+      <p:grpSpPr>
+        <a:xfrm>
+          <a:off x="0" y="0"/>
+          <a:ext cx="0" cy="0"/>
+          <a:chOff x="0" y="0"/>
+          <a:chExt cx="0" cy="0"/>
+        </a:xfrm>
+      </p:grpSpPr>
+      <p:sp>
+        <p:nvSpPr>
+          <p:cNvPr id="3" name="Заголовок 6">
+            <a:extLst>
+              <a:ext uri="{FF2B5EF4-FFF2-40B4-BE49-F238E27FC236}">
+                <a16:creationId xmlns:a16="http://schemas.microsoft.com/office/drawing/2014/main" id="{C5C8E635-FE49-C0C9-A6A5-76EA93333C93}"/>
+              </a:ext>
+            </a:extLst>
+          </p:cNvPr>
+          <p:cNvSpPr txBox="1">
+            <a:spLocks/>
+          </p:cNvSpPr>
+          <p:nvPr/>
+        </p:nvSpPr>
+        <p:spPr>
+          <a:xfrm>
+            <a:off x="2598440" y="401445"/>
+            <a:ext cx="6995120" cy="725759"/>
+          </a:xfrm>
+          <a:prstGeom prst="rect">
+            <a:avLst/>
+          </a:prstGeom>
+        </p:spPr>
+        <p:txBody>
+          <a:bodyPr vert="horz" lIns="91440" tIns="45720" rIns="91440" bIns="45720" rtlCol="0" anchor="ctr">
+            <a:noAutofit/>
+          </a:bodyPr>
+          <a:lstStyle>
+            <a:lvl1pPr algn="l" defTabSz="914400" rtl="0" eaLnBrk="1" latinLnBrk="0" hangingPunct="1">
+              <a:lnSpc>
+                <a:spcPct val="90000"/>
+              </a:lnSpc>
+              <a:spcBef>
+                <a:spcPct val="0"/>
+              </a:spcBef>
+              <a:buNone/>
+              <a:defRPr sz="4400" kern="1200">
+                <a:solidFill>
+                  <a:schemeClr val="tx1"/>
+                </a:solidFill>
+                <a:latin typeface="+mj-lt"/>
+                <a:ea typeface="+mj-ea"/>
+                <a:cs typeface="+mj-cs"/>
+              </a:defRPr>
+            </a:lvl1pPr>
+          </a:lstStyle>
+          <a:p>
+            <a:pPr algn="ctr"/>
+            <a:r>
+              <a:rPr lang="ru-RU" sz="2800" b="1" dirty="0">
+                <a:solidFill>
+                  <a:srgbClr val="0070C0"/>
+                </a:solidFill>
+                <a:latin typeface="Arial" panose="020B0604020202020204" pitchFamily="34" charset="0"/>
+                <a:cs typeface="Arial" panose="020B0604020202020204" pitchFamily="34" charset="0"/>
+              </a:rPr>
+              <a:t>РАЗРАБОТКА ПРОГРАММНОГО ПРОДУКТА</a:t>
+            </a:r>
+          </a:p>
+        </p:txBody>
+      </p:sp>
+      <p:pic>
+        <p:nvPicPr>
+          <p:cNvPr id="10" name="Рисунок 9">
+            <a:extLst>
+              <a:ext uri="{FF2B5EF4-FFF2-40B4-BE49-F238E27FC236}">
+                <a16:creationId xmlns:a16="http://schemas.microsoft.com/office/drawing/2014/main" id="{C411BA05-BF75-492D-7588-C226921C9D35}"/>
+              </a:ext>
+            </a:extLst>
+          </p:cNvPr>
+          <p:cNvPicPr>
+            <a:picLocks noChangeAspect="1"/>
+          </p:cNvPicPr>
+          <p:nvPr/>
+        </p:nvPicPr>
+        <p:blipFill rotWithShape="1">
+          <a:blip r:embed="rId2"/>
+          <a:srcRect r="4515"/>
+          <a:stretch/>
+        </p:blipFill>
+        <p:spPr>
+          <a:xfrm>
+            <a:off x="2014295" y="1633583"/>
+            <a:ext cx="8163410" cy="3584258"/>
+          </a:xfrm>
+          <a:prstGeom prst="roundRect">
+            <a:avLst>
+              <a:gd name="adj" fmla="val 10023"/>
+            </a:avLst>
+          </a:prstGeom>
+        </p:spPr>
+      </p:pic>
+      <p:sp>
+        <p:nvSpPr>
+          <p:cNvPr id="11" name="TextBox 10">
+            <a:extLst>
+              <a:ext uri="{FF2B5EF4-FFF2-40B4-BE49-F238E27FC236}">
+                <a16:creationId xmlns:a16="http://schemas.microsoft.com/office/drawing/2014/main" id="{99AD0DC2-BFA8-5EC1-4B40-874E07EC2A33}"/>
+              </a:ext>
+            </a:extLst>
+          </p:cNvPr>
+          <p:cNvSpPr txBox="1"/>
+          <p:nvPr/>
+        </p:nvSpPr>
+        <p:spPr>
+          <a:xfrm>
+            <a:off x="3825862" y="5450654"/>
+            <a:ext cx="4540276" cy="369332"/>
+          </a:xfrm>
+          <a:prstGeom prst="rect">
+            <a:avLst/>
+          </a:prstGeom>
+          <a:noFill/>
+        </p:spPr>
+        <p:txBody>
+          <a:bodyPr wrap="square" rtlCol="0">
+            <a:spAutoFit/>
+          </a:bodyPr>
+          <a:lstStyle/>
+          <a:p>
+            <a:pPr algn="ctr"/>
+            <a:r>
+              <a:rPr lang="ru-RU" dirty="0">
+                <a:latin typeface="Arial" panose="020B0604020202020204" pitchFamily="34" charset="0"/>
+                <a:cs typeface="Arial" panose="020B0604020202020204" pitchFamily="34" charset="0"/>
+              </a:rPr>
+              <a:t>Результаты </a:t>
+            </a:r>
+            <a:r>
+              <a:rPr lang="en-US" dirty="0">
+                <a:latin typeface="Arial" panose="020B0604020202020204" pitchFamily="34" charset="0"/>
+                <a:cs typeface="Arial" panose="020B0604020202020204" pitchFamily="34" charset="0"/>
+              </a:rPr>
+              <a:t>Unit-</a:t>
+            </a:r>
+            <a:r>
+              <a:rPr lang="ru-RU" dirty="0">
+                <a:latin typeface="Arial" panose="020B0604020202020204" pitchFamily="34" charset="0"/>
+                <a:cs typeface="Arial" panose="020B0604020202020204" pitchFamily="34" charset="0"/>
+              </a:rPr>
+              <a:t>тестирования</a:t>
+            </a:r>
+          </a:p>
+        </p:txBody>
+      </p:sp>
+    </p:spTree>
+    <p:extLst>
+      <p:ext uri="{BB962C8B-B14F-4D97-AF65-F5344CB8AC3E}">
+        <p14:creationId xmlns:p14="http://schemas.microsoft.com/office/powerpoint/2010/main" val="1173943219"/>
+      </p:ext>
+    </p:extLst>
+  </p:cSld>
+  <p:clrMapOvr>
+    <a:masterClrMapping/>
+  </p:clrMapOvr>
+</p:sld>
+</file>
+
+<file path=ppt/slides/slide2.xml><?xml version="1.0" encoding="utf-8"?>
+<p:sld xmlns:a="http://schemas.openxmlformats.org/drawingml/2006/main" xmlns:r="http://schemas.openxmlformats.org/officeDocument/2006/relationships" xmlns:p="http://schemas.openxmlformats.org/presentationml/2006/main">
+  <p:cSld>
+    <p:spTree>
+      <p:nvGrpSpPr>
+        <p:cNvPr id="1" name=""/>
+        <p:cNvGrpSpPr/>
+        <p:nvPr/>
+      </p:nvGrpSpPr>
+      <p:grpSpPr>
+        <a:xfrm>
+          <a:off x="0" y="0"/>
+          <a:ext cx="0" cy="0"/>
+          <a:chOff x="0" y="0"/>
+          <a:chExt cx="0" cy="0"/>
+        </a:xfrm>
+      </p:grpSpPr>
+      <p:sp>
+        <p:nvSpPr>
+          <p:cNvPr id="2" name="Заголовок 6">
+            <a:extLst>
+              <a:ext uri="{FF2B5EF4-FFF2-40B4-BE49-F238E27FC236}">
+                <a16:creationId xmlns:a16="http://schemas.microsoft.com/office/drawing/2014/main" id="{27BBB4B1-107D-AC6D-0A83-CF78BA57DC45}"/>
+              </a:ext>
+            </a:extLst>
+          </p:cNvPr>
+          <p:cNvSpPr txBox="1">
+            <a:spLocks/>
+          </p:cNvSpPr>
+          <p:nvPr/>
+        </p:nvSpPr>
+        <p:spPr>
+          <a:xfrm>
+            <a:off x="2598440" y="392827"/>
             <a:ext cx="6995120" cy="634082"/>
           </a:xfrm>
           <a:prstGeom prst="rect">
@@ -8869,213 +8913,26 @@
             </a:lvl1pPr>
           </a:lstStyle>
           <a:p>
-            <a:pPr marL="0" lvl="1" algn="ctr">
-              <a:lnSpc>
-                <a:spcPct val="90000"/>
-              </a:lnSpc>
-              <a:spcBef>
-                <a:spcPct val="0"/>
-              </a:spcBef>
-            </a:pPr>
+            <a:pPr algn="ctr"/>
             <a:r>
               <a:rPr lang="ru-RU" sz="2800" b="1" dirty="0">
                 <a:solidFill>
                   <a:srgbClr val="0070C0"/>
                 </a:solidFill>
                 <a:latin typeface="Arial" panose="020B0604020202020204" pitchFamily="34" charset="0"/>
-                <a:ea typeface="+mj-ea"/>
                 <a:cs typeface="Arial" panose="020B0604020202020204" pitchFamily="34" charset="0"/>
               </a:rPr>
-              <a:t>ЗАКЛЮЧЕНИЕ</a:t>
+              <a:t>ЦЕЛЬ И ЗАДАЧИ</a:t>
             </a:r>
           </a:p>
         </p:txBody>
       </p:sp>
       <p:sp>
         <p:nvSpPr>
-          <p:cNvPr id="4" name="TextBox 3">
-            <a:extLst>
-              <a:ext uri="{FF2B5EF4-FFF2-40B4-BE49-F238E27FC236}">
-                <a16:creationId xmlns:a16="http://schemas.microsoft.com/office/drawing/2014/main" id="{08B81467-5797-F624-CB7D-167862221598}"/>
-              </a:ext>
-            </a:extLst>
-          </p:cNvPr>
-          <p:cNvSpPr txBox="1"/>
-          <p:nvPr/>
-        </p:nvSpPr>
-        <p:spPr>
-          <a:xfrm>
-            <a:off x="4267200" y="1248505"/>
-            <a:ext cx="7630886" cy="4651979"/>
-          </a:xfrm>
-          <a:prstGeom prst="rect">
-            <a:avLst/>
-          </a:prstGeom>
-          <a:noFill/>
-        </p:spPr>
-        <p:txBody>
-          <a:bodyPr wrap="square" rtlCol="0">
-            <a:spAutoFit/>
-          </a:bodyPr>
-          <a:lstStyle/>
-          <a:p>
-            <a:pPr indent="457200">
-              <a:lnSpc>
-                <a:spcPct val="150000"/>
-              </a:lnSpc>
-            </a:pPr>
-            <a:r>
-              <a:rPr lang="ru-RU" sz="2000" dirty="0">
-                <a:solidFill>
-                  <a:srgbClr val="000000"/>
-                </a:solidFill>
-                <a:latin typeface="Arial" panose="020B0604020202020204" pitchFamily="34" charset="0"/>
-                <a:cs typeface="Arial" panose="020B0604020202020204" pitchFamily="34" charset="0"/>
-              </a:rPr>
-              <a:t>Для выполнения поставленной цели,  а именно</a:t>
-            </a:r>
-            <a:r>
-              <a:rPr lang="ru-RU" sz="2000" dirty="0">
-                <a:latin typeface="Arial" panose="020B0604020202020204" pitchFamily="34" charset="0"/>
-                <a:cs typeface="Arial" panose="020B0604020202020204" pitchFamily="34" charset="0"/>
-              </a:rPr>
-              <a:t> решения задач на Производственной практике были выполнены все поставленные задачи.</a:t>
-            </a:r>
-          </a:p>
-          <a:p>
-            <a:pPr indent="457200">
-              <a:lnSpc>
-                <a:spcPct val="150000"/>
-              </a:lnSpc>
-            </a:pPr>
-            <a:r>
-              <a:rPr lang="ru-RU" sz="2000" b="1" dirty="0">
-                <a:latin typeface="Arial" panose="020B0604020202020204" pitchFamily="34" charset="0"/>
-                <a:cs typeface="Arial" panose="020B0604020202020204" pitchFamily="34" charset="0"/>
-              </a:rPr>
-              <a:t>Выполненные задачи:</a:t>
-            </a:r>
-          </a:p>
-          <a:p>
-            <a:pPr indent="457200">
-              <a:lnSpc>
-                <a:spcPct val="150000"/>
-              </a:lnSpc>
-            </a:pPr>
-            <a:r>
-              <a:rPr lang="ru-RU" sz="2000" dirty="0">
-                <a:latin typeface="Arial" panose="020B0604020202020204" pitchFamily="34" charset="0"/>
-                <a:cs typeface="Arial" panose="020B0604020202020204" pitchFamily="34" charset="0"/>
-              </a:rPr>
-              <a:t>Была освоена работа с данными в системе программирования «1С: Предприятие»;</a:t>
-            </a:r>
-          </a:p>
-          <a:p>
-            <a:pPr indent="457200">
-              <a:lnSpc>
-                <a:spcPct val="150000"/>
-              </a:lnSpc>
-            </a:pPr>
-            <a:r>
-              <a:rPr lang="ru-RU" sz="2000" dirty="0">
-                <a:latin typeface="Arial" panose="020B0604020202020204" pitchFamily="34" charset="0"/>
-                <a:cs typeface="Arial" panose="020B0604020202020204" pitchFamily="34" charset="0"/>
-              </a:rPr>
-              <a:t>Было освоено моделирование системы на «1С: Предприятие»;</a:t>
-            </a:r>
-          </a:p>
-          <a:p>
-            <a:pPr indent="457200">
-              <a:lnSpc>
-                <a:spcPct val="150000"/>
-              </a:lnSpc>
-            </a:pPr>
-            <a:r>
-              <a:rPr lang="ru-RU" sz="2000" dirty="0">
-                <a:latin typeface="Arial" panose="020B0604020202020204" pitchFamily="34" charset="0"/>
-                <a:cs typeface="Arial" panose="020B0604020202020204" pitchFamily="34" charset="0"/>
-              </a:rPr>
-              <a:t>Было освоено конфигурирование системы на «1С: Предприятие».</a:t>
-            </a:r>
-            <a:endParaRPr lang="ru-RU" sz="1800" dirty="0">
-              <a:latin typeface="Arial" panose="020B0604020202020204" pitchFamily="34" charset="0"/>
-              <a:cs typeface="Arial" panose="020B0604020202020204" pitchFamily="34" charset="0"/>
-            </a:endParaRPr>
-          </a:p>
-        </p:txBody>
-      </p:sp>
-      <p:pic>
-        <p:nvPicPr>
-          <p:cNvPr id="8" name="Рисунок 7">
-            <a:extLst>
-              <a:ext uri="{FF2B5EF4-FFF2-40B4-BE49-F238E27FC236}">
-                <a16:creationId xmlns:a16="http://schemas.microsoft.com/office/drawing/2014/main" id="{2C48967C-F0F5-5D1C-AF1F-ED78700DCD0D}"/>
-              </a:ext>
-            </a:extLst>
-          </p:cNvPr>
-          <p:cNvPicPr>
-            <a:picLocks noChangeAspect="1"/>
-          </p:cNvPicPr>
-          <p:nvPr/>
-        </p:nvPicPr>
-        <p:blipFill>
-          <a:blip r:embed="rId2">
-            <a:extLst>
-              <a:ext uri="{28A0092B-C50C-407E-A947-70E740481C1C}">
-                <a14:useLocalDpi xmlns:a14="http://schemas.microsoft.com/office/drawing/2010/main" val="0"/>
-              </a:ext>
-            </a:extLst>
-          </a:blip>
-          <a:stretch>
-            <a:fillRect/>
-          </a:stretch>
-        </p:blipFill>
-        <p:spPr>
-          <a:xfrm>
-            <a:off x="-185057" y="603921"/>
-            <a:ext cx="5127171" cy="5127171"/>
-          </a:xfrm>
-          <a:prstGeom prst="rect">
-            <a:avLst/>
-          </a:prstGeom>
-        </p:spPr>
-      </p:pic>
-    </p:spTree>
-    <p:extLst>
-      <p:ext uri="{BB962C8B-B14F-4D97-AF65-F5344CB8AC3E}">
-        <p14:creationId xmlns:p14="http://schemas.microsoft.com/office/powerpoint/2010/main" val="3034728413"/>
-      </p:ext>
-    </p:extLst>
-  </p:cSld>
-  <p:clrMapOvr>
-    <a:masterClrMapping/>
-  </p:clrMapOvr>
-</p:sld>
-</file>
-
-<file path=ppt/slides/slide2.xml><?xml version="1.0" encoding="utf-8"?>
-<p:sld xmlns:a="http://schemas.openxmlformats.org/drawingml/2006/main" xmlns:r="http://schemas.openxmlformats.org/officeDocument/2006/relationships" xmlns:p="http://schemas.openxmlformats.org/presentationml/2006/main">
-  <p:cSld>
-    <p:spTree>
-      <p:nvGrpSpPr>
-        <p:cNvPr id="1" name=""/>
-        <p:cNvGrpSpPr/>
-        <p:nvPr/>
-      </p:nvGrpSpPr>
-      <p:grpSpPr>
-        <a:xfrm>
-          <a:off x="0" y="0"/>
-          <a:ext cx="0" cy="0"/>
-          <a:chOff x="0" y="0"/>
-          <a:chExt cx="0" cy="0"/>
-        </a:xfrm>
-      </p:grpSpPr>
-      <p:sp>
-        <p:nvSpPr>
-          <p:cNvPr id="3" name="Заголовок 6">
-            <a:extLst>
-              <a:ext uri="{FF2B5EF4-FFF2-40B4-BE49-F238E27FC236}">
-                <a16:creationId xmlns:a16="http://schemas.microsoft.com/office/drawing/2014/main" id="{59BC75D7-523D-569F-8E09-76F0DD22CD6C}"/>
+          <p:cNvPr id="4" name="Объект 7">
+            <a:extLst>
+              <a:ext uri="{FF2B5EF4-FFF2-40B4-BE49-F238E27FC236}">
+                <a16:creationId xmlns:a16="http://schemas.microsoft.com/office/drawing/2014/main" id="{1984A901-2CB4-2575-CDEB-79084DC5DA2A}"/>
               </a:ext>
             </a:extLst>
           </p:cNvPr>
@@ -9086,69 +8943,8 @@
         </p:nvSpPr>
         <p:spPr>
           <a:xfrm>
-            <a:off x="2598440" y="187553"/>
-            <a:ext cx="6995120" cy="634082"/>
-          </a:xfrm>
-          <a:prstGeom prst="rect">
-            <a:avLst/>
-          </a:prstGeom>
-        </p:spPr>
-        <p:txBody>
-          <a:bodyPr vert="horz" lIns="91440" tIns="45720" rIns="91440" bIns="45720" rtlCol="0" anchor="ctr">
-            <a:normAutofit/>
-          </a:bodyPr>
-          <a:lstStyle>
-            <a:lvl1pPr algn="l" defTabSz="914400" rtl="0" eaLnBrk="1" latinLnBrk="0" hangingPunct="1">
-              <a:lnSpc>
-                <a:spcPct val="90000"/>
-              </a:lnSpc>
-              <a:spcBef>
-                <a:spcPct val="0"/>
-              </a:spcBef>
-              <a:buNone/>
-              <a:defRPr sz="4400" kern="1200">
-                <a:solidFill>
-                  <a:schemeClr val="tx1"/>
-                </a:solidFill>
-                <a:latin typeface="+mj-lt"/>
-                <a:ea typeface="+mj-ea"/>
-                <a:cs typeface="+mj-cs"/>
-              </a:defRPr>
-            </a:lvl1pPr>
-          </a:lstStyle>
-          <a:p>
-            <a:pPr algn="ctr"/>
-            <a:r>
-              <a:rPr lang="ru-RU" sz="2800" b="1" dirty="0">
-                <a:solidFill>
-                  <a:srgbClr val="0070C0"/>
-                </a:solidFill>
-                <a:latin typeface="Arial" panose="020B0604020202020204" pitchFamily="34" charset="0"/>
-                <a:cs typeface="Arial" panose="020B0604020202020204" pitchFamily="34" charset="0"/>
-              </a:rPr>
-              <a:t>ЦЕЛЬ И ЗАДАЧИ УЧЕБНОЙ ПРАКТИКИ</a:t>
-            </a:r>
-          </a:p>
-        </p:txBody>
-      </p:sp>
-      <p:sp>
-        <p:nvSpPr>
-          <p:cNvPr id="6" name="Объект 7">
-            <a:extLst>
-              <a:ext uri="{FF2B5EF4-FFF2-40B4-BE49-F238E27FC236}">
-                <a16:creationId xmlns:a16="http://schemas.microsoft.com/office/drawing/2014/main" id="{3FC63049-0933-4B11-2897-B47716EE955B}"/>
-              </a:ext>
-            </a:extLst>
-          </p:cNvPr>
-          <p:cNvSpPr txBox="1">
-            <a:spLocks/>
-          </p:cNvSpPr>
-          <p:nvPr/>
-        </p:nvSpPr>
-        <p:spPr>
-          <a:xfrm>
-            <a:off x="595604" y="1166018"/>
-            <a:ext cx="11000792" cy="5150806"/>
+            <a:off x="1019175" y="1166018"/>
+            <a:ext cx="10782299" cy="5101432"/>
           </a:xfrm>
           <a:prstGeom prst="rect">
             <a:avLst/>
@@ -9156,7 +8952,7 @@
         </p:spPr>
         <p:txBody>
           <a:bodyPr>
-            <a:normAutofit lnSpcReduction="10000"/>
+            <a:normAutofit fontScale="92500" lnSpcReduction="10000"/>
           </a:bodyPr>
           <a:lstStyle>
             <a:lvl1pPr marL="228600" indent="-228600" algn="l" defTabSz="914400" rtl="0" eaLnBrk="1" latinLnBrk="0" hangingPunct="1">
@@ -9330,39 +9126,12 @@
               <a:buNone/>
             </a:pPr>
             <a:r>
-              <a:rPr lang="ru-RU" sz="2600" b="1" dirty="0">
-                <a:latin typeface="Arial" panose="020B0604020202020204" pitchFamily="34" charset="0"/>
-                <a:cs typeface="Arial" panose="020B0604020202020204" pitchFamily="34" charset="0"/>
-              </a:rPr>
-              <a:t>Цель: </a:t>
-            </a:r>
-          </a:p>
-          <a:p>
-            <a:pPr marL="0" indent="450850" algn="just">
-              <a:lnSpc>
-                <a:spcPct val="120000"/>
-              </a:lnSpc>
-              <a:buNone/>
-            </a:pPr>
-            <a:r>
               <a:rPr lang="ru-RU" sz="2600" dirty="0">
                 <a:latin typeface="Arial" panose="020B0604020202020204" pitchFamily="34" charset="0"/>
                 <a:cs typeface="Arial" panose="020B0604020202020204" pitchFamily="34" charset="0"/>
               </a:rPr>
-              <a:t>Приобрести практический опыт для решения задач на Производственной практике.</a:t>
-            </a:r>
-          </a:p>
-          <a:p>
-            <a:pPr marL="0" indent="450850" algn="just">
-              <a:lnSpc>
-                <a:spcPct val="120000"/>
-              </a:lnSpc>
-              <a:buNone/>
-            </a:pPr>
-            <a:endParaRPr lang="ru-RU" sz="2600" dirty="0">
-              <a:latin typeface="Arial" panose="020B0604020202020204" pitchFamily="34" charset="0"/>
-              <a:cs typeface="Arial" panose="020B0604020202020204" pitchFamily="34" charset="0"/>
-            </a:endParaRPr>
+              <a:t>Цель: применение полученных знаний и их закрепление при решении задач на производственном предприятии.</a:t>
+            </a:r>
           </a:p>
           <a:p>
             <a:pPr marL="0" indent="450850" algn="just">
@@ -9373,7 +9142,7 @@
               <a:buNone/>
             </a:pPr>
             <a:r>
-              <a:rPr lang="ru-RU" sz="2600" b="1" dirty="0">
+              <a:rPr lang="ru-RU" sz="2900" dirty="0">
                 <a:latin typeface="Arial" panose="020B0604020202020204" pitchFamily="34" charset="0"/>
                 <a:cs typeface="Arial" panose="020B0604020202020204" pitchFamily="34" charset="0"/>
               </a:rPr>
@@ -9381,60 +9150,136 @@
             </a:r>
           </a:p>
           <a:p>
-            <a:pPr marL="0" indent="514350" algn="just">
+            <a:pPr marL="0" indent="450000" algn="just">
               <a:lnSpc>
-                <a:spcPct val="160000"/>
+                <a:spcPct val="120000"/>
               </a:lnSpc>
               <a:spcBef>
                 <a:spcPts val="0"/>
               </a:spcBef>
-              <a:buFont typeface="+mj-lt"/>
-              <a:buAutoNum type="arabicPeriod"/>
+              <a:buFont typeface="Arial" panose="020B0604020202020204" pitchFamily="34" charset="0"/>
+              <a:buChar char="−"/>
             </a:pPr>
             <a:r>
               <a:rPr lang="ru-RU" sz="2600" dirty="0">
                 <a:latin typeface="Arial" panose="020B0604020202020204" pitchFamily="34" charset="0"/>
                 <a:cs typeface="Arial" panose="020B0604020202020204" pitchFamily="34" charset="0"/>
               </a:rPr>
-              <a:t>Освоить работу с данными  в системе программирования «1С: Предприятие»;</a:t>
-            </a:r>
-          </a:p>
-          <a:p>
-            <a:pPr marL="0" indent="514350" algn="just">
+              <a:t>повторить материал, пройденный на учебной практике;</a:t>
+            </a:r>
+          </a:p>
+          <a:p>
+            <a:pPr marL="0" indent="450000" algn="just">
               <a:lnSpc>
-                <a:spcPct val="160000"/>
+                <a:spcPct val="120000"/>
               </a:lnSpc>
               <a:spcBef>
                 <a:spcPts val="0"/>
               </a:spcBef>
-              <a:buFont typeface="+mj-lt"/>
-              <a:buAutoNum type="arabicPeriod"/>
+              <a:buFont typeface="Arial" panose="020B0604020202020204" pitchFamily="34" charset="0"/>
+              <a:buChar char="−"/>
             </a:pPr>
             <a:r>
               <a:rPr lang="ru-RU" sz="2600" dirty="0">
                 <a:latin typeface="Arial" panose="020B0604020202020204" pitchFamily="34" charset="0"/>
                 <a:cs typeface="Arial" panose="020B0604020202020204" pitchFamily="34" charset="0"/>
               </a:rPr>
-              <a:t>Освоить моделирование системы на «1С: Предприятие»;</a:t>
-            </a:r>
-          </a:p>
-          <a:p>
-            <a:pPr marL="0" indent="514350" algn="just">
+              <a:t>получить требования к разрабатываемому модулю;</a:t>
+            </a:r>
+          </a:p>
+          <a:p>
+            <a:pPr marL="0" indent="450000" algn="just">
               <a:lnSpc>
-                <a:spcPct val="160000"/>
+                <a:spcPct val="120000"/>
               </a:lnSpc>
               <a:spcBef>
                 <a:spcPts val="0"/>
               </a:spcBef>
-              <a:buFont typeface="+mj-lt"/>
-              <a:buAutoNum type="arabicPeriod"/>
+              <a:buFont typeface="Arial" panose="020B0604020202020204" pitchFamily="34" charset="0"/>
+              <a:buChar char="−"/>
             </a:pPr>
             <a:r>
               <a:rPr lang="ru-RU" sz="2600" dirty="0">
                 <a:latin typeface="Arial" panose="020B0604020202020204" pitchFamily="34" charset="0"/>
                 <a:cs typeface="Arial" panose="020B0604020202020204" pitchFamily="34" charset="0"/>
               </a:rPr>
-              <a:t>Освоить конфигурирование системы на «1С: Предприятие».</a:t>
+              <a:t>описать структуру системы в соответствии с требованиями к разрабатываемому модулю;</a:t>
+            </a:r>
+          </a:p>
+          <a:p>
+            <a:pPr marL="0" indent="450000" algn="just">
+              <a:lnSpc>
+                <a:spcPct val="120000"/>
+              </a:lnSpc>
+              <a:spcBef>
+                <a:spcPts val="0"/>
+              </a:spcBef>
+              <a:buFont typeface="Arial" panose="020B0604020202020204" pitchFamily="34" charset="0"/>
+              <a:buChar char="−"/>
+            </a:pPr>
+            <a:r>
+              <a:rPr lang="ru-RU" sz="2600" dirty="0">
+                <a:latin typeface="Arial" panose="020B0604020202020204" pitchFamily="34" charset="0"/>
+                <a:cs typeface="Arial" panose="020B0604020202020204" pitchFamily="34" charset="0"/>
+              </a:rPr>
+              <a:t>описать структуру взаимодействия системы с пользователем;</a:t>
+            </a:r>
+          </a:p>
+          <a:p>
+            <a:pPr marL="0" indent="450000" algn="just">
+              <a:lnSpc>
+                <a:spcPct val="120000"/>
+              </a:lnSpc>
+              <a:spcBef>
+                <a:spcPts val="0"/>
+              </a:spcBef>
+              <a:buFont typeface="Arial" panose="020B0604020202020204" pitchFamily="34" charset="0"/>
+              <a:buChar char="−"/>
+            </a:pPr>
+            <a:r>
+              <a:rPr lang="ru-RU" sz="2600" dirty="0">
+                <a:latin typeface="Arial" panose="020B0604020202020204" pitchFamily="34" charset="0"/>
+                <a:cs typeface="Arial" panose="020B0604020202020204" pitchFamily="34" charset="0"/>
+              </a:rPr>
+              <a:t>разработать модуль информационной системы;</a:t>
+            </a:r>
+          </a:p>
+          <a:p>
+            <a:pPr marL="0" indent="450000" algn="just">
+              <a:lnSpc>
+                <a:spcPct val="120000"/>
+              </a:lnSpc>
+              <a:spcBef>
+                <a:spcPts val="0"/>
+              </a:spcBef>
+              <a:buFont typeface="Arial" panose="020B0604020202020204" pitchFamily="34" charset="0"/>
+              <a:buChar char="−"/>
+            </a:pPr>
+            <a:r>
+              <a:rPr lang="ru-RU" sz="2600" dirty="0">
+                <a:latin typeface="Arial" panose="020B0604020202020204" pitchFamily="34" charset="0"/>
+                <a:cs typeface="Arial" panose="020B0604020202020204" pitchFamily="34" charset="0"/>
+              </a:rPr>
+              <a:t>создать тестовую документацию и протестировать разработанный модуль информационной системы;</a:t>
+            </a:r>
+          </a:p>
+          <a:p>
+            <a:pPr marL="0" indent="450000" algn="just">
+              <a:lnSpc>
+                <a:spcPct val="120000"/>
+              </a:lnSpc>
+              <a:spcBef>
+                <a:spcPts val="0"/>
+              </a:spcBef>
+              <a:buFont typeface="Arial" panose="020B0604020202020204" pitchFamily="34" charset="0"/>
+              <a:buChar char="−"/>
+            </a:pPr>
+            <a:r>
+              <a:rPr lang="ru-RU" sz="2600" dirty="0">
+                <a:latin typeface="Arial" panose="020B0604020202020204" pitchFamily="34" charset="0"/>
+                <a:cs typeface="Arial" panose="020B0604020202020204" pitchFamily="34" charset="0"/>
+              </a:rPr>
+              <a:t>провести защиту презентации продукта.</a:t>
             </a:r>
           </a:p>
           <a:p>
@@ -9450,6 +9295,496 @@
     <p:extLst>
       <p:ext uri="{BB962C8B-B14F-4D97-AF65-F5344CB8AC3E}">
         <p14:creationId xmlns:p14="http://schemas.microsoft.com/office/powerpoint/2010/main" val="3292155115"/>
+      </p:ext>
+    </p:extLst>
+  </p:cSld>
+  <p:clrMapOvr>
+    <a:masterClrMapping/>
+  </p:clrMapOvr>
+</p:sld>
+</file>
+
+<file path=ppt/slides/slide20.xml><?xml version="1.0" encoding="utf-8"?>
+<p:sld xmlns:a="http://schemas.openxmlformats.org/drawingml/2006/main" xmlns:r="http://schemas.openxmlformats.org/officeDocument/2006/relationships" xmlns:p="http://schemas.openxmlformats.org/presentationml/2006/main">
+  <p:cSld>
+    <p:spTree>
+      <p:nvGrpSpPr>
+        <p:cNvPr id="1" name=""/>
+        <p:cNvGrpSpPr/>
+        <p:nvPr/>
+      </p:nvGrpSpPr>
+      <p:grpSpPr>
+        <a:xfrm>
+          <a:off x="0" y="0"/>
+          <a:ext cx="0" cy="0"/>
+          <a:chOff x="0" y="0"/>
+          <a:chExt cx="0" cy="0"/>
+        </a:xfrm>
+      </p:grpSpPr>
+      <p:sp>
+        <p:nvSpPr>
+          <p:cNvPr id="3" name="TextBox 2">
+            <a:extLst>
+              <a:ext uri="{FF2B5EF4-FFF2-40B4-BE49-F238E27FC236}">
+                <a16:creationId xmlns:a16="http://schemas.microsoft.com/office/drawing/2014/main" id="{9378CCF0-B75C-E188-9C08-31F5C21BF45A}"/>
+              </a:ext>
+            </a:extLst>
+          </p:cNvPr>
+          <p:cNvSpPr txBox="1"/>
+          <p:nvPr/>
+        </p:nvSpPr>
+        <p:spPr>
+          <a:xfrm>
+            <a:off x="1877456" y="1647825"/>
+            <a:ext cx="8437088" cy="3416320"/>
+          </a:xfrm>
+          <a:prstGeom prst="rect">
+            <a:avLst/>
+          </a:prstGeom>
+          <a:noFill/>
+        </p:spPr>
+        <p:txBody>
+          <a:bodyPr wrap="square" rtlCol="0">
+            <a:spAutoFit/>
+          </a:bodyPr>
+          <a:lstStyle/>
+          <a:p>
+            <a:pPr indent="457200"/>
+            <a:r>
+              <a:rPr lang="ru-RU" sz="2400" dirty="0">
+                <a:latin typeface="Arial" panose="020B0604020202020204" pitchFamily="34" charset="0"/>
+                <a:cs typeface="Arial" panose="020B0604020202020204" pitchFamily="34" charset="0"/>
+              </a:rPr>
+              <a:t>Созданный в ходе практики программный модуль может являться не полным вариантом готового программного решения для заказчика, соответствуя минимальным заявленным требованиям. </a:t>
+            </a:r>
+          </a:p>
+          <a:p>
+            <a:pPr indent="457200"/>
+            <a:r>
+              <a:rPr lang="ru-RU" sz="2400" dirty="0">
+                <a:latin typeface="Arial" panose="020B0604020202020204" pitchFamily="34" charset="0"/>
+                <a:cs typeface="Arial" panose="020B0604020202020204" pitchFamily="34" charset="0"/>
+              </a:rPr>
+              <a:t>В дальнейшем, данный модуль может быть доработан более опытными разработчиками предприятия дальнейшего использования по прямому назначению.</a:t>
+            </a:r>
+          </a:p>
+          <a:p>
+            <a:pPr indent="457200"/>
+            <a:r>
+              <a:rPr lang="ru-RU" sz="2400" dirty="0">
+                <a:latin typeface="Arial" panose="020B0604020202020204" pitchFamily="34" charset="0"/>
+                <a:cs typeface="Arial" panose="020B0604020202020204" pitchFamily="34" charset="0"/>
+              </a:rPr>
+              <a:t>Данный модуль облегчает документооборот и помогает выявлять слабые места предприятии. </a:t>
+            </a:r>
+          </a:p>
+        </p:txBody>
+      </p:sp>
+      <p:sp>
+        <p:nvSpPr>
+          <p:cNvPr id="2" name="Заголовок 6">
+            <a:extLst>
+              <a:ext uri="{FF2B5EF4-FFF2-40B4-BE49-F238E27FC236}">
+                <a16:creationId xmlns:a16="http://schemas.microsoft.com/office/drawing/2014/main" id="{1AB3D83C-FCC3-5043-07BC-84AD3F422BC6}"/>
+              </a:ext>
+            </a:extLst>
+          </p:cNvPr>
+          <p:cNvSpPr txBox="1">
+            <a:spLocks/>
+          </p:cNvSpPr>
+          <p:nvPr/>
+        </p:nvSpPr>
+        <p:spPr>
+          <a:xfrm>
+            <a:off x="2221388" y="228798"/>
+            <a:ext cx="7749225" cy="725759"/>
+          </a:xfrm>
+          <a:prstGeom prst="rect">
+            <a:avLst/>
+          </a:prstGeom>
+        </p:spPr>
+        <p:txBody>
+          <a:bodyPr vert="horz" lIns="91440" tIns="45720" rIns="91440" bIns="45720" rtlCol="0" anchor="ctr">
+            <a:noAutofit/>
+          </a:bodyPr>
+          <a:lstStyle>
+            <a:lvl1pPr algn="l" defTabSz="914400" rtl="0" eaLnBrk="1" latinLnBrk="0" hangingPunct="1">
+              <a:lnSpc>
+                <a:spcPct val="90000"/>
+              </a:lnSpc>
+              <a:spcBef>
+                <a:spcPct val="0"/>
+              </a:spcBef>
+              <a:buNone/>
+              <a:defRPr sz="4400" kern="1200">
+                <a:solidFill>
+                  <a:schemeClr val="tx1"/>
+                </a:solidFill>
+                <a:latin typeface="+mj-lt"/>
+                <a:ea typeface="+mj-ea"/>
+                <a:cs typeface="+mj-cs"/>
+              </a:defRPr>
+            </a:lvl1pPr>
+          </a:lstStyle>
+          <a:p>
+            <a:pPr algn="ctr"/>
+            <a:r>
+              <a:rPr lang="ru-RU" sz="2800" b="1" dirty="0">
+                <a:solidFill>
+                  <a:srgbClr val="0070C0"/>
+                </a:solidFill>
+                <a:latin typeface="Arial" panose="020B0604020202020204" pitchFamily="34" charset="0"/>
+                <a:cs typeface="Arial" panose="020B0604020202020204" pitchFamily="34" charset="0"/>
+              </a:rPr>
+              <a:t>ВНЕДРЕНИЕ И РЕАЛИЗАЦИЯ ПРОГРАММНОГО ПРОДУКТА</a:t>
+            </a:r>
+          </a:p>
+        </p:txBody>
+      </p:sp>
+    </p:spTree>
+    <p:extLst>
+      <p:ext uri="{BB962C8B-B14F-4D97-AF65-F5344CB8AC3E}">
+        <p14:creationId xmlns:p14="http://schemas.microsoft.com/office/powerpoint/2010/main" val="1130044987"/>
+      </p:ext>
+    </p:extLst>
+  </p:cSld>
+  <p:clrMapOvr>
+    <a:masterClrMapping/>
+  </p:clrMapOvr>
+</p:sld>
+</file>
+
+<file path=ppt/slides/slide21.xml><?xml version="1.0" encoding="utf-8"?>
+<p:sld xmlns:a="http://schemas.openxmlformats.org/drawingml/2006/main" xmlns:r="http://schemas.openxmlformats.org/officeDocument/2006/relationships" xmlns:p="http://schemas.openxmlformats.org/presentationml/2006/main">
+  <p:cSld>
+    <p:spTree>
+      <p:nvGrpSpPr>
+        <p:cNvPr id="1" name=""/>
+        <p:cNvGrpSpPr/>
+        <p:nvPr/>
+      </p:nvGrpSpPr>
+      <p:grpSpPr>
+        <a:xfrm>
+          <a:off x="0" y="0"/>
+          <a:ext cx="0" cy="0"/>
+          <a:chOff x="0" y="0"/>
+          <a:chExt cx="0" cy="0"/>
+        </a:xfrm>
+      </p:grpSpPr>
+      <p:sp>
+        <p:nvSpPr>
+          <p:cNvPr id="2" name="Заголовок 6">
+            <a:extLst>
+              <a:ext uri="{FF2B5EF4-FFF2-40B4-BE49-F238E27FC236}">
+                <a16:creationId xmlns:a16="http://schemas.microsoft.com/office/drawing/2014/main" id="{A4F11AD0-A3B5-D7FB-C831-CD77AF135E04}"/>
+              </a:ext>
+            </a:extLst>
+          </p:cNvPr>
+          <p:cNvSpPr txBox="1">
+            <a:spLocks/>
+          </p:cNvSpPr>
+          <p:nvPr/>
+        </p:nvSpPr>
+        <p:spPr>
+          <a:xfrm>
+            <a:off x="2598440" y="187553"/>
+            <a:ext cx="6995120" cy="634082"/>
+          </a:xfrm>
+          <a:prstGeom prst="rect">
+            <a:avLst/>
+          </a:prstGeom>
+        </p:spPr>
+        <p:txBody>
+          <a:bodyPr vert="horz" lIns="91440" tIns="45720" rIns="91440" bIns="45720" rtlCol="0" anchor="ctr">
+            <a:normAutofit/>
+          </a:bodyPr>
+          <a:lstStyle>
+            <a:lvl1pPr algn="l" defTabSz="914400" rtl="0" eaLnBrk="1" latinLnBrk="0" hangingPunct="1">
+              <a:lnSpc>
+                <a:spcPct val="90000"/>
+              </a:lnSpc>
+              <a:spcBef>
+                <a:spcPct val="0"/>
+              </a:spcBef>
+              <a:buNone/>
+              <a:defRPr sz="4400" kern="1200">
+                <a:solidFill>
+                  <a:schemeClr val="tx1"/>
+                </a:solidFill>
+                <a:latin typeface="+mj-lt"/>
+                <a:ea typeface="+mj-ea"/>
+                <a:cs typeface="+mj-cs"/>
+              </a:defRPr>
+            </a:lvl1pPr>
+          </a:lstStyle>
+          <a:p>
+            <a:pPr marL="0" lvl="1" algn="ctr">
+              <a:lnSpc>
+                <a:spcPct val="90000"/>
+              </a:lnSpc>
+              <a:spcBef>
+                <a:spcPct val="0"/>
+              </a:spcBef>
+            </a:pPr>
+            <a:r>
+              <a:rPr lang="ru-RU" sz="2800" b="1" dirty="0">
+                <a:solidFill>
+                  <a:srgbClr val="0070C0"/>
+                </a:solidFill>
+                <a:latin typeface="Arial" panose="020B0604020202020204" pitchFamily="34" charset="0"/>
+                <a:ea typeface="+mj-ea"/>
+                <a:cs typeface="Arial" panose="020B0604020202020204" pitchFamily="34" charset="0"/>
+              </a:rPr>
+              <a:t>ЗАКЛЮЧЕНИЕ</a:t>
+            </a:r>
+          </a:p>
+        </p:txBody>
+      </p:sp>
+      <p:sp>
+        <p:nvSpPr>
+          <p:cNvPr id="4" name="TextBox 3">
+            <a:extLst>
+              <a:ext uri="{FF2B5EF4-FFF2-40B4-BE49-F238E27FC236}">
+                <a16:creationId xmlns:a16="http://schemas.microsoft.com/office/drawing/2014/main" id="{08B81467-5797-F624-CB7D-167862221598}"/>
+              </a:ext>
+            </a:extLst>
+          </p:cNvPr>
+          <p:cNvSpPr txBox="1"/>
+          <p:nvPr/>
+        </p:nvSpPr>
+        <p:spPr>
+          <a:xfrm>
+            <a:off x="4038600" y="1248505"/>
+            <a:ext cx="7859486" cy="4782784"/>
+          </a:xfrm>
+          <a:prstGeom prst="rect">
+            <a:avLst/>
+          </a:prstGeom>
+          <a:noFill/>
+        </p:spPr>
+        <p:txBody>
+          <a:bodyPr wrap="square" rtlCol="0">
+            <a:spAutoFit/>
+          </a:bodyPr>
+          <a:lstStyle/>
+          <a:p>
+            <a:pPr indent="457200">
+              <a:lnSpc>
+                <a:spcPct val="140000"/>
+              </a:lnSpc>
+            </a:pPr>
+            <a:r>
+              <a:rPr lang="ru-RU" sz="2000" dirty="0">
+                <a:solidFill>
+                  <a:srgbClr val="000000"/>
+                </a:solidFill>
+                <a:latin typeface="Arial" panose="020B0604020202020204" pitchFamily="34" charset="0"/>
+                <a:cs typeface="Arial" panose="020B0604020202020204" pitchFamily="34" charset="0"/>
+              </a:rPr>
+              <a:t>При прохождении производственной практики, были выполнены такие задачи как:</a:t>
+            </a:r>
+          </a:p>
+          <a:p>
+            <a:pPr lvl="0" indent="457200">
+              <a:lnSpc>
+                <a:spcPct val="140000"/>
+              </a:lnSpc>
+              <a:buFont typeface="PragmaticaKMM"/>
+              <a:buChar char="–"/>
+            </a:pPr>
+            <a:r>
+              <a:rPr lang="ru-RU" sz="2000" dirty="0">
+                <a:solidFill>
+                  <a:srgbClr val="000000"/>
+                </a:solidFill>
+                <a:latin typeface="Arial" panose="020B0604020202020204" pitchFamily="34" charset="0"/>
+                <a:cs typeface="Arial" panose="020B0604020202020204" pitchFamily="34" charset="0"/>
+              </a:rPr>
+              <a:t>обработка требований </a:t>
+            </a:r>
+            <a:r>
+              <a:rPr lang="ru-RU" sz="2000" dirty="0">
+                <a:latin typeface="Arial" panose="020B0604020202020204" pitchFamily="34" charset="0"/>
+                <a:cs typeface="Arial" panose="020B0604020202020204" pitchFamily="34" charset="0"/>
+              </a:rPr>
+              <a:t>к разрабатываемому модулю</a:t>
+            </a:r>
+            <a:r>
+              <a:rPr lang="ru-RU" sz="2000" dirty="0">
+                <a:solidFill>
+                  <a:srgbClr val="000000"/>
+                </a:solidFill>
+                <a:latin typeface="Arial" panose="020B0604020202020204" pitchFamily="34" charset="0"/>
+                <a:cs typeface="Arial" panose="020B0604020202020204" pitchFamily="34" charset="0"/>
+              </a:rPr>
+              <a:t>;</a:t>
+            </a:r>
+          </a:p>
+          <a:p>
+            <a:pPr lvl="0" indent="457200">
+              <a:lnSpc>
+                <a:spcPct val="140000"/>
+              </a:lnSpc>
+              <a:buFont typeface="PragmaticaKMM"/>
+              <a:buChar char="–"/>
+            </a:pPr>
+            <a:r>
+              <a:rPr lang="ru-RU" sz="2000" dirty="0">
+                <a:latin typeface="Arial" panose="020B0604020202020204" pitchFamily="34" charset="0"/>
+                <a:cs typeface="Arial" panose="020B0604020202020204" pitchFamily="34" charset="0"/>
+              </a:rPr>
+              <a:t>описание структуры системы в соответствии с требованиями к разрабатываемому модулю</a:t>
+            </a:r>
+            <a:r>
+              <a:rPr lang="ru-RU" sz="2000" dirty="0">
+                <a:solidFill>
+                  <a:srgbClr val="000000"/>
+                </a:solidFill>
+                <a:latin typeface="Arial" panose="020B0604020202020204" pitchFamily="34" charset="0"/>
+                <a:cs typeface="Arial" panose="020B0604020202020204" pitchFamily="34" charset="0"/>
+              </a:rPr>
+              <a:t>;</a:t>
+            </a:r>
+          </a:p>
+          <a:p>
+            <a:pPr lvl="0" indent="457200">
+              <a:lnSpc>
+                <a:spcPct val="140000"/>
+              </a:lnSpc>
+              <a:buFont typeface="PragmaticaKMM"/>
+              <a:buChar char="–"/>
+            </a:pPr>
+            <a:r>
+              <a:rPr lang="ru-RU" sz="2000" dirty="0">
+                <a:latin typeface="Arial" panose="020B0604020202020204" pitchFamily="34" charset="0"/>
+                <a:cs typeface="Arial" panose="020B0604020202020204" pitchFamily="34" charset="0"/>
+              </a:rPr>
+              <a:t>описание структуры взаимодействия системы с пользователем</a:t>
+            </a:r>
+            <a:r>
+              <a:rPr lang="ru-RU" sz="2000" dirty="0">
+                <a:solidFill>
+                  <a:srgbClr val="000000"/>
+                </a:solidFill>
+                <a:latin typeface="Arial" panose="020B0604020202020204" pitchFamily="34" charset="0"/>
+                <a:cs typeface="Arial" panose="020B0604020202020204" pitchFamily="34" charset="0"/>
+              </a:rPr>
+              <a:t>;</a:t>
+            </a:r>
+          </a:p>
+          <a:p>
+            <a:pPr lvl="0" indent="457200">
+              <a:lnSpc>
+                <a:spcPct val="140000"/>
+              </a:lnSpc>
+              <a:buFont typeface="PragmaticaKMM"/>
+              <a:buChar char="–"/>
+            </a:pPr>
+            <a:r>
+              <a:rPr lang="ru-RU" sz="2000" dirty="0">
+                <a:latin typeface="Arial" panose="020B0604020202020204" pitchFamily="34" charset="0"/>
+                <a:cs typeface="Arial" panose="020B0604020202020204" pitchFamily="34" charset="0"/>
+              </a:rPr>
+              <a:t>разработка модуля информационной системы</a:t>
+            </a:r>
+            <a:r>
+              <a:rPr lang="ru-RU" sz="2000" dirty="0">
+                <a:solidFill>
+                  <a:srgbClr val="000000"/>
+                </a:solidFill>
+                <a:latin typeface="Arial" panose="020B0604020202020204" pitchFamily="34" charset="0"/>
+                <a:cs typeface="Arial" panose="020B0604020202020204" pitchFamily="34" charset="0"/>
+              </a:rPr>
+              <a:t>;</a:t>
+            </a:r>
+          </a:p>
+          <a:p>
+            <a:pPr lvl="0" indent="457200">
+              <a:lnSpc>
+                <a:spcPct val="140000"/>
+              </a:lnSpc>
+              <a:buFont typeface="PragmaticaKMM"/>
+              <a:buChar char="–"/>
+            </a:pPr>
+            <a:r>
+              <a:rPr lang="ru-RU" sz="2000" dirty="0">
+                <a:latin typeface="Arial" panose="020B0604020202020204" pitchFamily="34" charset="0"/>
+                <a:cs typeface="Arial" panose="020B0604020202020204" pitchFamily="34" charset="0"/>
+              </a:rPr>
+              <a:t>создание тестовую документации и тестирование разработанного модуля</a:t>
+            </a:r>
+            <a:r>
+              <a:rPr lang="ru-RU" sz="2000" dirty="0">
+                <a:solidFill>
+                  <a:srgbClr val="000000"/>
+                </a:solidFill>
+                <a:latin typeface="Arial" panose="020B0604020202020204" pitchFamily="34" charset="0"/>
+                <a:cs typeface="Arial" panose="020B0604020202020204" pitchFamily="34" charset="0"/>
+              </a:rPr>
+              <a:t>;</a:t>
+            </a:r>
+          </a:p>
+          <a:p>
+            <a:pPr lvl="0" indent="457200">
+              <a:lnSpc>
+                <a:spcPct val="140000"/>
+              </a:lnSpc>
+              <a:buFont typeface="PragmaticaKMM"/>
+              <a:buChar char="–"/>
+            </a:pPr>
+            <a:r>
+              <a:rPr lang="ru-RU" sz="2000" dirty="0">
+                <a:solidFill>
+                  <a:srgbClr val="000000"/>
+                </a:solidFill>
+                <a:latin typeface="Arial" panose="020B0604020202020204" pitchFamily="34" charset="0"/>
+                <a:cs typeface="Arial" panose="020B0604020202020204" pitchFamily="34" charset="0"/>
+              </a:rPr>
+              <a:t>проведена защита презентации продукта.</a:t>
+            </a:r>
+          </a:p>
+        </p:txBody>
+      </p:sp>
+      <p:pic>
+        <p:nvPicPr>
+          <p:cNvPr id="8" name="Рисунок 7">
+            <a:extLst>
+              <a:ext uri="{FF2B5EF4-FFF2-40B4-BE49-F238E27FC236}">
+                <a16:creationId xmlns:a16="http://schemas.microsoft.com/office/drawing/2014/main" id="{2C48967C-F0F5-5D1C-AF1F-ED78700DCD0D}"/>
+              </a:ext>
+            </a:extLst>
+          </p:cNvPr>
+          <p:cNvPicPr>
+            <a:picLocks noChangeAspect="1"/>
+          </p:cNvPicPr>
+          <p:nvPr/>
+        </p:nvPicPr>
+        <p:blipFill>
+          <a:blip r:embed="rId2">
+            <a:extLst>
+              <a:ext uri="{28A0092B-C50C-407E-A947-70E740481C1C}">
+                <a14:useLocalDpi xmlns:a14="http://schemas.microsoft.com/office/drawing/2010/main" val="0"/>
+              </a:ext>
+            </a:extLst>
+          </a:blip>
+          <a:stretch>
+            <a:fillRect/>
+          </a:stretch>
+        </p:blipFill>
+        <p:spPr>
+          <a:xfrm>
+            <a:off x="-185057" y="603921"/>
+            <a:ext cx="5127171" cy="5127171"/>
+          </a:xfrm>
+          <a:prstGeom prst="rect">
+            <a:avLst/>
+          </a:prstGeom>
+        </p:spPr>
+      </p:pic>
+    </p:spTree>
+    <p:extLst>
+      <p:ext uri="{BB962C8B-B14F-4D97-AF65-F5344CB8AC3E}">
+        <p14:creationId xmlns:p14="http://schemas.microsoft.com/office/powerpoint/2010/main" val="3034728413"/>
       </p:ext>
     </p:extLst>
   </p:cSld>
@@ -9478,58 +9813,71 @@
       </p:grpSpPr>
       <p:sp>
         <p:nvSpPr>
-          <p:cNvPr id="2" name="Прямоугольник: скругленные углы 1">
-            <a:extLst>
-              <a:ext uri="{FF2B5EF4-FFF2-40B4-BE49-F238E27FC236}">
-                <a16:creationId xmlns:a16="http://schemas.microsoft.com/office/drawing/2014/main" id="{4675A5FA-6F6C-FC0F-9701-A1B32059B6F0}"/>
-              </a:ext>
-            </a:extLst>
-          </p:cNvPr>
-          <p:cNvSpPr/>
+          <p:cNvPr id="2" name="Заголовок 6">
+            <a:extLst>
+              <a:ext uri="{FF2B5EF4-FFF2-40B4-BE49-F238E27FC236}">
+                <a16:creationId xmlns:a16="http://schemas.microsoft.com/office/drawing/2014/main" id="{425ABBF4-73E0-D71D-6040-6352F8977BE3}"/>
+              </a:ext>
+            </a:extLst>
+          </p:cNvPr>
+          <p:cNvSpPr txBox="1">
+            <a:spLocks/>
+          </p:cNvSpPr>
           <p:nvPr/>
         </p:nvSpPr>
         <p:spPr>
           <a:xfrm>
-            <a:off x="1799253" y="1054359"/>
-            <a:ext cx="8593494" cy="5178490"/>
+            <a:off x="2598439" y="187553"/>
+            <a:ext cx="6995120" cy="634082"/>
           </a:xfrm>
-          <a:prstGeom prst="roundRect">
-            <a:avLst>
-              <a:gd name="adj" fmla="val 9280"/>
-            </a:avLst>
+          <a:prstGeom prst="rect">
+            <a:avLst/>
           </a:prstGeom>
         </p:spPr>
-        <p:style>
-          <a:lnRef idx="2">
-            <a:schemeClr val="accent1">
-              <a:shade val="15000"/>
-            </a:schemeClr>
-          </a:lnRef>
-          <a:fillRef idx="1">
-            <a:schemeClr val="accent1"/>
-          </a:fillRef>
-          <a:effectRef idx="0">
-            <a:schemeClr val="accent1"/>
-          </a:effectRef>
-          <a:fontRef idx="minor">
-            <a:schemeClr val="lt1"/>
-          </a:fontRef>
-        </p:style>
         <p:txBody>
-          <a:bodyPr rtlCol="0" anchor="ctr"/>
-          <a:lstStyle/>
+          <a:bodyPr vert="horz" lIns="91440" tIns="45720" rIns="91440" bIns="45720" rtlCol="0" anchor="ctr">
+            <a:normAutofit/>
+          </a:bodyPr>
+          <a:lstStyle>
+            <a:lvl1pPr algn="l" defTabSz="914400" rtl="0" eaLnBrk="1" latinLnBrk="0" hangingPunct="1">
+              <a:lnSpc>
+                <a:spcPct val="90000"/>
+              </a:lnSpc>
+              <a:spcBef>
+                <a:spcPct val="0"/>
+              </a:spcBef>
+              <a:buNone/>
+              <a:defRPr sz="4400" kern="1200">
+                <a:solidFill>
+                  <a:schemeClr val="tx1"/>
+                </a:solidFill>
+                <a:latin typeface="+mj-lt"/>
+                <a:ea typeface="+mj-ea"/>
+                <a:cs typeface="+mj-cs"/>
+              </a:defRPr>
+            </a:lvl1pPr>
+          </a:lstStyle>
           <a:p>
             <a:pPr algn="ctr"/>
-            <a:endParaRPr lang="ru-RU"/>
+            <a:r>
+              <a:rPr lang="ru-RU" sz="2800" b="1" dirty="0">
+                <a:solidFill>
+                  <a:srgbClr val="0070C0"/>
+                </a:solidFill>
+                <a:latin typeface="Arial" panose="020B0604020202020204" pitchFamily="34" charset="0"/>
+                <a:cs typeface="Arial" panose="020B0604020202020204" pitchFamily="34" charset="0"/>
+              </a:rPr>
+              <a:t>ПРАКТИЧЕСКИЙ РЕЗУЛЬТАТ</a:t>
+            </a:r>
           </a:p>
         </p:txBody>
       </p:sp>
       <p:sp>
         <p:nvSpPr>
-          <p:cNvPr id="4" name="TextBox 3">
-            <a:extLst>
-              <a:ext uri="{FF2B5EF4-FFF2-40B4-BE49-F238E27FC236}">
-                <a16:creationId xmlns:a16="http://schemas.microsoft.com/office/drawing/2014/main" id="{486C7F71-D8CA-EF26-9193-EBAA6391C2C5}"/>
+          <p:cNvPr id="10" name="TextBox 9">
+            <a:extLst>
+              <a:ext uri="{FF2B5EF4-FFF2-40B4-BE49-F238E27FC236}">
+                <a16:creationId xmlns:a16="http://schemas.microsoft.com/office/drawing/2014/main" id="{DE93DE0F-5E52-854E-FD82-F6A96F55048F}"/>
               </a:ext>
             </a:extLst>
           </p:cNvPr>
@@ -9538,8 +9886,8 @@
         </p:nvSpPr>
         <p:spPr>
           <a:xfrm>
-            <a:off x="1614488" y="303438"/>
-            <a:ext cx="8963025" cy="1095685"/>
+            <a:off x="1700310" y="4408290"/>
+            <a:ext cx="9153331" cy="2805896"/>
           </a:xfrm>
           <a:prstGeom prst="rect">
             <a:avLst/>
@@ -9552,52 +9900,56 @@
           </a:bodyPr>
           <a:lstStyle/>
           <a:p>
-            <a:pPr algn="ctr">
-              <a:lnSpc>
-                <a:spcPct val="90000"/>
-              </a:lnSpc>
+            <a:pPr indent="450850" algn="ctr">
               <a:spcBef>
-                <a:spcPct val="0"/>
+                <a:spcPts val="1000"/>
               </a:spcBef>
             </a:pPr>
             <a:r>
-              <a:rPr lang="en-US" sz="2800" b="1" dirty="0">
-                <a:solidFill>
-                  <a:srgbClr val="0070C0"/>
-                </a:solidFill>
+              <a:rPr lang="ru-RU" sz="2400" dirty="0">
                 <a:latin typeface="Arial" panose="020B0604020202020204" pitchFamily="34" charset="0"/>
-                <a:ea typeface="+mj-ea"/>
                 <a:cs typeface="Arial" panose="020B0604020202020204" pitchFamily="34" charset="0"/>
               </a:rPr>
-              <a:t>HTML. </a:t>
-            </a:r>
-            <a:r>
-              <a:rPr lang="ru-RU" sz="2800" b="1" dirty="0">
-                <a:solidFill>
-                  <a:srgbClr val="0070C0"/>
-                </a:solidFill>
+              <a:t>Практическим результатом прохождения производственной практики является модуль информационной системы – </a:t>
+            </a:r>
+            <a:r>
+              <a:rPr lang="en-US" sz="2400" dirty="0">
                 <a:latin typeface="Arial" panose="020B0604020202020204" pitchFamily="34" charset="0"/>
-                <a:ea typeface="+mj-ea"/>
                 <a:cs typeface="Arial" panose="020B0604020202020204" pitchFamily="34" charset="0"/>
               </a:rPr>
-              <a:t>Внутренняя передача данных</a:t>
-            </a:r>
-          </a:p>
-          <a:p>
-            <a:endParaRPr lang="ru-RU" sz="4000" b="1" dirty="0">
-              <a:effectLst/>
-              <a:ea typeface="Calibri" panose="020F0502020204030204" pitchFamily="34" charset="0"/>
-              <a:cs typeface="Times New Roman" panose="02020603050405020304" pitchFamily="18" charset="0"/>
+              <a:t>API</a:t>
+            </a:r>
+            <a:r>
+              <a:rPr lang="ru-RU" sz="2400" dirty="0">
+                <a:latin typeface="Arial" panose="020B0604020202020204" pitchFamily="34" charset="0"/>
+                <a:cs typeface="Arial" panose="020B0604020202020204" pitchFamily="34" charset="0"/>
+              </a:rPr>
+              <a:t> полу автоматизирующего работу с заявками на исправление каких-либо нарушений работ систем или на улучшения в предприятии от его работников и необходимой документацией для составляемых заявок.</a:t>
+            </a:r>
+            <a:endParaRPr lang="en-US" sz="2400" dirty="0">
+              <a:latin typeface="Arial" panose="020B0604020202020204" pitchFamily="34" charset="0"/>
+              <a:cs typeface="Arial" panose="020B0604020202020204" pitchFamily="34" charset="0"/>
+            </a:endParaRPr>
+          </a:p>
+          <a:p>
+            <a:pPr indent="450850" algn="ctr">
+              <a:spcBef>
+                <a:spcPts val="1000"/>
+              </a:spcBef>
+            </a:pPr>
+            <a:endParaRPr lang="ru-RU" sz="2400" dirty="0">
+              <a:latin typeface="Arial" panose="020B0604020202020204" pitchFamily="34" charset="0"/>
+              <a:cs typeface="Arial" panose="020B0604020202020204" pitchFamily="34" charset="0"/>
             </a:endParaRPr>
           </a:p>
         </p:txBody>
       </p:sp>
       <p:pic>
         <p:nvPicPr>
-          <p:cNvPr id="5" name="Рисунок 4">
-            <a:extLst>
-              <a:ext uri="{FF2B5EF4-FFF2-40B4-BE49-F238E27FC236}">
-                <a16:creationId xmlns:a16="http://schemas.microsoft.com/office/drawing/2014/main" id="{A203F41B-1978-DCA7-4774-D0D696F96D90}"/>
+          <p:cNvPr id="4" name="Рисунок 3">
+            <a:extLst>
+              <a:ext uri="{FF2B5EF4-FFF2-40B4-BE49-F238E27FC236}">
+                <a16:creationId xmlns:a16="http://schemas.microsoft.com/office/drawing/2014/main" id="{E1D633ED-2711-11B7-C555-06C845689208}"/>
               </a:ext>
             </a:extLst>
           </p:cNvPr>
@@ -9607,72 +9959,31 @@
           <p:nvPr/>
         </p:nvPicPr>
         <p:blipFill>
-          <a:blip r:embed="rId2"/>
+          <a:blip r:embed="rId2">
+            <a:extLst>
+              <a:ext uri="{28A0092B-C50C-407E-A947-70E740481C1C}">
+                <a14:useLocalDpi xmlns:a14="http://schemas.microsoft.com/office/drawing/2010/main" val="0"/>
+              </a:ext>
+            </a:extLst>
+          </a:blip>
           <a:stretch>
             <a:fillRect/>
           </a:stretch>
         </p:blipFill>
         <p:spPr>
           <a:xfrm>
-            <a:off x="2459674" y="1590198"/>
-            <a:ext cx="7272653" cy="3677603"/>
+            <a:off x="2490786" y="609600"/>
+            <a:ext cx="7210426" cy="4055865"/>
           </a:xfrm>
           <a:prstGeom prst="rect">
             <a:avLst/>
           </a:prstGeom>
         </p:spPr>
       </p:pic>
-      <p:sp>
-        <p:nvSpPr>
-          <p:cNvPr id="6" name="TextBox 5">
-            <a:extLst>
-              <a:ext uri="{FF2B5EF4-FFF2-40B4-BE49-F238E27FC236}">
-                <a16:creationId xmlns:a16="http://schemas.microsoft.com/office/drawing/2014/main" id="{E9698655-042B-42E7-65E2-E1C434C9E39B}"/>
-              </a:ext>
-            </a:extLst>
-          </p:cNvPr>
-          <p:cNvSpPr txBox="1"/>
-          <p:nvPr/>
-        </p:nvSpPr>
-        <p:spPr>
-          <a:xfrm>
-            <a:off x="2917372" y="5442857"/>
-            <a:ext cx="6357257" cy="646331"/>
-          </a:xfrm>
-          <a:prstGeom prst="rect">
-            <a:avLst/>
-          </a:prstGeom>
-          <a:noFill/>
-        </p:spPr>
-        <p:txBody>
-          <a:bodyPr wrap="square" rtlCol="0">
-            <a:spAutoFit/>
-          </a:bodyPr>
-          <a:lstStyle/>
-          <a:p>
-            <a:pPr algn="ctr"/>
-            <a:r>
-              <a:rPr lang="ru-RU" sz="1800" b="1" dirty="0">
-                <a:solidFill>
-                  <a:schemeClr val="bg1"/>
-                </a:solidFill>
-                <a:effectLst/>
-                <a:ea typeface="Calibri" panose="020F0502020204030204" pitchFamily="34" charset="0"/>
-              </a:rPr>
-              <a:t>Руководство пользователя по заполнению справочника Одноклассники</a:t>
-            </a:r>
-            <a:endParaRPr lang="ru-RU" b="1" dirty="0">
-              <a:solidFill>
-                <a:schemeClr val="bg1"/>
-              </a:solidFill>
-            </a:endParaRPr>
-          </a:p>
-        </p:txBody>
-      </p:sp>
     </p:spTree>
     <p:extLst>
       <p:ext uri="{BB962C8B-B14F-4D97-AF65-F5344CB8AC3E}">
-        <p14:creationId xmlns:p14="http://schemas.microsoft.com/office/powerpoint/2010/main" val="825631426"/>
+        <p14:creationId xmlns:p14="http://schemas.microsoft.com/office/powerpoint/2010/main" val="1234996558"/>
       </p:ext>
     </p:extLst>
   </p:cSld>
@@ -9701,10 +10012,71 @@
       </p:grpSpPr>
       <p:sp>
         <p:nvSpPr>
-          <p:cNvPr id="2" name="TextBox 1">
-            <a:extLst>
-              <a:ext uri="{FF2B5EF4-FFF2-40B4-BE49-F238E27FC236}">
-                <a16:creationId xmlns:a16="http://schemas.microsoft.com/office/drawing/2014/main" id="{15F17D47-BC6C-1F1F-6815-9CB170435810}"/>
+          <p:cNvPr id="2" name="Заголовок 6">
+            <a:extLst>
+              <a:ext uri="{FF2B5EF4-FFF2-40B4-BE49-F238E27FC236}">
+                <a16:creationId xmlns:a16="http://schemas.microsoft.com/office/drawing/2014/main" id="{DF3443BC-D014-19B6-5316-938F1C929671}"/>
+              </a:ext>
+            </a:extLst>
+          </p:cNvPr>
+          <p:cNvSpPr txBox="1">
+            <a:spLocks/>
+          </p:cNvSpPr>
+          <p:nvPr/>
+        </p:nvSpPr>
+        <p:spPr>
+          <a:xfrm>
+            <a:off x="2598439" y="187553"/>
+            <a:ext cx="6995120" cy="634082"/>
+          </a:xfrm>
+          <a:prstGeom prst="rect">
+            <a:avLst/>
+          </a:prstGeom>
+        </p:spPr>
+        <p:txBody>
+          <a:bodyPr vert="horz" lIns="91440" tIns="45720" rIns="91440" bIns="45720" rtlCol="0" anchor="ctr">
+            <a:normAutofit/>
+          </a:bodyPr>
+          <a:lstStyle>
+            <a:lvl1pPr algn="l" defTabSz="914400" rtl="0" eaLnBrk="1" latinLnBrk="0" hangingPunct="1">
+              <a:lnSpc>
+                <a:spcPct val="90000"/>
+              </a:lnSpc>
+              <a:spcBef>
+                <a:spcPct val="0"/>
+              </a:spcBef>
+              <a:buNone/>
+              <a:defRPr sz="4400" kern="1200">
+                <a:solidFill>
+                  <a:schemeClr val="tx1"/>
+                </a:solidFill>
+                <a:latin typeface="+mj-lt"/>
+                <a:ea typeface="+mj-ea"/>
+                <a:cs typeface="+mj-cs"/>
+              </a:defRPr>
+            </a:lvl1pPr>
+          </a:lstStyle>
+          <a:p>
+            <a:pPr algn="ctr"/>
+            <a:r>
+              <a:rPr lang="ru-RU" sz="2800" b="1" dirty="0">
+                <a:solidFill>
+                  <a:srgbClr val="0070C0"/>
+                </a:solidFill>
+                <a:latin typeface="Arial" panose="020B0604020202020204" pitchFamily="34" charset="0"/>
+                <a:cs typeface="Arial" panose="020B0604020202020204" pitchFamily="34" charset="0"/>
+              </a:rPr>
+              <a:t>ПРЕДПРИЯТИЕ</a:t>
+            </a:r>
+          </a:p>
+        </p:txBody>
+      </p:sp>
+      <p:sp>
+        <p:nvSpPr>
+          <p:cNvPr id="4" name="TextBox 3">
+            <a:extLst>
+              <a:ext uri="{FF2B5EF4-FFF2-40B4-BE49-F238E27FC236}">
+                <a16:creationId xmlns:a16="http://schemas.microsoft.com/office/drawing/2014/main" id="{BB6D1381-B68F-54B5-B98A-BF18AB8BD255}"/>
               </a:ext>
             </a:extLst>
           </p:cNvPr>
@@ -9713,8 +10085,8 @@
         </p:nvSpPr>
         <p:spPr>
           <a:xfrm>
-            <a:off x="1614488" y="303438"/>
-            <a:ext cx="8963025" cy="1095685"/>
+            <a:off x="6621463" y="1471136"/>
+            <a:ext cx="5438775" cy="1200329"/>
           </a:xfrm>
           <a:prstGeom prst="rect">
             <a:avLst/>
@@ -9727,130 +10099,55 @@
           </a:bodyPr>
           <a:lstStyle/>
           <a:p>
-            <a:pPr algn="ctr">
-              <a:lnSpc>
-                <a:spcPct val="90000"/>
-              </a:lnSpc>
-              <a:spcBef>
-                <a:spcPct val="0"/>
-              </a:spcBef>
-            </a:pPr>
-            <a:r>
-              <a:rPr lang="en-US" sz="2800" b="1" dirty="0">
-                <a:solidFill>
-                  <a:srgbClr val="0070C0"/>
-                </a:solidFill>
+            <a:r>
+              <a:rPr lang="ru-RU" sz="2400" dirty="0">
                 <a:latin typeface="Arial" panose="020B0604020202020204" pitchFamily="34" charset="0"/>
-                <a:ea typeface="+mj-ea"/>
                 <a:cs typeface="Arial" panose="020B0604020202020204" pitchFamily="34" charset="0"/>
               </a:rPr>
-              <a:t>HTML. </a:t>
-            </a:r>
-            <a:r>
-              <a:rPr lang="ru-RU" sz="2800" b="1" dirty="0">
-                <a:solidFill>
-                  <a:srgbClr val="0070C0"/>
-                </a:solidFill>
+              <a:t>Руководитель предприятия</a:t>
+            </a:r>
+            <a:r>
+              <a:rPr lang="ru-RU" sz="2400" dirty="0"/>
+              <a:t>: </a:t>
+            </a:r>
+          </a:p>
+          <a:p>
+            <a:r>
+              <a:rPr lang="ru-RU" sz="2400" dirty="0">
                 <a:latin typeface="Arial" panose="020B0604020202020204" pitchFamily="34" charset="0"/>
-                <a:ea typeface="+mj-ea"/>
                 <a:cs typeface="Arial" panose="020B0604020202020204" pitchFamily="34" charset="0"/>
               </a:rPr>
-              <a:t>Внешняя передача данных</a:t>
-            </a:r>
-          </a:p>
-          <a:p>
-            <a:endParaRPr lang="ru-RU" sz="4000" b="1" dirty="0">
-              <a:effectLst/>
-              <a:ea typeface="Calibri" panose="020F0502020204030204" pitchFamily="34" charset="0"/>
-              <a:cs typeface="Times New Roman" panose="02020603050405020304" pitchFamily="18" charset="0"/>
+              <a:t>генеральный директор</a:t>
+            </a:r>
+          </a:p>
+          <a:p>
+            <a:r>
+              <a:rPr lang="ru-RU" sz="2400" dirty="0">
+                <a:latin typeface="Arial" panose="020B0604020202020204" pitchFamily="34" charset="0"/>
+                <a:cs typeface="Arial" panose="020B0604020202020204" pitchFamily="34" charset="0"/>
+              </a:rPr>
+              <a:t>Василий Николаевич </a:t>
+            </a:r>
+            <a:r>
+              <a:rPr lang="ru-RU" sz="2400" dirty="0" err="1">
+                <a:latin typeface="Arial" panose="020B0604020202020204" pitchFamily="34" charset="0"/>
+                <a:cs typeface="Arial" panose="020B0604020202020204" pitchFamily="34" charset="0"/>
+              </a:rPr>
+              <a:t>Шупранов</a:t>
+            </a:r>
+            <a:endParaRPr lang="ru-RU" sz="2400" dirty="0">
+              <a:latin typeface="Arial" panose="020B0604020202020204" pitchFamily="34" charset="0"/>
+              <a:cs typeface="Arial" panose="020B0604020202020204" pitchFamily="34" charset="0"/>
             </a:endParaRPr>
           </a:p>
         </p:txBody>
       </p:sp>
       <p:sp>
         <p:nvSpPr>
-          <p:cNvPr id="12" name="Прямоугольник: скругленные углы 11">
-            <a:extLst>
-              <a:ext uri="{FF2B5EF4-FFF2-40B4-BE49-F238E27FC236}">
-                <a16:creationId xmlns:a16="http://schemas.microsoft.com/office/drawing/2014/main" id="{BBF7AA6C-211E-FEC6-0FF9-1735F1EB4DC3}"/>
-              </a:ext>
-            </a:extLst>
-          </p:cNvPr>
-          <p:cNvSpPr/>
-          <p:nvPr/>
-        </p:nvSpPr>
-        <p:spPr>
-          <a:xfrm>
-            <a:off x="2969217" y="795372"/>
-            <a:ext cx="2772235" cy="2684538"/>
-          </a:xfrm>
-          <a:prstGeom prst="roundRect">
-            <a:avLst>
-              <a:gd name="adj" fmla="val 9280"/>
-            </a:avLst>
-          </a:prstGeom>
-        </p:spPr>
-        <p:style>
-          <a:lnRef idx="2">
-            <a:schemeClr val="accent1">
-              <a:shade val="15000"/>
-            </a:schemeClr>
-          </a:lnRef>
-          <a:fillRef idx="1">
-            <a:schemeClr val="accent1"/>
-          </a:fillRef>
-          <a:effectRef idx="0">
-            <a:schemeClr val="accent1"/>
-          </a:effectRef>
-          <a:fontRef idx="minor">
-            <a:schemeClr val="lt1"/>
-          </a:fontRef>
-        </p:style>
-        <p:txBody>
-          <a:bodyPr rtlCol="0" anchor="ctr"/>
-          <a:lstStyle/>
-          <a:p>
-            <a:pPr algn="ctr"/>
-            <a:endParaRPr lang="ru-RU"/>
-          </a:p>
-        </p:txBody>
-      </p:sp>
-      <p:pic>
-        <p:nvPicPr>
-          <p:cNvPr id="3" name="Рисунок 2">
-            <a:extLst>
-              <a:ext uri="{FF2B5EF4-FFF2-40B4-BE49-F238E27FC236}">
-                <a16:creationId xmlns:a16="http://schemas.microsoft.com/office/drawing/2014/main" id="{633A3F86-C98D-34AF-6BF7-45B101505F2E}"/>
-              </a:ext>
-            </a:extLst>
-          </p:cNvPr>
-          <p:cNvPicPr>
-            <a:picLocks noChangeAspect="1"/>
-          </p:cNvPicPr>
-          <p:nvPr/>
-        </p:nvPicPr>
-        <p:blipFill>
-          <a:blip r:embed="rId2"/>
-          <a:stretch>
-            <a:fillRect/>
-          </a:stretch>
-        </p:blipFill>
-        <p:spPr>
-          <a:xfrm>
-            <a:off x="3511327" y="968462"/>
-            <a:ext cx="1836246" cy="1962986"/>
-          </a:xfrm>
-          <a:prstGeom prst="rect">
-            <a:avLst/>
-          </a:prstGeom>
-        </p:spPr>
-      </p:pic>
-      <p:sp>
-        <p:nvSpPr>
-          <p:cNvPr id="7" name="TextBox 6">
-            <a:extLst>
-              <a:ext uri="{FF2B5EF4-FFF2-40B4-BE49-F238E27FC236}">
-                <a16:creationId xmlns:a16="http://schemas.microsoft.com/office/drawing/2014/main" id="{466D0F33-03DA-2566-7608-91C25CFC66E3}"/>
+          <p:cNvPr id="14" name="TextBox 13">
+            <a:extLst>
+              <a:ext uri="{FF2B5EF4-FFF2-40B4-BE49-F238E27FC236}">
+                <a16:creationId xmlns:a16="http://schemas.microsoft.com/office/drawing/2014/main" id="{AABEE6AD-9B4D-5848-61F2-520CDD6F2F99}"/>
               </a:ext>
             </a:extLst>
           </p:cNvPr>
@@ -9859,8 +10156,8 @@
         </p:nvSpPr>
         <p:spPr>
           <a:xfrm>
-            <a:off x="3156252" y="2931448"/>
-            <a:ext cx="2426513" cy="369332"/>
+            <a:off x="1252422" y="4972050"/>
+            <a:ext cx="4540276" cy="369332"/>
           </a:xfrm>
           <a:prstGeom prst="rect">
             <a:avLst/>
@@ -9875,164 +10172,12 @@
           <a:p>
             <a:pPr algn="ctr"/>
             <a:r>
-              <a:rPr lang="ru-RU" sz="1800" b="1" dirty="0">
-                <a:solidFill>
-                  <a:schemeClr val="bg1"/>
-                </a:solidFill>
-                <a:effectLst/>
-                <a:ea typeface="Calibri" panose="020F0502020204030204" pitchFamily="34" charset="0"/>
+              <a:rPr lang="ru-RU" dirty="0">
+                <a:latin typeface="Arial" panose="020B0604020202020204" pitchFamily="34" charset="0"/>
+                <a:cs typeface="Arial" panose="020B0604020202020204" pitchFamily="34" charset="0"/>
               </a:rPr>
-              <a:t>Основная страница</a:t>
-            </a:r>
-            <a:endParaRPr lang="ru-RU" b="1" dirty="0">
-              <a:solidFill>
-                <a:schemeClr val="bg1"/>
-              </a:solidFill>
-            </a:endParaRPr>
-          </a:p>
-        </p:txBody>
-      </p:sp>
-      <p:sp>
-        <p:nvSpPr>
-          <p:cNvPr id="15" name="Прямоугольник: скругленные углы 14">
-            <a:extLst>
-              <a:ext uri="{FF2B5EF4-FFF2-40B4-BE49-F238E27FC236}">
-                <a16:creationId xmlns:a16="http://schemas.microsoft.com/office/drawing/2014/main" id="{D4FDDCAB-F6E0-F5A2-8A5D-4BA3897662F3}"/>
-              </a:ext>
-            </a:extLst>
-          </p:cNvPr>
-          <p:cNvSpPr/>
-          <p:nvPr/>
-        </p:nvSpPr>
-        <p:spPr>
-          <a:xfrm>
-            <a:off x="6283562" y="3618098"/>
-            <a:ext cx="2772235" cy="2684538"/>
-          </a:xfrm>
-          <a:prstGeom prst="roundRect">
-            <a:avLst>
-              <a:gd name="adj" fmla="val 9280"/>
-            </a:avLst>
-          </a:prstGeom>
-        </p:spPr>
-        <p:style>
-          <a:lnRef idx="2">
-            <a:schemeClr val="accent1">
-              <a:shade val="15000"/>
-            </a:schemeClr>
-          </a:lnRef>
-          <a:fillRef idx="1">
-            <a:schemeClr val="accent1"/>
-          </a:fillRef>
-          <a:effectRef idx="0">
-            <a:schemeClr val="accent1"/>
-          </a:effectRef>
-          <a:fontRef idx="minor">
-            <a:schemeClr val="lt1"/>
-          </a:fontRef>
-        </p:style>
-        <p:txBody>
-          <a:bodyPr rtlCol="0" anchor="ctr"/>
-          <a:lstStyle/>
-          <a:p>
-            <a:pPr algn="ctr"/>
-            <a:endParaRPr lang="ru-RU"/>
-          </a:p>
-        </p:txBody>
-      </p:sp>
-      <p:sp>
-        <p:nvSpPr>
-          <p:cNvPr id="16" name="Прямоугольник: скругленные углы 15">
-            <a:extLst>
-              <a:ext uri="{FF2B5EF4-FFF2-40B4-BE49-F238E27FC236}">
-                <a16:creationId xmlns:a16="http://schemas.microsoft.com/office/drawing/2014/main" id="{613CEC96-452F-8A98-BFBF-761A796D000C}"/>
-              </a:ext>
-            </a:extLst>
-          </p:cNvPr>
-          <p:cNvSpPr/>
-          <p:nvPr/>
-        </p:nvSpPr>
-        <p:spPr>
-          <a:xfrm>
-            <a:off x="2969216" y="3618098"/>
-            <a:ext cx="2772235" cy="2684538"/>
-          </a:xfrm>
-          <a:prstGeom prst="roundRect">
-            <a:avLst>
-              <a:gd name="adj" fmla="val 9280"/>
-            </a:avLst>
-          </a:prstGeom>
-        </p:spPr>
-        <p:style>
-          <a:lnRef idx="2">
-            <a:schemeClr val="accent1">
-              <a:shade val="15000"/>
-            </a:schemeClr>
-          </a:lnRef>
-          <a:fillRef idx="1">
-            <a:schemeClr val="accent1"/>
-          </a:fillRef>
-          <a:effectRef idx="0">
-            <a:schemeClr val="accent1"/>
-          </a:effectRef>
-          <a:fontRef idx="minor">
-            <a:schemeClr val="lt1"/>
-          </a:fontRef>
-        </p:style>
-        <p:txBody>
-          <a:bodyPr rtlCol="0" anchor="ctr"/>
-          <a:lstStyle/>
-          <a:p>
-            <a:pPr algn="ctr"/>
-            <a:endParaRPr lang="ru-RU"/>
-          </a:p>
-        </p:txBody>
-      </p:sp>
-      <p:sp>
-        <p:nvSpPr>
-          <p:cNvPr id="17" name="Прямоугольник: скругленные углы 16">
-            <a:extLst>
-              <a:ext uri="{FF2B5EF4-FFF2-40B4-BE49-F238E27FC236}">
-                <a16:creationId xmlns:a16="http://schemas.microsoft.com/office/drawing/2014/main" id="{40532008-D142-A53E-CC96-DD394B6EFA0A}"/>
-              </a:ext>
-            </a:extLst>
-          </p:cNvPr>
-          <p:cNvSpPr/>
-          <p:nvPr/>
-        </p:nvSpPr>
-        <p:spPr>
-          <a:xfrm>
-            <a:off x="6283562" y="795372"/>
-            <a:ext cx="2772235" cy="2684538"/>
-          </a:xfrm>
-          <a:prstGeom prst="roundRect">
-            <a:avLst>
-              <a:gd name="adj" fmla="val 9280"/>
-            </a:avLst>
-          </a:prstGeom>
-        </p:spPr>
-        <p:style>
-          <a:lnRef idx="2">
-            <a:schemeClr val="accent1">
-              <a:shade val="15000"/>
-            </a:schemeClr>
-          </a:lnRef>
-          <a:fillRef idx="1">
-            <a:schemeClr val="accent1"/>
-          </a:fillRef>
-          <a:effectRef idx="0">
-            <a:schemeClr val="accent1"/>
-          </a:effectRef>
-          <a:fontRef idx="minor">
-            <a:schemeClr val="lt1"/>
-          </a:fontRef>
-        </p:style>
-        <p:txBody>
-          <a:bodyPr rtlCol="0" anchor="ctr"/>
-          <a:lstStyle/>
-          <a:p>
-            <a:pPr algn="ctr"/>
-            <a:endParaRPr lang="ru-RU"/>
+              <a:t>Структура предприятия</a:t>
+            </a:r>
           </a:p>
         </p:txBody>
       </p:sp>
@@ -10041,7 +10186,43 @@
           <p:cNvPr id="6" name="Рисунок 5">
             <a:extLst>
               <a:ext uri="{FF2B5EF4-FFF2-40B4-BE49-F238E27FC236}">
-                <a16:creationId xmlns:a16="http://schemas.microsoft.com/office/drawing/2014/main" id="{33E1728B-ECEA-026C-BB3E-D16D62667B03}"/>
+                <a16:creationId xmlns:a16="http://schemas.microsoft.com/office/drawing/2014/main" id="{A826B4BF-13FD-F70C-06F2-33236C7598F7}"/>
+              </a:ext>
+            </a:extLst>
+          </p:cNvPr>
+          <p:cNvPicPr>
+            <a:picLocks noChangeAspect="1"/>
+          </p:cNvPicPr>
+          <p:nvPr/>
+        </p:nvPicPr>
+        <p:blipFill>
+          <a:blip r:embed="rId2">
+            <a:extLst>
+              <a:ext uri="{28A0092B-C50C-407E-A947-70E740481C1C}">
+                <a14:useLocalDpi xmlns:a14="http://schemas.microsoft.com/office/drawing/2010/main" val="0"/>
+              </a:ext>
+            </a:extLst>
+          </a:blip>
+          <a:stretch>
+            <a:fillRect/>
+          </a:stretch>
+        </p:blipFill>
+        <p:spPr>
+          <a:xfrm>
+            <a:off x="7551634" y="2757436"/>
+            <a:ext cx="2488113" cy="3087104"/>
+          </a:xfrm>
+          <a:prstGeom prst="roundRect">
+            <a:avLst/>
+          </a:prstGeom>
+        </p:spPr>
+      </p:pic>
+      <p:pic>
+        <p:nvPicPr>
+          <p:cNvPr id="7" name="Рисунок 6">
+            <a:extLst>
+              <a:ext uri="{FF2B5EF4-FFF2-40B4-BE49-F238E27FC236}">
+                <a16:creationId xmlns:a16="http://schemas.microsoft.com/office/drawing/2014/main" id="{ABEF69A2-C5E5-5F78-5ED7-508F84B5AD86}"/>
               </a:ext>
             </a:extLst>
           </p:cNvPr>
@@ -10058,219 +10239,18 @@
         </p:blipFill>
         <p:spPr>
           <a:xfrm>
-            <a:off x="6382894" y="968462"/>
-            <a:ext cx="2573571" cy="1918357"/>
+            <a:off x="826266" y="2483168"/>
+            <a:ext cx="5501827" cy="2098358"/>
           </a:xfrm>
           <a:prstGeom prst="rect">
             <a:avLst/>
           </a:prstGeom>
         </p:spPr>
       </p:pic>
-      <p:sp>
-        <p:nvSpPr>
-          <p:cNvPr id="11" name="TextBox 10">
-            <a:extLst>
-              <a:ext uri="{FF2B5EF4-FFF2-40B4-BE49-F238E27FC236}">
-                <a16:creationId xmlns:a16="http://schemas.microsoft.com/office/drawing/2014/main" id="{73D8672C-BC43-F6E3-9A56-1A69C2394141}"/>
-              </a:ext>
-            </a:extLst>
-          </p:cNvPr>
-          <p:cNvSpPr txBox="1"/>
-          <p:nvPr/>
-        </p:nvSpPr>
-        <p:spPr>
-          <a:xfrm>
-            <a:off x="6463677" y="2927232"/>
-            <a:ext cx="2412004" cy="369332"/>
-          </a:xfrm>
-          <a:prstGeom prst="rect">
-            <a:avLst/>
-          </a:prstGeom>
-          <a:noFill/>
-        </p:spPr>
-        <p:txBody>
-          <a:bodyPr wrap="square" rtlCol="0">
-            <a:spAutoFit/>
-          </a:bodyPr>
-          <a:lstStyle/>
-          <a:p>
-            <a:pPr algn="ctr"/>
-            <a:r>
-              <a:rPr lang="ru-RU" sz="1800" b="1" dirty="0">
-                <a:solidFill>
-                  <a:schemeClr val="bg1"/>
-                </a:solidFill>
-                <a:effectLst/>
-                <a:ea typeface="Calibri" panose="020F0502020204030204" pitchFamily="34" charset="0"/>
-              </a:rPr>
-              <a:t>Страница «Направо»</a:t>
-            </a:r>
-            <a:endParaRPr lang="ru-RU" b="1" dirty="0">
-              <a:solidFill>
-                <a:schemeClr val="bg1"/>
-              </a:solidFill>
-            </a:endParaRPr>
-          </a:p>
-        </p:txBody>
-      </p:sp>
-      <p:pic>
-        <p:nvPicPr>
-          <p:cNvPr id="4" name="Рисунок 3">
-            <a:extLst>
-              <a:ext uri="{FF2B5EF4-FFF2-40B4-BE49-F238E27FC236}">
-                <a16:creationId xmlns:a16="http://schemas.microsoft.com/office/drawing/2014/main" id="{42929EB2-449E-20C1-A036-E4F5F1EF1709}"/>
-              </a:ext>
-            </a:extLst>
-          </p:cNvPr>
-          <p:cNvPicPr>
-            <a:picLocks noChangeAspect="1"/>
-          </p:cNvPicPr>
-          <p:nvPr/>
-        </p:nvPicPr>
-        <p:blipFill>
-          <a:blip r:embed="rId4"/>
-          <a:stretch>
-            <a:fillRect/>
-          </a:stretch>
-        </p:blipFill>
-        <p:spPr>
-          <a:xfrm>
-            <a:off x="3099089" y="3897692"/>
-            <a:ext cx="2483676" cy="1569073"/>
-          </a:xfrm>
-          <a:prstGeom prst="rect">
-            <a:avLst/>
-          </a:prstGeom>
-        </p:spPr>
-      </p:pic>
-      <p:sp>
-        <p:nvSpPr>
-          <p:cNvPr id="8" name="TextBox 7">
-            <a:extLst>
-              <a:ext uri="{FF2B5EF4-FFF2-40B4-BE49-F238E27FC236}">
-                <a16:creationId xmlns:a16="http://schemas.microsoft.com/office/drawing/2014/main" id="{6363A969-4BB9-9A18-6720-69D4447DC4F7}"/>
-              </a:ext>
-            </a:extLst>
-          </p:cNvPr>
-          <p:cNvSpPr txBox="1"/>
-          <p:nvPr/>
-        </p:nvSpPr>
-        <p:spPr>
-          <a:xfrm>
-            <a:off x="3149331" y="5634314"/>
-            <a:ext cx="2412004" cy="369332"/>
-          </a:xfrm>
-          <a:prstGeom prst="rect">
-            <a:avLst/>
-          </a:prstGeom>
-          <a:noFill/>
-        </p:spPr>
-        <p:txBody>
-          <a:bodyPr wrap="square" rtlCol="0">
-            <a:spAutoFit/>
-          </a:bodyPr>
-          <a:lstStyle/>
-          <a:p>
-            <a:pPr algn="ctr"/>
-            <a:r>
-              <a:rPr lang="ru-RU" sz="1800" b="1" dirty="0">
-                <a:solidFill>
-                  <a:schemeClr val="bg1"/>
-                </a:solidFill>
-                <a:effectLst/>
-                <a:ea typeface="Calibri" panose="020F0502020204030204" pitchFamily="34" charset="0"/>
-              </a:rPr>
-              <a:t>Страница «Налево»</a:t>
-            </a:r>
-            <a:endParaRPr lang="ru-RU" b="1" dirty="0">
-              <a:solidFill>
-                <a:schemeClr val="bg1"/>
-              </a:solidFill>
-            </a:endParaRPr>
-          </a:p>
-        </p:txBody>
-      </p:sp>
-      <p:pic>
-        <p:nvPicPr>
-          <p:cNvPr id="5" name="Рисунок 4">
-            <a:extLst>
-              <a:ext uri="{FF2B5EF4-FFF2-40B4-BE49-F238E27FC236}">
-                <a16:creationId xmlns:a16="http://schemas.microsoft.com/office/drawing/2014/main" id="{9D4E25B9-C18F-A133-DBDC-5A76AEABDF44}"/>
-              </a:ext>
-            </a:extLst>
-          </p:cNvPr>
-          <p:cNvPicPr>
-            <a:picLocks noChangeAspect="1"/>
-          </p:cNvPicPr>
-          <p:nvPr/>
-        </p:nvPicPr>
-        <p:blipFill>
-          <a:blip r:embed="rId5"/>
-          <a:stretch>
-            <a:fillRect/>
-          </a:stretch>
-        </p:blipFill>
-        <p:spPr>
-          <a:xfrm>
-            <a:off x="6333628" y="3870107"/>
-            <a:ext cx="2672103" cy="1588417"/>
-          </a:xfrm>
-          <a:prstGeom prst="rect">
-            <a:avLst/>
-          </a:prstGeom>
-        </p:spPr>
-      </p:pic>
-      <p:sp>
-        <p:nvSpPr>
-          <p:cNvPr id="9" name="TextBox 8">
-            <a:extLst>
-              <a:ext uri="{FF2B5EF4-FFF2-40B4-BE49-F238E27FC236}">
-                <a16:creationId xmlns:a16="http://schemas.microsoft.com/office/drawing/2014/main" id="{FD5527BF-EB9B-0441-3590-058681CD65C1}"/>
-              </a:ext>
-            </a:extLst>
-          </p:cNvPr>
-          <p:cNvSpPr txBox="1"/>
-          <p:nvPr/>
-        </p:nvSpPr>
-        <p:spPr>
-          <a:xfrm>
-            <a:off x="6444006" y="5626073"/>
-            <a:ext cx="2412004" cy="369332"/>
-          </a:xfrm>
-          <a:prstGeom prst="rect">
-            <a:avLst/>
-          </a:prstGeom>
-          <a:noFill/>
-        </p:spPr>
-        <p:txBody>
-          <a:bodyPr wrap="square" rtlCol="0">
-            <a:spAutoFit/>
-          </a:bodyPr>
-          <a:lstStyle/>
-          <a:p>
-            <a:pPr algn="ctr"/>
-            <a:r>
-              <a:rPr lang="ru-RU" sz="1800" b="1" dirty="0">
-                <a:solidFill>
-                  <a:schemeClr val="bg1"/>
-                </a:solidFill>
-                <a:effectLst/>
-                <a:ea typeface="Calibri" panose="020F0502020204030204" pitchFamily="34" charset="0"/>
-              </a:rPr>
-              <a:t>Страница «Прямо»</a:t>
-            </a:r>
-            <a:endParaRPr lang="ru-RU" b="1" dirty="0">
-              <a:solidFill>
-                <a:schemeClr val="bg1"/>
-              </a:solidFill>
-            </a:endParaRPr>
-          </a:p>
-        </p:txBody>
-      </p:sp>
     </p:spTree>
     <p:extLst>
       <p:ext uri="{BB962C8B-B14F-4D97-AF65-F5344CB8AC3E}">
-        <p14:creationId xmlns:p14="http://schemas.microsoft.com/office/powerpoint/2010/main" val="557676849"/>
+        <p14:creationId xmlns:p14="http://schemas.microsoft.com/office/powerpoint/2010/main" val="1992996287"/>
       </p:ext>
     </p:extLst>
   </p:cSld>
@@ -10299,106 +10279,62 @@
       </p:grpSpPr>
       <p:sp>
         <p:nvSpPr>
-          <p:cNvPr id="5" name="Прямоугольник: скругленные углы 4">
-            <a:extLst>
-              <a:ext uri="{FF2B5EF4-FFF2-40B4-BE49-F238E27FC236}">
-                <a16:creationId xmlns:a16="http://schemas.microsoft.com/office/drawing/2014/main" id="{ACAC62FF-7206-1742-84A4-4DAB606422EB}"/>
-              </a:ext>
-            </a:extLst>
-          </p:cNvPr>
-          <p:cNvSpPr/>
+          <p:cNvPr id="2" name="Заголовок 6">
+            <a:extLst>
+              <a:ext uri="{FF2B5EF4-FFF2-40B4-BE49-F238E27FC236}">
+                <a16:creationId xmlns:a16="http://schemas.microsoft.com/office/drawing/2014/main" id="{DF3443BC-D014-19B6-5316-938F1C929671}"/>
+              </a:ext>
+            </a:extLst>
+          </p:cNvPr>
+          <p:cNvSpPr txBox="1">
+            <a:spLocks/>
+          </p:cNvSpPr>
           <p:nvPr/>
         </p:nvSpPr>
         <p:spPr>
           <a:xfrm>
-            <a:off x="422988" y="1682471"/>
-            <a:ext cx="11346024" cy="3872205"/>
-          </a:xfrm>
-          <a:prstGeom prst="roundRect">
-            <a:avLst>
-              <a:gd name="adj" fmla="val 9280"/>
-            </a:avLst>
-          </a:prstGeom>
-        </p:spPr>
-        <p:style>
-          <a:lnRef idx="2">
-            <a:schemeClr val="accent1">
-              <a:shade val="15000"/>
-            </a:schemeClr>
-          </a:lnRef>
-          <a:fillRef idx="1">
-            <a:schemeClr val="accent1"/>
-          </a:fillRef>
-          <a:effectRef idx="0">
-            <a:schemeClr val="accent1"/>
-          </a:effectRef>
-          <a:fontRef idx="minor">
-            <a:schemeClr val="lt1"/>
-          </a:fontRef>
-        </p:style>
-        <p:txBody>
-          <a:bodyPr rtlCol="0" anchor="ctr"/>
-          <a:lstStyle/>
-          <a:p>
-            <a:pPr algn="ctr"/>
-            <a:endParaRPr lang="ru-RU"/>
-          </a:p>
-        </p:txBody>
-      </p:sp>
-      <p:sp>
-        <p:nvSpPr>
-          <p:cNvPr id="2" name="TextBox 1">
-            <a:extLst>
-              <a:ext uri="{FF2B5EF4-FFF2-40B4-BE49-F238E27FC236}">
-                <a16:creationId xmlns:a16="http://schemas.microsoft.com/office/drawing/2014/main" id="{E565F1AC-FA93-AE52-A537-6ADAEA238519}"/>
-              </a:ext>
-            </a:extLst>
-          </p:cNvPr>
-          <p:cNvSpPr txBox="1"/>
-          <p:nvPr/>
-        </p:nvSpPr>
-        <p:spPr>
-          <a:xfrm>
-            <a:off x="803502" y="322099"/>
-            <a:ext cx="10584997" cy="1360372"/>
+            <a:off x="2598439" y="187553"/>
+            <a:ext cx="6995120" cy="634082"/>
           </a:xfrm>
           <a:prstGeom prst="rect">
             <a:avLst/>
           </a:prstGeom>
-          <a:noFill/>
         </p:spPr>
         <p:txBody>
-          <a:bodyPr wrap="square" rtlCol="0">
-            <a:spAutoFit/>
+          <a:bodyPr vert="horz" lIns="91440" tIns="45720" rIns="91440" bIns="45720" rtlCol="0" anchor="ctr">
+            <a:normAutofit/>
           </a:bodyPr>
-          <a:lstStyle/>
-          <a:p>
-            <a:pPr algn="ctr">
+          <a:lstStyle>
+            <a:lvl1pPr algn="l" defTabSz="914400" rtl="0" eaLnBrk="1" latinLnBrk="0" hangingPunct="1">
               <a:lnSpc>
                 <a:spcPct val="90000"/>
               </a:lnSpc>
               <a:spcBef>
                 <a:spcPct val="0"/>
               </a:spcBef>
-            </a:pPr>
+              <a:buNone/>
+              <a:defRPr sz="4400" kern="1200">
+                <a:solidFill>
+                  <a:schemeClr val="tx1"/>
+                </a:solidFill>
+                <a:latin typeface="+mj-lt"/>
+                <a:ea typeface="+mj-ea"/>
+                <a:cs typeface="+mj-cs"/>
+              </a:defRPr>
+            </a:lvl1pPr>
+          </a:lstStyle>
+          <a:p>
+            <a:pPr algn="ctr"/>
             <a:r>
               <a:rPr lang="ru-RU" sz="2800" b="1" dirty="0">
                 <a:solidFill>
                   <a:srgbClr val="0070C0"/>
                 </a:solidFill>
                 <a:latin typeface="Arial" panose="020B0604020202020204" pitchFamily="34" charset="0"/>
-                <a:ea typeface="+mj-ea"/>
                 <a:cs typeface="Arial" panose="020B0604020202020204" pitchFamily="34" charset="0"/>
               </a:rPr>
-              <a:t>Табличный редактор. Вывод справочника в виде таблицы</a:t>
-            </a:r>
-          </a:p>
-          <a:p>
-            <a:endParaRPr lang="ru-RU" sz="3200" b="1" dirty="0">
-              <a:effectLst/>
-              <a:ea typeface="Calibri" panose="020F0502020204030204" pitchFamily="34" charset="0"/>
-              <a:cs typeface="Times New Roman" panose="02020603050405020304" pitchFamily="18" charset="0"/>
-            </a:endParaRPr>
+              <a:t>ПРЕДПРИЯТИЕ</a:t>
+            </a:r>
           </a:p>
         </p:txBody>
       </p:sp>
@@ -10407,7 +10343,7 @@
           <p:cNvPr id="3" name="Рисунок 2">
             <a:extLst>
               <a:ext uri="{FF2B5EF4-FFF2-40B4-BE49-F238E27FC236}">
-                <a16:creationId xmlns:a16="http://schemas.microsoft.com/office/drawing/2014/main" id="{5B49175A-807B-7B15-2743-32DFBDF276D8}"/>
+                <a16:creationId xmlns:a16="http://schemas.microsoft.com/office/drawing/2014/main" id="{F0F2BD77-6B42-72EB-E318-86A12C6FF5AC}"/>
               </a:ext>
             </a:extLst>
           </p:cNvPr>
@@ -10424,8 +10360,8 @@
         </p:blipFill>
         <p:spPr>
           <a:xfrm>
-            <a:off x="741614" y="1970279"/>
-            <a:ext cx="10708772" cy="2058523"/>
+            <a:off x="3086100" y="928687"/>
+            <a:ext cx="6211887" cy="4793592"/>
           </a:xfrm>
           <a:prstGeom prst="rect">
             <a:avLst/>
@@ -10434,10 +10370,10 @@
       </p:pic>
       <p:sp>
         <p:nvSpPr>
-          <p:cNvPr id="4" name="TextBox 3">
-            <a:extLst>
-              <a:ext uri="{FF2B5EF4-FFF2-40B4-BE49-F238E27FC236}">
-                <a16:creationId xmlns:a16="http://schemas.microsoft.com/office/drawing/2014/main" id="{871F9EE4-1924-97C9-4C2F-6D3DA383BC55}"/>
+          <p:cNvPr id="14" name="TextBox 13">
+            <a:extLst>
+              <a:ext uri="{FF2B5EF4-FFF2-40B4-BE49-F238E27FC236}">
+                <a16:creationId xmlns:a16="http://schemas.microsoft.com/office/drawing/2014/main" id="{AABEE6AD-9B4D-5848-61F2-520CDD6F2F99}"/>
               </a:ext>
             </a:extLst>
           </p:cNvPr>
@@ -10446,8 +10382,8 @@
         </p:nvSpPr>
         <p:spPr>
           <a:xfrm>
-            <a:off x="2940755" y="4369343"/>
-            <a:ext cx="6310490" cy="646331"/>
+            <a:off x="4008322" y="5559981"/>
+            <a:ext cx="4540276" cy="369332"/>
           </a:xfrm>
           <a:prstGeom prst="rect">
             <a:avLst/>
@@ -10462,12 +10398,11 @@
           <a:p>
             <a:pPr algn="ctr"/>
             <a:r>
-              <a:rPr lang="ru-RU" b="1" dirty="0">
-                <a:solidFill>
-                  <a:schemeClr val="bg1"/>
-                </a:solidFill>
+              <a:rPr lang="ru-RU" dirty="0">
+                <a:latin typeface="Arial" panose="020B0604020202020204" pitchFamily="34" charset="0"/>
+                <a:cs typeface="Arial" panose="020B0604020202020204" pitchFamily="34" charset="0"/>
               </a:rPr>
-              <a:t>Результат вывода справочника Одноклассники в виде таблицы</a:t>
+              <a:t>Топология компьютерной сети</a:t>
             </a:r>
           </a:p>
         </p:txBody>
@@ -10475,7 +10410,7 @@
     </p:spTree>
     <p:extLst>
       <p:ext uri="{BB962C8B-B14F-4D97-AF65-F5344CB8AC3E}">
-        <p14:creationId xmlns:p14="http://schemas.microsoft.com/office/powerpoint/2010/main" val="2174589229"/>
+        <p14:creationId xmlns:p14="http://schemas.microsoft.com/office/powerpoint/2010/main" val="1668643440"/>
       </p:ext>
     </p:extLst>
   </p:cSld>
@@ -10502,177 +10437,536 @@
           <a:chExt cx="0" cy="0"/>
         </a:xfrm>
       </p:grpSpPr>
+      <p:graphicFrame>
+        <p:nvGraphicFramePr>
+          <p:cNvPr id="5" name="Таблица 4">
+            <a:extLst>
+              <a:ext uri="{FF2B5EF4-FFF2-40B4-BE49-F238E27FC236}">
+                <a16:creationId xmlns:a16="http://schemas.microsoft.com/office/drawing/2014/main" id="{B5B46484-2275-2721-A7E6-BE93D7ED726A}"/>
+              </a:ext>
+            </a:extLst>
+          </p:cNvPr>
+          <p:cNvGraphicFramePr>
+            <a:graphicFrameLocks noGrp="1"/>
+          </p:cNvGraphicFramePr>
+          <p:nvPr>
+            <p:extLst>
+              <p:ext uri="{D42A27DB-BD31-4B8C-83A1-F6EECF244321}">
+                <p14:modId xmlns:p14="http://schemas.microsoft.com/office/powerpoint/2010/main" val="1158482520"/>
+              </p:ext>
+            </p:extLst>
+          </p:nvPr>
+        </p:nvGraphicFramePr>
+        <p:xfrm>
+          <a:off x="1600200" y="1468966"/>
+          <a:ext cx="8991600" cy="3383280"/>
+        </p:xfrm>
+        <a:graphic>
+          <a:graphicData uri="http://schemas.openxmlformats.org/drawingml/2006/table">
+            <a:tbl>
+              <a:tblPr firstRow="1" bandRow="1">
+                <a:tableStyleId>{5C22544A-7EE6-4342-B048-85BDC9FD1C3A}</a:tableStyleId>
+              </a:tblPr>
+              <a:tblGrid>
+                <a:gridCol w="4495800">
+                  <a:extLst>
+                    <a:ext uri="{9D8B030D-6E8A-4147-A177-3AD203B41FA5}">
+                      <a16:colId xmlns:a16="http://schemas.microsoft.com/office/drawing/2014/main" val="1837420345"/>
+                    </a:ext>
+                  </a:extLst>
+                </a:gridCol>
+                <a:gridCol w="4495800">
+                  <a:extLst>
+                    <a:ext uri="{9D8B030D-6E8A-4147-A177-3AD203B41FA5}">
+                      <a16:colId xmlns:a16="http://schemas.microsoft.com/office/drawing/2014/main" val="424407152"/>
+                    </a:ext>
+                  </a:extLst>
+                </a:gridCol>
+              </a:tblGrid>
+              <a:tr h="370840">
+                <a:tc>
+                  <a:txBody>
+                    <a:bodyPr/>
+                    <a:lstStyle/>
+                    <a:p>
+                      <a:r>
+                        <a:rPr lang="ru-RU" sz="2000" dirty="0"/>
+                        <a:t>Комплектующие</a:t>
+                      </a:r>
+                    </a:p>
+                  </a:txBody>
+                  <a:tcPr/>
+                </a:tc>
+                <a:tc>
+                  <a:txBody>
+                    <a:bodyPr/>
+                    <a:lstStyle/>
+                    <a:p>
+                      <a:r>
+                        <a:rPr lang="ru-RU" sz="2000" dirty="0"/>
+                        <a:t>Характеристики</a:t>
+                      </a:r>
+                    </a:p>
+                  </a:txBody>
+                  <a:tcPr/>
+                </a:tc>
+                <a:extLst>
+                  <a:ext uri="{0D108BD9-81ED-4DB2-BD59-A6C34878D82A}">
+                    <a16:rowId xmlns:a16="http://schemas.microsoft.com/office/drawing/2014/main" val="3373674734"/>
+                  </a:ext>
+                </a:extLst>
+              </a:tr>
+              <a:tr h="370840">
+                <a:tc>
+                  <a:txBody>
+                    <a:bodyPr/>
+                    <a:lstStyle/>
+                    <a:p>
+                      <a:r>
+                        <a:rPr lang="ru-RU" sz="2000" kern="1200" dirty="0">
+                          <a:solidFill>
+                            <a:schemeClr val="dk1"/>
+                          </a:solidFill>
+                          <a:effectLst/>
+                          <a:latin typeface="+mn-lt"/>
+                          <a:ea typeface="+mn-ea"/>
+                          <a:cs typeface="+mn-cs"/>
+                        </a:rPr>
+                        <a:t>Процессор</a:t>
+                      </a:r>
+                      <a:endParaRPr lang="ru-RU" sz="2000" dirty="0"/>
+                    </a:p>
+                  </a:txBody>
+                  <a:tcPr/>
+                </a:tc>
+                <a:tc>
+                  <a:txBody>
+                    <a:bodyPr/>
+                    <a:lstStyle/>
+                    <a:p>
+                      <a:r>
+                        <a:rPr lang="en-US" sz="2000" kern="1200" dirty="0">
+                          <a:solidFill>
+                            <a:schemeClr val="dk1"/>
+                          </a:solidFill>
+                          <a:effectLst/>
+                          <a:latin typeface="+mn-lt"/>
+                          <a:ea typeface="+mn-ea"/>
+                          <a:cs typeface="+mn-cs"/>
+                        </a:rPr>
+                        <a:t>Intel(R) Core (TM) i7-6700 CPU @ 3.40GHz</a:t>
+                      </a:r>
+                      <a:endParaRPr lang="ru-RU" sz="2000" dirty="0"/>
+                    </a:p>
+                  </a:txBody>
+                  <a:tcPr/>
+                </a:tc>
+                <a:extLst>
+                  <a:ext uri="{0D108BD9-81ED-4DB2-BD59-A6C34878D82A}">
+                    <a16:rowId xmlns:a16="http://schemas.microsoft.com/office/drawing/2014/main" val="2254780186"/>
+                  </a:ext>
+                </a:extLst>
+              </a:tr>
+              <a:tr h="370840">
+                <a:tc>
+                  <a:txBody>
+                    <a:bodyPr/>
+                    <a:lstStyle/>
+                    <a:p>
+                      <a:r>
+                        <a:rPr lang="ru-RU" sz="2000" kern="1200" dirty="0">
+                          <a:solidFill>
+                            <a:schemeClr val="dk1"/>
+                          </a:solidFill>
+                          <a:effectLst/>
+                          <a:latin typeface="+mn-lt"/>
+                          <a:ea typeface="+mn-ea"/>
+                          <a:cs typeface="+mn-cs"/>
+                        </a:rPr>
+                        <a:t>Оперативная память</a:t>
+                      </a:r>
+                      <a:endParaRPr lang="ru-RU" sz="2000" dirty="0"/>
+                    </a:p>
+                  </a:txBody>
+                  <a:tcPr/>
+                </a:tc>
+                <a:tc>
+                  <a:txBody>
+                    <a:bodyPr/>
+                    <a:lstStyle/>
+                    <a:p>
+                      <a:r>
+                        <a:rPr lang="ru-RU" sz="2000" kern="1200" dirty="0">
+                          <a:solidFill>
+                            <a:schemeClr val="dk1"/>
+                          </a:solidFill>
+                          <a:effectLst/>
+                          <a:latin typeface="+mn-lt"/>
+                          <a:ea typeface="+mn-ea"/>
+                          <a:cs typeface="+mn-cs"/>
+                        </a:rPr>
+                        <a:t>32.0 Гб, 2133 </a:t>
+                      </a:r>
+                      <a:r>
+                        <a:rPr lang="ru-RU" sz="2000" kern="1200" dirty="0" err="1">
+                          <a:solidFill>
+                            <a:schemeClr val="dk1"/>
+                          </a:solidFill>
+                          <a:effectLst/>
+                          <a:latin typeface="+mn-lt"/>
+                          <a:ea typeface="+mn-ea"/>
+                          <a:cs typeface="+mn-cs"/>
+                        </a:rPr>
+                        <a:t>MHz</a:t>
+                      </a:r>
+                      <a:endParaRPr lang="ru-RU" sz="2000" dirty="0"/>
+                    </a:p>
+                  </a:txBody>
+                  <a:tcPr/>
+                </a:tc>
+                <a:extLst>
+                  <a:ext uri="{0D108BD9-81ED-4DB2-BD59-A6C34878D82A}">
+                    <a16:rowId xmlns:a16="http://schemas.microsoft.com/office/drawing/2014/main" val="1833129186"/>
+                  </a:ext>
+                </a:extLst>
+              </a:tr>
+              <a:tr h="370840">
+                <a:tc>
+                  <a:txBody>
+                    <a:bodyPr/>
+                    <a:lstStyle/>
+                    <a:p>
+                      <a:r>
+                        <a:rPr lang="ru-RU" sz="2000" kern="1200" dirty="0">
+                          <a:solidFill>
+                            <a:schemeClr val="dk1"/>
+                          </a:solidFill>
+                          <a:effectLst/>
+                          <a:latin typeface="+mn-lt"/>
+                          <a:ea typeface="+mn-ea"/>
+                          <a:cs typeface="+mn-cs"/>
+                        </a:rPr>
+                        <a:t>Твердотельный накопитель</a:t>
+                      </a:r>
+                      <a:endParaRPr lang="ru-RU" sz="2000" dirty="0"/>
+                    </a:p>
+                  </a:txBody>
+                  <a:tcPr/>
+                </a:tc>
+                <a:tc>
+                  <a:txBody>
+                    <a:bodyPr/>
+                    <a:lstStyle/>
+                    <a:p>
+                      <a:r>
+                        <a:rPr lang="ru-RU" sz="2000" kern="1200" dirty="0">
+                          <a:solidFill>
+                            <a:schemeClr val="dk1"/>
+                          </a:solidFill>
+                          <a:effectLst/>
+                          <a:latin typeface="+mn-lt"/>
+                          <a:ea typeface="+mn-ea"/>
+                          <a:cs typeface="+mn-cs"/>
+                        </a:rPr>
+                        <a:t>SSD SPCC M.2 </a:t>
+                      </a:r>
+                      <a:r>
+                        <a:rPr lang="ru-RU" sz="2000" kern="1200" dirty="0" err="1">
+                          <a:solidFill>
+                            <a:schemeClr val="dk1"/>
+                          </a:solidFill>
+                          <a:effectLst/>
+                          <a:latin typeface="+mn-lt"/>
+                          <a:ea typeface="+mn-ea"/>
+                          <a:cs typeface="+mn-cs"/>
+                        </a:rPr>
+                        <a:t>PCIe</a:t>
+                      </a:r>
+                      <a:r>
+                        <a:rPr lang="ru-RU" sz="2000" kern="1200" dirty="0">
+                          <a:solidFill>
+                            <a:schemeClr val="dk1"/>
+                          </a:solidFill>
+                          <a:effectLst/>
+                          <a:latin typeface="+mn-lt"/>
+                          <a:ea typeface="+mn-ea"/>
+                          <a:cs typeface="+mn-cs"/>
+                        </a:rPr>
+                        <a:t> 477 Гб</a:t>
+                      </a:r>
+                      <a:endParaRPr lang="ru-RU" sz="2000" dirty="0"/>
+                    </a:p>
+                  </a:txBody>
+                  <a:tcPr/>
+                </a:tc>
+                <a:extLst>
+                  <a:ext uri="{0D108BD9-81ED-4DB2-BD59-A6C34878D82A}">
+                    <a16:rowId xmlns:a16="http://schemas.microsoft.com/office/drawing/2014/main" val="1595558770"/>
+                  </a:ext>
+                </a:extLst>
+              </a:tr>
+              <a:tr h="370840">
+                <a:tc>
+                  <a:txBody>
+                    <a:bodyPr/>
+                    <a:lstStyle/>
+                    <a:p>
+                      <a:r>
+                        <a:rPr lang="ru-RU" sz="2000" kern="1200" dirty="0">
+                          <a:solidFill>
+                            <a:schemeClr val="dk1"/>
+                          </a:solidFill>
+                          <a:effectLst/>
+                          <a:latin typeface="+mn-lt"/>
+                          <a:ea typeface="+mn-ea"/>
+                          <a:cs typeface="+mn-cs"/>
+                        </a:rPr>
+                        <a:t>Видеокарта</a:t>
+                      </a:r>
+                      <a:endParaRPr lang="ru-RU" sz="2000" dirty="0"/>
+                    </a:p>
+                  </a:txBody>
+                  <a:tcPr/>
+                </a:tc>
+                <a:tc>
+                  <a:txBody>
+                    <a:bodyPr/>
+                    <a:lstStyle/>
+                    <a:p>
+                      <a:r>
+                        <a:rPr lang="ru-RU" sz="2000" kern="1200" dirty="0">
+                          <a:solidFill>
+                            <a:schemeClr val="dk1"/>
+                          </a:solidFill>
+                          <a:effectLst/>
+                          <a:latin typeface="+mn-lt"/>
+                          <a:ea typeface="+mn-ea"/>
+                          <a:cs typeface="+mn-cs"/>
+                        </a:rPr>
+                        <a:t>NVIDIA </a:t>
+                      </a:r>
+                      <a:r>
+                        <a:rPr lang="ru-RU" sz="2000" kern="1200" dirty="0" err="1">
+                          <a:solidFill>
+                            <a:schemeClr val="dk1"/>
+                          </a:solidFill>
+                          <a:effectLst/>
+                          <a:latin typeface="+mn-lt"/>
+                          <a:ea typeface="+mn-ea"/>
+                          <a:cs typeface="+mn-cs"/>
+                        </a:rPr>
+                        <a:t>Quadro</a:t>
+                      </a:r>
+                      <a:r>
+                        <a:rPr lang="ru-RU" sz="2000" kern="1200" dirty="0">
+                          <a:solidFill>
+                            <a:schemeClr val="dk1"/>
+                          </a:solidFill>
+                          <a:effectLst/>
+                          <a:latin typeface="+mn-lt"/>
+                          <a:ea typeface="+mn-ea"/>
+                          <a:cs typeface="+mn-cs"/>
+                        </a:rPr>
+                        <a:t> M400 8 Гб</a:t>
+                      </a:r>
+                      <a:endParaRPr lang="ru-RU" sz="2000" dirty="0"/>
+                    </a:p>
+                  </a:txBody>
+                  <a:tcPr/>
+                </a:tc>
+                <a:extLst>
+                  <a:ext uri="{0D108BD9-81ED-4DB2-BD59-A6C34878D82A}">
+                    <a16:rowId xmlns:a16="http://schemas.microsoft.com/office/drawing/2014/main" val="4249102428"/>
+                  </a:ext>
+                </a:extLst>
+              </a:tr>
+              <a:tr h="370840">
+                <a:tc>
+                  <a:txBody>
+                    <a:bodyPr/>
+                    <a:lstStyle/>
+                    <a:p>
+                      <a:r>
+                        <a:rPr lang="ru-RU" sz="2000" kern="1200" dirty="0">
+                          <a:solidFill>
+                            <a:schemeClr val="dk1"/>
+                          </a:solidFill>
+                          <a:effectLst/>
+                          <a:latin typeface="+mn-lt"/>
+                          <a:ea typeface="+mn-ea"/>
+                          <a:cs typeface="+mn-cs"/>
+                        </a:rPr>
+                        <a:t>Сетевая карта</a:t>
+                      </a:r>
+                      <a:endParaRPr lang="ru-RU" sz="2000" dirty="0"/>
+                    </a:p>
+                  </a:txBody>
+                  <a:tcPr/>
+                </a:tc>
+                <a:tc>
+                  <a:txBody>
+                    <a:bodyPr/>
+                    <a:lstStyle/>
+                    <a:p>
+                      <a:r>
+                        <a:rPr lang="en-US" sz="2000" kern="1200" dirty="0">
+                          <a:solidFill>
+                            <a:schemeClr val="dk1"/>
+                          </a:solidFill>
+                          <a:effectLst/>
+                          <a:latin typeface="+mn-lt"/>
+                          <a:ea typeface="+mn-ea"/>
+                          <a:cs typeface="+mn-cs"/>
+                        </a:rPr>
+                        <a:t>Intel(R) Ethernet Connection (2) I219-V</a:t>
+                      </a:r>
+                      <a:endParaRPr lang="ru-RU" sz="2000" dirty="0"/>
+                    </a:p>
+                  </a:txBody>
+                  <a:tcPr/>
+                </a:tc>
+                <a:extLst>
+                  <a:ext uri="{0D108BD9-81ED-4DB2-BD59-A6C34878D82A}">
+                    <a16:rowId xmlns:a16="http://schemas.microsoft.com/office/drawing/2014/main" val="1138113932"/>
+                  </a:ext>
+                </a:extLst>
+              </a:tr>
+              <a:tr h="370840">
+                <a:tc>
+                  <a:txBody>
+                    <a:bodyPr/>
+                    <a:lstStyle/>
+                    <a:p>
+                      <a:r>
+                        <a:rPr lang="ru-RU" sz="2000" kern="1200" dirty="0">
+                          <a:solidFill>
+                            <a:schemeClr val="dk1"/>
+                          </a:solidFill>
+                          <a:effectLst/>
+                          <a:latin typeface="+mn-lt"/>
+                          <a:ea typeface="+mn-ea"/>
+                          <a:cs typeface="+mn-cs"/>
+                        </a:rPr>
+                        <a:t>Мониторы</a:t>
+                      </a:r>
+                      <a:endParaRPr lang="ru-RU" sz="2000" dirty="0"/>
+                    </a:p>
+                  </a:txBody>
+                  <a:tcPr/>
+                </a:tc>
+                <a:tc>
+                  <a:txBody>
+                    <a:bodyPr/>
+                    <a:lstStyle/>
+                    <a:p>
+                      <a:r>
+                        <a:rPr lang="ru-RU" sz="2000" kern="1200" dirty="0">
+                          <a:solidFill>
+                            <a:schemeClr val="dk1"/>
+                          </a:solidFill>
+                          <a:effectLst/>
+                          <a:latin typeface="+mn-lt"/>
+                          <a:ea typeface="+mn-ea"/>
+                          <a:cs typeface="+mn-cs"/>
+                        </a:rPr>
+                        <a:t>24-27” 1980*1080p 1-3 </a:t>
+                      </a:r>
+                      <a:r>
+                        <a:rPr lang="ru-RU" sz="2000" kern="1200" dirty="0" err="1">
+                          <a:solidFill>
+                            <a:schemeClr val="dk1"/>
+                          </a:solidFill>
+                          <a:effectLst/>
+                          <a:latin typeface="+mn-lt"/>
+                          <a:ea typeface="+mn-ea"/>
+                          <a:cs typeface="+mn-cs"/>
+                        </a:rPr>
+                        <a:t>шт</a:t>
+                      </a:r>
+                      <a:r>
+                        <a:rPr lang="ru-RU" sz="2000" kern="1200" dirty="0">
+                          <a:solidFill>
+                            <a:schemeClr val="dk1"/>
+                          </a:solidFill>
+                          <a:effectLst/>
+                          <a:latin typeface="+mn-lt"/>
+                          <a:ea typeface="+mn-ea"/>
+                          <a:cs typeface="+mn-cs"/>
+                        </a:rPr>
+                        <a:t> на рабочее место</a:t>
+                      </a:r>
+                      <a:endParaRPr lang="ru-RU" sz="2000" dirty="0"/>
+                    </a:p>
+                  </a:txBody>
+                  <a:tcPr/>
+                </a:tc>
+                <a:extLst>
+                  <a:ext uri="{0D108BD9-81ED-4DB2-BD59-A6C34878D82A}">
+                    <a16:rowId xmlns:a16="http://schemas.microsoft.com/office/drawing/2014/main" val="1117515204"/>
+                  </a:ext>
+                </a:extLst>
+              </a:tr>
+            </a:tbl>
+          </a:graphicData>
+        </a:graphic>
+      </p:graphicFrame>
       <p:sp>
         <p:nvSpPr>
-          <p:cNvPr id="5" name="Прямоугольник: скругленные углы 4">
-            <a:extLst>
-              <a:ext uri="{FF2B5EF4-FFF2-40B4-BE49-F238E27FC236}">
-                <a16:creationId xmlns:a16="http://schemas.microsoft.com/office/drawing/2014/main" id="{D2762134-8ACC-04F7-63E1-DD3A393EAAE1}"/>
-              </a:ext>
-            </a:extLst>
-          </p:cNvPr>
-          <p:cNvSpPr/>
+          <p:cNvPr id="2" name="Заголовок 6">
+            <a:extLst>
+              <a:ext uri="{FF2B5EF4-FFF2-40B4-BE49-F238E27FC236}">
+                <a16:creationId xmlns:a16="http://schemas.microsoft.com/office/drawing/2014/main" id="{FB2F76DB-4728-3DE9-9553-E85E5AAC0C9E}"/>
+              </a:ext>
+            </a:extLst>
+          </p:cNvPr>
+          <p:cNvSpPr txBox="1">
+            <a:spLocks/>
+          </p:cNvSpPr>
           <p:nvPr/>
         </p:nvSpPr>
         <p:spPr>
           <a:xfrm>
-            <a:off x="1799253" y="1054359"/>
-            <a:ext cx="8593494" cy="5393094"/>
-          </a:xfrm>
-          <a:prstGeom prst="roundRect">
-            <a:avLst>
-              <a:gd name="adj" fmla="val 9280"/>
-            </a:avLst>
-          </a:prstGeom>
-        </p:spPr>
-        <p:style>
-          <a:lnRef idx="2">
-            <a:schemeClr val="accent1">
-              <a:shade val="15000"/>
-            </a:schemeClr>
-          </a:lnRef>
-          <a:fillRef idx="1">
-            <a:schemeClr val="accent1"/>
-          </a:fillRef>
-          <a:effectRef idx="0">
-            <a:schemeClr val="accent1"/>
-          </a:effectRef>
-          <a:fontRef idx="minor">
-            <a:schemeClr val="lt1"/>
-          </a:fontRef>
-        </p:style>
-        <p:txBody>
-          <a:bodyPr rtlCol="0" anchor="ctr"/>
-          <a:lstStyle/>
-          <a:p>
-            <a:pPr algn="ctr"/>
-            <a:endParaRPr lang="ru-RU"/>
-          </a:p>
-        </p:txBody>
-      </p:sp>
-      <p:sp>
-        <p:nvSpPr>
-          <p:cNvPr id="2" name="TextBox 1">
-            <a:extLst>
-              <a:ext uri="{FF2B5EF4-FFF2-40B4-BE49-F238E27FC236}">
-                <a16:creationId xmlns:a16="http://schemas.microsoft.com/office/drawing/2014/main" id="{FAF46935-10E4-88A9-89F5-B4470E2D9BE9}"/>
-              </a:ext>
-            </a:extLst>
-          </p:cNvPr>
-          <p:cNvSpPr txBox="1"/>
-          <p:nvPr/>
-        </p:nvSpPr>
-        <p:spPr>
-          <a:xfrm>
-            <a:off x="803502" y="303438"/>
-            <a:ext cx="10584997" cy="972574"/>
+            <a:off x="2598440" y="187553"/>
+            <a:ext cx="6995120" cy="634082"/>
           </a:xfrm>
           <a:prstGeom prst="rect">
             <a:avLst/>
           </a:prstGeom>
-          <a:noFill/>
         </p:spPr>
         <p:txBody>
-          <a:bodyPr wrap="square" rtlCol="0">
-            <a:spAutoFit/>
+          <a:bodyPr vert="horz" lIns="91440" tIns="45720" rIns="91440" bIns="45720" rtlCol="0" anchor="ctr">
+            <a:normAutofit/>
           </a:bodyPr>
-          <a:lstStyle/>
-          <a:p>
-            <a:pPr algn="ctr">
+          <a:lstStyle>
+            <a:lvl1pPr algn="l" defTabSz="914400" rtl="0" eaLnBrk="1" latinLnBrk="0" hangingPunct="1">
               <a:lnSpc>
                 <a:spcPct val="90000"/>
               </a:lnSpc>
               <a:spcBef>
                 <a:spcPct val="0"/>
               </a:spcBef>
-            </a:pPr>
+              <a:buNone/>
+              <a:defRPr sz="4400" kern="1200">
+                <a:solidFill>
+                  <a:schemeClr val="tx1"/>
+                </a:solidFill>
+                <a:latin typeface="+mj-lt"/>
+                <a:ea typeface="+mj-ea"/>
+                <a:cs typeface="+mj-cs"/>
+              </a:defRPr>
+            </a:lvl1pPr>
+          </a:lstStyle>
+          <a:p>
+            <a:pPr algn="ctr"/>
             <a:r>
               <a:rPr lang="ru-RU" sz="2800" b="1" dirty="0">
                 <a:solidFill>
                   <a:srgbClr val="0070C0"/>
                 </a:solidFill>
                 <a:latin typeface="Arial" panose="020B0604020202020204" pitchFamily="34" charset="0"/>
-                <a:ea typeface="+mj-ea"/>
                 <a:cs typeface="Arial" panose="020B0604020202020204" pitchFamily="34" charset="0"/>
               </a:rPr>
-              <a:t>Табличный редактор. Создание таблицы и диаграммы</a:t>
-            </a:r>
-          </a:p>
-          <a:p>
-            <a:endParaRPr lang="ru-RU" sz="3200" b="1" dirty="0">
-              <a:effectLst/>
-              <a:ea typeface="Calibri" panose="020F0502020204030204" pitchFamily="34" charset="0"/>
-              <a:cs typeface="Times New Roman" panose="02020603050405020304" pitchFamily="18" charset="0"/>
-            </a:endParaRPr>
-          </a:p>
-        </p:txBody>
-      </p:sp>
-      <p:pic>
-        <p:nvPicPr>
-          <p:cNvPr id="3" name="Рисунок 2">
-            <a:extLst>
-              <a:ext uri="{FF2B5EF4-FFF2-40B4-BE49-F238E27FC236}">
-                <a16:creationId xmlns:a16="http://schemas.microsoft.com/office/drawing/2014/main" id="{107EC2E4-C3B9-0B31-498B-F68CA2B9BA32}"/>
-              </a:ext>
-            </a:extLst>
-          </p:cNvPr>
-          <p:cNvPicPr>
-            <a:picLocks noChangeAspect="1"/>
-          </p:cNvPicPr>
-          <p:nvPr/>
-        </p:nvPicPr>
-        <p:blipFill>
-          <a:blip r:embed="rId2"/>
-          <a:stretch>
-            <a:fillRect/>
-          </a:stretch>
-        </p:blipFill>
-        <p:spPr>
-          <a:xfrm>
-            <a:off x="3076028" y="1414073"/>
-            <a:ext cx="6039944" cy="4029854"/>
-          </a:xfrm>
-          <a:prstGeom prst="rect">
-            <a:avLst/>
-          </a:prstGeom>
-        </p:spPr>
-      </p:pic>
-      <p:sp>
-        <p:nvSpPr>
-          <p:cNvPr id="4" name="TextBox 3">
-            <a:extLst>
-              <a:ext uri="{FF2B5EF4-FFF2-40B4-BE49-F238E27FC236}">
-                <a16:creationId xmlns:a16="http://schemas.microsoft.com/office/drawing/2014/main" id="{A6F2DD94-00D6-F1F8-8F17-65211362E3C6}"/>
-              </a:ext>
-            </a:extLst>
-          </p:cNvPr>
-          <p:cNvSpPr txBox="1"/>
-          <p:nvPr/>
-        </p:nvSpPr>
-        <p:spPr>
-          <a:xfrm>
-            <a:off x="2940755" y="5712178"/>
-            <a:ext cx="6310490" cy="369332"/>
-          </a:xfrm>
-          <a:prstGeom prst="rect">
-            <a:avLst/>
-          </a:prstGeom>
-          <a:noFill/>
-        </p:spPr>
-        <p:txBody>
-          <a:bodyPr wrap="square" rtlCol="0">
-            <a:spAutoFit/>
-          </a:bodyPr>
-          <a:lstStyle/>
-          <a:p>
-            <a:pPr algn="ctr"/>
-            <a:r>
-              <a:rPr lang="ru-RU" b="1" dirty="0">
-                <a:solidFill>
-                  <a:schemeClr val="bg1"/>
-                </a:solidFill>
-              </a:rPr>
-              <a:t>Результат создания таблицы и диаграммы Озёра России</a:t>
+              <a:t>Системно обеспечение</a:t>
             </a:r>
           </a:p>
         </p:txBody>
@@ -10680,7 +10974,7 @@
     </p:spTree>
     <p:extLst>
       <p:ext uri="{BB962C8B-B14F-4D97-AF65-F5344CB8AC3E}">
-        <p14:creationId xmlns:p14="http://schemas.microsoft.com/office/powerpoint/2010/main" val="3596168341"/>
+        <p14:creationId xmlns:p14="http://schemas.microsoft.com/office/powerpoint/2010/main" val="1702853233"/>
       </p:ext>
     </p:extLst>
   </p:cSld>
@@ -10709,10 +11003,10 @@
       </p:grpSpPr>
       <p:sp>
         <p:nvSpPr>
-          <p:cNvPr id="5" name="Прямоугольник: скругленные углы 4">
-            <a:extLst>
-              <a:ext uri="{FF2B5EF4-FFF2-40B4-BE49-F238E27FC236}">
-                <a16:creationId xmlns:a16="http://schemas.microsoft.com/office/drawing/2014/main" id="{4CE64CB3-10A6-5ECB-8157-98DED26EA49E}"/>
+          <p:cNvPr id="16" name="Прямоугольник: скругленные углы 15">
+            <a:extLst>
+              <a:ext uri="{FF2B5EF4-FFF2-40B4-BE49-F238E27FC236}">
+                <a16:creationId xmlns:a16="http://schemas.microsoft.com/office/drawing/2014/main" id="{6C13A9DE-AB00-3536-B847-AB8AC4A6824D}"/>
               </a:ext>
             </a:extLst>
           </p:cNvPr>
@@ -10721,14 +11015,15 @@
         </p:nvSpPr>
         <p:spPr>
           <a:xfrm>
-            <a:off x="2692688" y="1495777"/>
-            <a:ext cx="6806625" cy="4737071"/>
+            <a:off x="6096000" y="1161588"/>
+            <a:ext cx="5851377" cy="2689549"/>
           </a:xfrm>
           <a:prstGeom prst="roundRect">
-            <a:avLst>
-              <a:gd name="adj" fmla="val 9280"/>
-            </a:avLst>
+            <a:avLst/>
           </a:prstGeom>
+          <a:ln>
+            <a:noFill/>
+          </a:ln>
         </p:spPr>
         <p:style>
           <a:lnRef idx="2">
@@ -10757,80 +11052,71 @@
       </p:sp>
       <p:sp>
         <p:nvSpPr>
-          <p:cNvPr id="2" name="TextBox 1">
-            <a:extLst>
-              <a:ext uri="{FF2B5EF4-FFF2-40B4-BE49-F238E27FC236}">
-                <a16:creationId xmlns:a16="http://schemas.microsoft.com/office/drawing/2014/main" id="{55F31FE7-B7C5-D1DD-4E0C-BCEFA9C1D89B}"/>
-              </a:ext>
-            </a:extLst>
-          </p:cNvPr>
-          <p:cNvSpPr txBox="1"/>
+          <p:cNvPr id="2" name="Заголовок 6">
+            <a:extLst>
+              <a:ext uri="{FF2B5EF4-FFF2-40B4-BE49-F238E27FC236}">
+                <a16:creationId xmlns:a16="http://schemas.microsoft.com/office/drawing/2014/main" id="{FB2F76DB-4728-3DE9-9553-E85E5AAC0C9E}"/>
+              </a:ext>
+            </a:extLst>
+          </p:cNvPr>
+          <p:cNvSpPr txBox="1">
+            <a:spLocks/>
+          </p:cNvSpPr>
           <p:nvPr/>
         </p:nvSpPr>
         <p:spPr>
           <a:xfrm>
-            <a:off x="803502" y="303438"/>
-            <a:ext cx="10584997" cy="867930"/>
+            <a:off x="2598440" y="187553"/>
+            <a:ext cx="6995120" cy="634082"/>
           </a:xfrm>
           <a:prstGeom prst="rect">
             <a:avLst/>
           </a:prstGeom>
         </p:spPr>
         <p:txBody>
-          <a:bodyPr wrap="square" rtlCol="0">
-            <a:spAutoFit/>
+          <a:bodyPr vert="horz" lIns="91440" tIns="45720" rIns="91440" bIns="45720" rtlCol="0" anchor="ctr">
+            <a:normAutofit/>
           </a:bodyPr>
-          <a:lstStyle/>
-          <a:p>
-            <a:pPr algn="ctr">
+          <a:lstStyle>
+            <a:lvl1pPr algn="l" defTabSz="914400" rtl="0" eaLnBrk="1" latinLnBrk="0" hangingPunct="1">
               <a:lnSpc>
                 <a:spcPct val="90000"/>
               </a:lnSpc>
               <a:spcBef>
                 <a:spcPct val="0"/>
               </a:spcBef>
-            </a:pPr>
+              <a:buNone/>
+              <a:defRPr sz="4400" kern="1200">
+                <a:solidFill>
+                  <a:schemeClr val="tx1"/>
+                </a:solidFill>
+                <a:latin typeface="+mj-lt"/>
+                <a:ea typeface="+mj-ea"/>
+                <a:cs typeface="+mj-cs"/>
+              </a:defRPr>
+            </a:lvl1pPr>
+          </a:lstStyle>
+          <a:p>
+            <a:pPr algn="ctr"/>
             <a:r>
               <a:rPr lang="ru-RU" sz="2800" b="1" dirty="0">
                 <a:solidFill>
                   <a:srgbClr val="0070C0"/>
                 </a:solidFill>
                 <a:latin typeface="Arial" panose="020B0604020202020204" pitchFamily="34" charset="0"/>
-                <a:ea typeface="+mj-ea"/>
                 <a:cs typeface="Arial" panose="020B0604020202020204" pitchFamily="34" charset="0"/>
               </a:rPr>
-              <a:t>Табличный редактор. Создание диаграммы </a:t>
-            </a:r>
-          </a:p>
-          <a:p>
-            <a:pPr algn="ctr">
-              <a:lnSpc>
-                <a:spcPct val="90000"/>
-              </a:lnSpc>
-              <a:spcBef>
-                <a:spcPct val="0"/>
-              </a:spcBef>
-            </a:pPr>
-            <a:r>
-              <a:rPr lang="ru-RU" sz="2800" b="1" dirty="0">
-                <a:solidFill>
-                  <a:srgbClr val="0070C0"/>
-                </a:solidFill>
-                <a:latin typeface="Arial" panose="020B0604020202020204" pitchFamily="34" charset="0"/>
-                <a:ea typeface="+mj-ea"/>
-                <a:cs typeface="Arial" panose="020B0604020202020204" pitchFamily="34" charset="0"/>
-              </a:rPr>
-              <a:t>в табличном редакторе</a:t>
+              <a:t>АНАЛИЗ СРЕДСТВ РАЗРАБОТКИ </a:t>
             </a:r>
           </a:p>
         </p:txBody>
       </p:sp>
       <p:pic>
         <p:nvPicPr>
-          <p:cNvPr id="3" name="Рисунок 2">
-            <a:extLst>
-              <a:ext uri="{FF2B5EF4-FFF2-40B4-BE49-F238E27FC236}">
-                <a16:creationId xmlns:a16="http://schemas.microsoft.com/office/drawing/2014/main" id="{E27405A8-2D0E-F4CB-1518-5D7AC228E56F}"/>
+          <p:cNvPr id="6" name="Рисунок 5">
+            <a:extLst>
+              <a:ext uri="{FF2B5EF4-FFF2-40B4-BE49-F238E27FC236}">
+                <a16:creationId xmlns:a16="http://schemas.microsoft.com/office/drawing/2014/main" id="{D1B29024-70C5-D1D3-4781-E9ABB2B15B45}"/>
               </a:ext>
             </a:extLst>
           </p:cNvPr>
@@ -10840,15 +11126,93 @@
           <p:nvPr/>
         </p:nvPicPr>
         <p:blipFill>
-          <a:blip r:embed="rId2"/>
+          <a:blip r:embed="rId2">
+            <a:extLst>
+              <a:ext uri="{28A0092B-C50C-407E-A947-70E740481C1C}">
+                <a14:useLocalDpi xmlns:a14="http://schemas.microsoft.com/office/drawing/2010/main" val="0"/>
+              </a:ext>
+            </a:extLst>
+          </a:blip>
           <a:stretch>
             <a:fillRect/>
           </a:stretch>
         </p:blipFill>
         <p:spPr>
           <a:xfrm>
-            <a:off x="4478620" y="1713229"/>
-            <a:ext cx="3234761" cy="3648993"/>
+            <a:off x="2290930" y="1366565"/>
+            <a:ext cx="3124157" cy="1952598"/>
+          </a:xfrm>
+          <a:prstGeom prst="rect">
+            <a:avLst/>
+          </a:prstGeom>
+        </p:spPr>
+      </p:pic>
+      <p:pic>
+        <p:nvPicPr>
+          <p:cNvPr id="8" name="Рисунок 7">
+            <a:extLst>
+              <a:ext uri="{FF2B5EF4-FFF2-40B4-BE49-F238E27FC236}">
+                <a16:creationId xmlns:a16="http://schemas.microsoft.com/office/drawing/2014/main" id="{52655D8D-D4A4-5966-BDCB-075F553BB6B9}"/>
+              </a:ext>
+            </a:extLst>
+          </p:cNvPr>
+          <p:cNvPicPr>
+            <a:picLocks noChangeAspect="1"/>
+          </p:cNvPicPr>
+          <p:nvPr/>
+        </p:nvPicPr>
+        <p:blipFill>
+          <a:blip r:embed="rId3">
+            <a:extLst>
+              <a:ext uri="{28A0092B-C50C-407E-A947-70E740481C1C}">
+                <a14:useLocalDpi xmlns:a14="http://schemas.microsoft.com/office/drawing/2010/main" val="0"/>
+              </a:ext>
+            </a:extLst>
+          </a:blip>
+          <a:stretch>
+            <a:fillRect/>
+          </a:stretch>
+        </p:blipFill>
+        <p:spPr>
+          <a:xfrm>
+            <a:off x="8055191" y="3916713"/>
+            <a:ext cx="2293774" cy="2293774"/>
+          </a:xfrm>
+          <a:prstGeom prst="rect">
+            <a:avLst/>
+          </a:prstGeom>
+        </p:spPr>
+      </p:pic>
+      <p:pic>
+        <p:nvPicPr>
+          <p:cNvPr id="10" name="Рисунок 9">
+            <a:extLst>
+              <a:ext uri="{FF2B5EF4-FFF2-40B4-BE49-F238E27FC236}">
+                <a16:creationId xmlns:a16="http://schemas.microsoft.com/office/drawing/2014/main" id="{C83F06FB-C15A-9CC5-8859-7C4457A9A64D}"/>
+              </a:ext>
+            </a:extLst>
+          </p:cNvPr>
+          <p:cNvPicPr>
+            <a:picLocks noChangeAspect="1"/>
+          </p:cNvPicPr>
+          <p:nvPr/>
+        </p:nvPicPr>
+        <p:blipFill>
+          <a:blip r:embed="rId4">
+            <a:extLst>
+              <a:ext uri="{28A0092B-C50C-407E-A947-70E740481C1C}">
+                <a14:useLocalDpi xmlns:a14="http://schemas.microsoft.com/office/drawing/2010/main" val="0"/>
+              </a:ext>
+            </a:extLst>
+          </a:blip>
+          <a:stretch>
+            <a:fillRect/>
+          </a:stretch>
+        </p:blipFill>
+        <p:spPr>
+          <a:xfrm>
+            <a:off x="6860461" y="821635"/>
+            <a:ext cx="3488504" cy="3488504"/>
           </a:xfrm>
           <a:prstGeom prst="rect">
             <a:avLst/>
@@ -10857,48 +11221,129 @@
       </p:pic>
       <p:sp>
         <p:nvSpPr>
-          <p:cNvPr id="4" name="TextBox 3">
-            <a:extLst>
-              <a:ext uri="{FF2B5EF4-FFF2-40B4-BE49-F238E27FC236}">
-                <a16:creationId xmlns:a16="http://schemas.microsoft.com/office/drawing/2014/main" id="{9C28D7F3-FAFB-8405-F704-D63E19068D4E}"/>
-              </a:ext>
-            </a:extLst>
-          </p:cNvPr>
-          <p:cNvSpPr txBox="1"/>
+          <p:cNvPr id="15" name="Прямоугольник: скругленные углы 14">
+            <a:extLst>
+              <a:ext uri="{FF2B5EF4-FFF2-40B4-BE49-F238E27FC236}">
+                <a16:creationId xmlns:a16="http://schemas.microsoft.com/office/drawing/2014/main" id="{BC1D6798-7CF4-8D2E-9603-359619E9DF79}"/>
+              </a:ext>
+            </a:extLst>
+          </p:cNvPr>
+          <p:cNvSpPr/>
           <p:nvPr/>
         </p:nvSpPr>
         <p:spPr>
           <a:xfrm>
-            <a:off x="2940755" y="5362222"/>
-            <a:ext cx="6310490" cy="646331"/>
+            <a:off x="759346" y="3454140"/>
+            <a:ext cx="5851377" cy="2821924"/>
+          </a:xfrm>
+          <a:prstGeom prst="roundRect">
+            <a:avLst/>
+          </a:prstGeom>
+          <a:ln>
+            <a:noFill/>
+          </a:ln>
+        </p:spPr>
+        <p:style>
+          <a:lnRef idx="2">
+            <a:schemeClr val="accent1">
+              <a:shade val="15000"/>
+            </a:schemeClr>
+          </a:lnRef>
+          <a:fillRef idx="1">
+            <a:schemeClr val="accent1"/>
+          </a:fillRef>
+          <a:effectRef idx="0">
+            <a:schemeClr val="accent1"/>
+          </a:effectRef>
+          <a:fontRef idx="minor">
+            <a:schemeClr val="lt1"/>
+          </a:fontRef>
+        </p:style>
+        <p:txBody>
+          <a:bodyPr rtlCol="0" anchor="ctr"/>
+          <a:lstStyle/>
+          <a:p>
+            <a:pPr algn="ctr"/>
+            <a:endParaRPr lang="ru-RU"/>
+          </a:p>
+        </p:txBody>
+      </p:sp>
+      <p:pic>
+        <p:nvPicPr>
+          <p:cNvPr id="12" name="Рисунок 11">
+            <a:extLst>
+              <a:ext uri="{FF2B5EF4-FFF2-40B4-BE49-F238E27FC236}">
+                <a16:creationId xmlns:a16="http://schemas.microsoft.com/office/drawing/2014/main" id="{678DBAAA-2473-B7F0-FF0D-5B08AF75E773}"/>
+              </a:ext>
+            </a:extLst>
+          </p:cNvPr>
+          <p:cNvPicPr>
+            <a:picLocks noChangeAspect="1"/>
+          </p:cNvPicPr>
+          <p:nvPr/>
+        </p:nvPicPr>
+        <p:blipFill>
+          <a:blip r:embed="rId5">
+            <a:extLst>
+              <a:ext uri="{28A0092B-C50C-407E-A947-70E740481C1C}">
+                <a14:useLocalDpi xmlns:a14="http://schemas.microsoft.com/office/drawing/2010/main" val="0"/>
+              </a:ext>
+            </a:extLst>
+          </a:blip>
+          <a:stretch>
+            <a:fillRect/>
+          </a:stretch>
+        </p:blipFill>
+        <p:spPr>
+          <a:xfrm>
+            <a:off x="1283081" y="4126607"/>
+            <a:ext cx="1595222" cy="1595222"/>
           </a:xfrm>
           <a:prstGeom prst="rect">
             <a:avLst/>
           </a:prstGeom>
-          <a:noFill/>
         </p:spPr>
-        <p:txBody>
-          <a:bodyPr wrap="square" rtlCol="0">
-            <a:spAutoFit/>
-          </a:bodyPr>
-          <a:lstStyle/>
-          <a:p>
-            <a:pPr algn="ctr"/>
-            <a:r>
-              <a:rPr lang="ru-RU" b="1" dirty="0">
-                <a:solidFill>
-                  <a:schemeClr val="bg1"/>
-                </a:solidFill>
-              </a:rPr>
-              <a:t>Результат создания диаграммы измерения численности населения Земли</a:t>
-            </a:r>
-          </a:p>
-        </p:txBody>
-      </p:sp>
+      </p:pic>
+      <p:pic>
+        <p:nvPicPr>
+          <p:cNvPr id="14" name="Рисунок 13">
+            <a:extLst>
+              <a:ext uri="{FF2B5EF4-FFF2-40B4-BE49-F238E27FC236}">
+                <a16:creationId xmlns:a16="http://schemas.microsoft.com/office/drawing/2014/main" id="{D952E276-CDEA-D563-B1C5-C71CFBA1F357}"/>
+              </a:ext>
+            </a:extLst>
+          </p:cNvPr>
+          <p:cNvPicPr>
+            <a:picLocks noChangeAspect="1"/>
+          </p:cNvPicPr>
+          <p:nvPr/>
+        </p:nvPicPr>
+        <p:blipFill>
+          <a:blip r:embed="rId6">
+            <a:extLst>
+              <a:ext uri="{28A0092B-C50C-407E-A947-70E740481C1C}">
+                <a14:useLocalDpi xmlns:a14="http://schemas.microsoft.com/office/drawing/2010/main" val="0"/>
+              </a:ext>
+            </a:extLst>
+          </a:blip>
+          <a:stretch>
+            <a:fillRect/>
+          </a:stretch>
+        </p:blipFill>
+        <p:spPr>
+          <a:xfrm>
+            <a:off x="2678057" y="4236721"/>
+            <a:ext cx="3624560" cy="1374994"/>
+          </a:xfrm>
+          <a:prstGeom prst="rect">
+            <a:avLst/>
+          </a:prstGeom>
+        </p:spPr>
+      </p:pic>
     </p:spTree>
     <p:extLst>
       <p:ext uri="{BB962C8B-B14F-4D97-AF65-F5344CB8AC3E}">
-        <p14:creationId xmlns:p14="http://schemas.microsoft.com/office/powerpoint/2010/main" val="2553207162"/>
+        <p14:creationId xmlns:p14="http://schemas.microsoft.com/office/powerpoint/2010/main" val="3131105553"/>
       </p:ext>
     </p:extLst>
   </p:cSld>
@@ -10927,58 +11372,71 @@
       </p:grpSpPr>
       <p:sp>
         <p:nvSpPr>
-          <p:cNvPr id="5" name="Прямоугольник: скругленные углы 4">
-            <a:extLst>
-              <a:ext uri="{FF2B5EF4-FFF2-40B4-BE49-F238E27FC236}">
-                <a16:creationId xmlns:a16="http://schemas.microsoft.com/office/drawing/2014/main" id="{2052984D-AFD3-B9F7-FF3F-D0E02B898329}"/>
-              </a:ext>
-            </a:extLst>
-          </p:cNvPr>
-          <p:cNvSpPr/>
+          <p:cNvPr id="2" name="Заголовок 6">
+            <a:extLst>
+              <a:ext uri="{FF2B5EF4-FFF2-40B4-BE49-F238E27FC236}">
+                <a16:creationId xmlns:a16="http://schemas.microsoft.com/office/drawing/2014/main" id="{CA54FBEA-0CB3-B9E2-1EBC-26FA09B02972}"/>
+              </a:ext>
+            </a:extLst>
+          </p:cNvPr>
+          <p:cNvSpPr txBox="1">
+            <a:spLocks/>
+          </p:cNvSpPr>
           <p:nvPr/>
         </p:nvSpPr>
         <p:spPr>
           <a:xfrm>
-            <a:off x="2727649" y="1296955"/>
-            <a:ext cx="6736702" cy="4935894"/>
+            <a:off x="2923233" y="228798"/>
+            <a:ext cx="6345535" cy="725759"/>
           </a:xfrm>
-          <a:prstGeom prst="roundRect">
-            <a:avLst>
-              <a:gd name="adj" fmla="val 9280"/>
-            </a:avLst>
+          <a:prstGeom prst="rect">
+            <a:avLst/>
           </a:prstGeom>
         </p:spPr>
-        <p:style>
-          <a:lnRef idx="2">
-            <a:schemeClr val="accent1">
-              <a:shade val="15000"/>
-            </a:schemeClr>
-          </a:lnRef>
-          <a:fillRef idx="1">
-            <a:schemeClr val="accent1"/>
-          </a:fillRef>
-          <a:effectRef idx="0">
-            <a:schemeClr val="accent1"/>
-          </a:effectRef>
-          <a:fontRef idx="minor">
-            <a:schemeClr val="lt1"/>
-          </a:fontRef>
-        </p:style>
         <p:txBody>
-          <a:bodyPr rtlCol="0" anchor="ctr"/>
-          <a:lstStyle/>
+          <a:bodyPr vert="horz" lIns="91440" tIns="45720" rIns="91440" bIns="45720" rtlCol="0" anchor="ctr">
+            <a:noAutofit/>
+          </a:bodyPr>
+          <a:lstStyle>
+            <a:lvl1pPr algn="l" defTabSz="914400" rtl="0" eaLnBrk="1" latinLnBrk="0" hangingPunct="1">
+              <a:lnSpc>
+                <a:spcPct val="90000"/>
+              </a:lnSpc>
+              <a:spcBef>
+                <a:spcPct val="0"/>
+              </a:spcBef>
+              <a:buNone/>
+              <a:defRPr sz="4400" kern="1200">
+                <a:solidFill>
+                  <a:schemeClr val="tx1"/>
+                </a:solidFill>
+                <a:latin typeface="+mj-lt"/>
+                <a:ea typeface="+mj-ea"/>
+                <a:cs typeface="+mj-cs"/>
+              </a:defRPr>
+            </a:lvl1pPr>
+          </a:lstStyle>
           <a:p>
             <a:pPr algn="ctr"/>
-            <a:endParaRPr lang="ru-RU"/>
+            <a:r>
+              <a:rPr lang="ru-RU" sz="2800" b="1" dirty="0">
+                <a:solidFill>
+                  <a:srgbClr val="0070C0"/>
+                </a:solidFill>
+                <a:latin typeface="Arial" panose="020B0604020202020204" pitchFamily="34" charset="0"/>
+                <a:cs typeface="Arial" panose="020B0604020202020204" pitchFamily="34" charset="0"/>
+              </a:rPr>
+              <a:t>ПРОЕКТИРОВАНИЕ ПРОГРАММНОГО ПРОДУКТА</a:t>
+            </a:r>
           </a:p>
         </p:txBody>
       </p:sp>
       <p:sp>
         <p:nvSpPr>
-          <p:cNvPr id="2" name="TextBox 1">
-            <a:extLst>
-              <a:ext uri="{FF2B5EF4-FFF2-40B4-BE49-F238E27FC236}">
-                <a16:creationId xmlns:a16="http://schemas.microsoft.com/office/drawing/2014/main" id="{D6683D19-7C4A-2AAE-789D-F8D21E0F34FA}"/>
+          <p:cNvPr id="4" name="TextBox 3">
+            <a:extLst>
+              <a:ext uri="{FF2B5EF4-FFF2-40B4-BE49-F238E27FC236}">
+                <a16:creationId xmlns:a16="http://schemas.microsoft.com/office/drawing/2014/main" id="{BD36FB8E-3D20-A2CD-546A-35DDC9D8884C}"/>
               </a:ext>
             </a:extLst>
           </p:cNvPr>
@@ -10987,8 +11445,8 @@
         </p:nvSpPr>
         <p:spPr>
           <a:xfrm>
-            <a:off x="803502" y="303438"/>
-            <a:ext cx="10584997" cy="867930"/>
+            <a:off x="3825862" y="6067425"/>
+            <a:ext cx="4540276" cy="369332"/>
           </a:xfrm>
           <a:prstGeom prst="rect">
             <a:avLst/>
@@ -11001,34 +11459,23 @@
           </a:bodyPr>
           <a:lstStyle/>
           <a:p>
-            <a:pPr algn="ctr">
-              <a:lnSpc>
-                <a:spcPct val="90000"/>
-              </a:lnSpc>
-              <a:spcBef>
-                <a:spcPct val="0"/>
-              </a:spcBef>
-            </a:pPr>
-            <a:r>
-              <a:rPr lang="ru-RU" sz="2800" b="1" dirty="0">
-                <a:solidFill>
-                  <a:srgbClr val="0070C0"/>
-                </a:solidFill>
+            <a:pPr algn="ctr"/>
+            <a:r>
+              <a:rPr lang="ru-RU" dirty="0">
                 <a:latin typeface="Arial" panose="020B0604020202020204" pitchFamily="34" charset="0"/>
-                <a:ea typeface="+mj-ea"/>
                 <a:cs typeface="Arial" panose="020B0604020202020204" pitchFamily="34" charset="0"/>
               </a:rPr>
-              <a:t>Табличный редактор. Разработка собственного табличного редактора</a:t>
+              <a:t>Диаграмма базы данных</a:t>
             </a:r>
           </a:p>
         </p:txBody>
       </p:sp>
       <p:pic>
         <p:nvPicPr>
-          <p:cNvPr id="3" name="Рисунок 2">
-            <a:extLst>
-              <a:ext uri="{FF2B5EF4-FFF2-40B4-BE49-F238E27FC236}">
-                <a16:creationId xmlns:a16="http://schemas.microsoft.com/office/drawing/2014/main" id="{5DD15F26-4E57-67F2-FA76-7EEECCE94344}"/>
+          <p:cNvPr id="5" name="Рисунок 4">
+            <a:extLst>
+              <a:ext uri="{FF2B5EF4-FFF2-40B4-BE49-F238E27FC236}">
+                <a16:creationId xmlns:a16="http://schemas.microsoft.com/office/drawing/2014/main" id="{89DC757A-1778-AB6E-8AE6-3F8047DF9DC0}"/>
               </a:ext>
             </a:extLst>
           </p:cNvPr>
@@ -11045,58 +11492,18 @@
         </p:blipFill>
         <p:spPr>
           <a:xfrm>
-            <a:off x="3689985" y="1514157"/>
-            <a:ext cx="4812030" cy="3829685"/>
+            <a:off x="3289140" y="1040130"/>
+            <a:ext cx="5127798" cy="5027295"/>
           </a:xfrm>
           <a:prstGeom prst="rect">
             <a:avLst/>
           </a:prstGeom>
         </p:spPr>
       </p:pic>
-      <p:sp>
-        <p:nvSpPr>
-          <p:cNvPr id="4" name="TextBox 3">
-            <a:extLst>
-              <a:ext uri="{FF2B5EF4-FFF2-40B4-BE49-F238E27FC236}">
-                <a16:creationId xmlns:a16="http://schemas.microsoft.com/office/drawing/2014/main" id="{16D27661-3C96-3BEC-C3E3-FB75F69DF0AD}"/>
-              </a:ext>
-            </a:extLst>
-          </p:cNvPr>
-          <p:cNvSpPr txBox="1"/>
-          <p:nvPr/>
-        </p:nvSpPr>
-        <p:spPr>
-          <a:xfrm>
-            <a:off x="2940755" y="5498071"/>
-            <a:ext cx="6310490" cy="369332"/>
-          </a:xfrm>
-          <a:prstGeom prst="rect">
-            <a:avLst/>
-          </a:prstGeom>
-          <a:noFill/>
-        </p:spPr>
-        <p:txBody>
-          <a:bodyPr wrap="square" rtlCol="0">
-            <a:spAutoFit/>
-          </a:bodyPr>
-          <a:lstStyle/>
-          <a:p>
-            <a:pPr algn="ctr"/>
-            <a:r>
-              <a:rPr lang="ru-RU" b="1" dirty="0">
-                <a:solidFill>
-                  <a:schemeClr val="bg1"/>
-                </a:solidFill>
-              </a:rPr>
-              <a:t>Результат создания собственного табличного редактора</a:t>
-            </a:r>
-          </a:p>
-        </p:txBody>
-      </p:sp>
     </p:spTree>
     <p:extLst>
       <p:ext uri="{BB962C8B-B14F-4D97-AF65-F5344CB8AC3E}">
-        <p14:creationId xmlns:p14="http://schemas.microsoft.com/office/powerpoint/2010/main" val="1066228762"/>
+        <p14:creationId xmlns:p14="http://schemas.microsoft.com/office/powerpoint/2010/main" val="2656462567"/>
       </p:ext>
     </p:extLst>
   </p:cSld>
@@ -11125,58 +11532,71 @@
       </p:grpSpPr>
       <p:sp>
         <p:nvSpPr>
-          <p:cNvPr id="5" name="Прямоугольник: скругленные углы 4">
-            <a:extLst>
-              <a:ext uri="{FF2B5EF4-FFF2-40B4-BE49-F238E27FC236}">
-                <a16:creationId xmlns:a16="http://schemas.microsoft.com/office/drawing/2014/main" id="{DC85510C-A69F-5BF9-2C02-056228ECF3D6}"/>
-              </a:ext>
-            </a:extLst>
-          </p:cNvPr>
-          <p:cNvSpPr/>
+          <p:cNvPr id="2" name="Заголовок 6">
+            <a:extLst>
+              <a:ext uri="{FF2B5EF4-FFF2-40B4-BE49-F238E27FC236}">
+                <a16:creationId xmlns:a16="http://schemas.microsoft.com/office/drawing/2014/main" id="{CA54FBEA-0CB3-B9E2-1EBC-26FA09B02972}"/>
+              </a:ext>
+            </a:extLst>
+          </p:cNvPr>
+          <p:cNvSpPr txBox="1">
+            <a:spLocks/>
+          </p:cNvSpPr>
           <p:nvPr/>
         </p:nvSpPr>
         <p:spPr>
           <a:xfrm>
-            <a:off x="2891741" y="1436913"/>
-            <a:ext cx="6408518" cy="4795935"/>
+            <a:off x="2923233" y="228798"/>
+            <a:ext cx="6345535" cy="725759"/>
           </a:xfrm>
-          <a:prstGeom prst="roundRect">
-            <a:avLst>
-              <a:gd name="adj" fmla="val 9280"/>
-            </a:avLst>
+          <a:prstGeom prst="rect">
+            <a:avLst/>
           </a:prstGeom>
         </p:spPr>
-        <p:style>
-          <a:lnRef idx="2">
-            <a:schemeClr val="accent1">
-              <a:shade val="15000"/>
-            </a:schemeClr>
-          </a:lnRef>
-          <a:fillRef idx="1">
-            <a:schemeClr val="accent1"/>
-          </a:fillRef>
-          <a:effectRef idx="0">
-            <a:schemeClr val="accent1"/>
-          </a:effectRef>
-          <a:fontRef idx="minor">
-            <a:schemeClr val="lt1"/>
-          </a:fontRef>
-        </p:style>
         <p:txBody>
-          <a:bodyPr rtlCol="0" anchor="ctr"/>
-          <a:lstStyle/>
+          <a:bodyPr vert="horz" lIns="91440" tIns="45720" rIns="91440" bIns="45720" rtlCol="0" anchor="ctr">
+            <a:noAutofit/>
+          </a:bodyPr>
+          <a:lstStyle>
+            <a:lvl1pPr algn="l" defTabSz="914400" rtl="0" eaLnBrk="1" latinLnBrk="0" hangingPunct="1">
+              <a:lnSpc>
+                <a:spcPct val="90000"/>
+              </a:lnSpc>
+              <a:spcBef>
+                <a:spcPct val="0"/>
+              </a:spcBef>
+              <a:buNone/>
+              <a:defRPr sz="4400" kern="1200">
+                <a:solidFill>
+                  <a:schemeClr val="tx1"/>
+                </a:solidFill>
+                <a:latin typeface="+mj-lt"/>
+                <a:ea typeface="+mj-ea"/>
+                <a:cs typeface="+mj-cs"/>
+              </a:defRPr>
+            </a:lvl1pPr>
+          </a:lstStyle>
           <a:p>
             <a:pPr algn="ctr"/>
-            <a:endParaRPr lang="ru-RU"/>
+            <a:r>
+              <a:rPr lang="ru-RU" sz="2800" b="1" dirty="0">
+                <a:solidFill>
+                  <a:srgbClr val="0070C0"/>
+                </a:solidFill>
+                <a:latin typeface="Arial" panose="020B0604020202020204" pitchFamily="34" charset="0"/>
+                <a:cs typeface="Arial" panose="020B0604020202020204" pitchFamily="34" charset="0"/>
+              </a:rPr>
+              <a:t>ПРОЕКТИРОВАНИЕ ПРОГРАММНОГО ПРОДУКТА</a:t>
+            </a:r>
           </a:p>
         </p:txBody>
       </p:sp>
       <p:sp>
         <p:nvSpPr>
-          <p:cNvPr id="2" name="TextBox 1">
-            <a:extLst>
-              <a:ext uri="{FF2B5EF4-FFF2-40B4-BE49-F238E27FC236}">
-                <a16:creationId xmlns:a16="http://schemas.microsoft.com/office/drawing/2014/main" id="{67101BAF-1C2F-C20A-9214-7032C20955B9}"/>
+          <p:cNvPr id="4" name="TextBox 3">
+            <a:extLst>
+              <a:ext uri="{FF2B5EF4-FFF2-40B4-BE49-F238E27FC236}">
+                <a16:creationId xmlns:a16="http://schemas.microsoft.com/office/drawing/2014/main" id="{BD36FB8E-3D20-A2CD-546A-35DDC9D8884C}"/>
               </a:ext>
             </a:extLst>
           </p:cNvPr>
@@ -11185,8 +11605,8 @@
         </p:nvSpPr>
         <p:spPr>
           <a:xfrm>
-            <a:off x="803502" y="303438"/>
-            <a:ext cx="10584997" cy="867930"/>
+            <a:off x="1196970" y="5823988"/>
+            <a:ext cx="4540276" cy="369332"/>
           </a:xfrm>
           <a:prstGeom prst="rect">
             <a:avLst/>
@@ -11199,65 +11619,14 @@
           </a:bodyPr>
           <a:lstStyle/>
           <a:p>
-            <a:pPr algn="ctr">
-              <a:lnSpc>
-                <a:spcPct val="90000"/>
-              </a:lnSpc>
-              <a:spcBef>
-                <a:spcPct val="0"/>
-              </a:spcBef>
-            </a:pPr>
-            <a:r>
-              <a:rPr lang="ru-RU" sz="2800" b="1" dirty="0">
-                <a:solidFill>
-                  <a:srgbClr val="0070C0"/>
-                </a:solidFill>
+            <a:pPr algn="ctr"/>
+            <a:r>
+              <a:rPr lang="ru-RU" dirty="0">
                 <a:latin typeface="Arial" panose="020B0604020202020204" pitchFamily="34" charset="0"/>
-                <a:ea typeface="+mj-ea"/>
                 <a:cs typeface="Arial" panose="020B0604020202020204" pitchFamily="34" charset="0"/>
               </a:rPr>
-              <a:t>Табличный редактор. Создание таблицы </a:t>
-            </a:r>
-          </a:p>
-          <a:p>
-            <a:pPr algn="ctr">
-              <a:lnSpc>
-                <a:spcPct val="90000"/>
-              </a:lnSpc>
-              <a:spcBef>
-                <a:spcPct val="0"/>
-              </a:spcBef>
-            </a:pPr>
-            <a:r>
-              <a:rPr lang="ru-RU" sz="2800" b="1" dirty="0">
-                <a:solidFill>
-                  <a:srgbClr val="0070C0"/>
-                </a:solidFill>
-                <a:latin typeface="Arial" panose="020B0604020202020204" pitchFamily="34" charset="0"/>
-                <a:ea typeface="+mj-ea"/>
-                <a:cs typeface="Arial" panose="020B0604020202020204" pitchFamily="34" charset="0"/>
-              </a:rPr>
-              <a:t>с </a:t>
-            </a:r>
-            <a:r>
-              <a:rPr lang="ru-RU" sz="2800" b="1" dirty="0" err="1">
-                <a:solidFill>
-                  <a:srgbClr val="0070C0"/>
-                </a:solidFill>
-                <a:latin typeface="Arial" panose="020B0604020202020204" pitchFamily="34" charset="0"/>
-                <a:ea typeface="+mj-ea"/>
-                <a:cs typeface="Arial" panose="020B0604020202020204" pitchFamily="34" charset="0"/>
-              </a:rPr>
-              <a:t>автоподсчётом</a:t>
-            </a:r>
-            <a:endParaRPr lang="ru-RU" sz="2800" b="1" dirty="0">
-              <a:solidFill>
-                <a:srgbClr val="0070C0"/>
-              </a:solidFill>
-              <a:latin typeface="Arial" panose="020B0604020202020204" pitchFamily="34" charset="0"/>
-              <a:ea typeface="+mj-ea"/>
-              <a:cs typeface="Arial" panose="020B0604020202020204" pitchFamily="34" charset="0"/>
-            </a:endParaRPr>
+              <a:t>Диаграмма использования</a:t>
+            </a:r>
           </a:p>
         </p:txBody>
       </p:sp>
@@ -11266,7 +11635,7 @@
           <p:cNvPr id="3" name="Рисунок 2">
             <a:extLst>
               <a:ext uri="{FF2B5EF4-FFF2-40B4-BE49-F238E27FC236}">
-                <a16:creationId xmlns:a16="http://schemas.microsoft.com/office/drawing/2014/main" id="{E259684C-2ED2-4795-C410-B0DC5D801543}"/>
+                <a16:creationId xmlns:a16="http://schemas.microsoft.com/office/drawing/2014/main" id="{60623A71-5A7A-F4A1-D853-2645EDD41E52}"/>
               </a:ext>
             </a:extLst>
           </p:cNvPr>
@@ -11283,8 +11652,38 @@
         </p:blipFill>
         <p:spPr>
           <a:xfrm>
-            <a:off x="3524885" y="1638935"/>
-            <a:ext cx="5142230" cy="3580130"/>
+            <a:off x="1117599" y="1496377"/>
+            <a:ext cx="4699019" cy="4155123"/>
+          </a:xfrm>
+          <a:prstGeom prst="rect">
+            <a:avLst/>
+          </a:prstGeom>
+        </p:spPr>
+      </p:pic>
+      <p:pic>
+        <p:nvPicPr>
+          <p:cNvPr id="6" name="Рисунок 5">
+            <a:extLst>
+              <a:ext uri="{FF2B5EF4-FFF2-40B4-BE49-F238E27FC236}">
+                <a16:creationId xmlns:a16="http://schemas.microsoft.com/office/drawing/2014/main" id="{470E56C1-FAB0-7FD6-E9DD-BA8821406E7E}"/>
+              </a:ext>
+            </a:extLst>
+          </p:cNvPr>
+          <p:cNvPicPr>
+            <a:picLocks noChangeAspect="1"/>
+          </p:cNvPicPr>
+          <p:nvPr/>
+        </p:nvPicPr>
+        <p:blipFill>
+          <a:blip r:embed="rId3"/>
+          <a:stretch>
+            <a:fillRect/>
+          </a:stretch>
+        </p:blipFill>
+        <p:spPr>
+          <a:xfrm>
+            <a:off x="6807184" y="1496377"/>
+            <a:ext cx="4152916" cy="4145804"/>
           </a:xfrm>
           <a:prstGeom prst="rect">
             <a:avLst/>
@@ -11293,10 +11692,10 @@
       </p:pic>
       <p:sp>
         <p:nvSpPr>
-          <p:cNvPr id="4" name="TextBox 3">
-            <a:extLst>
-              <a:ext uri="{FF2B5EF4-FFF2-40B4-BE49-F238E27FC236}">
-                <a16:creationId xmlns:a16="http://schemas.microsoft.com/office/drawing/2014/main" id="{CF6F8B16-D660-4BFF-85D1-6AFAD7A91876}"/>
+          <p:cNvPr id="7" name="TextBox 6">
+            <a:extLst>
+              <a:ext uri="{FF2B5EF4-FFF2-40B4-BE49-F238E27FC236}">
+                <a16:creationId xmlns:a16="http://schemas.microsoft.com/office/drawing/2014/main" id="{BE7E47C9-80D9-4712-15C4-3F7ABEF783CE}"/>
               </a:ext>
             </a:extLst>
           </p:cNvPr>
@@ -11305,8 +11704,8 @@
         </p:nvSpPr>
         <p:spPr>
           <a:xfrm>
-            <a:off x="2940755" y="5498071"/>
-            <a:ext cx="6310490" cy="646331"/>
+            <a:off x="6807184" y="5814669"/>
+            <a:ext cx="4540276" cy="369332"/>
           </a:xfrm>
           <a:prstGeom prst="rect">
             <a:avLst/>
@@ -11321,28 +11720,11 @@
           <a:p>
             <a:pPr algn="ctr"/>
             <a:r>
-              <a:rPr lang="ru-RU" b="1" dirty="0">
-                <a:solidFill>
-                  <a:schemeClr val="bg1"/>
-                </a:solidFill>
+              <a:rPr lang="ru-RU" dirty="0">
+                <a:latin typeface="Arial" panose="020B0604020202020204" pitchFamily="34" charset="0"/>
+                <a:cs typeface="Arial" panose="020B0604020202020204" pitchFamily="34" charset="0"/>
               </a:rPr>
-              <a:t>Результат создания команды для </a:t>
-            </a:r>
-            <a:r>
-              <a:rPr lang="ru-RU" b="1" dirty="0" err="1">
-                <a:solidFill>
-                  <a:schemeClr val="bg1"/>
-                </a:solidFill>
-              </a:rPr>
-              <a:t>автоподсчёта</a:t>
-            </a:r>
-            <a:r>
-              <a:rPr lang="ru-RU" b="1" dirty="0">
-                <a:solidFill>
-                  <a:schemeClr val="bg1"/>
-                </a:solidFill>
-              </a:rPr>
-              <a:t> значений в таблице</a:t>
+              <a:t>Диаграмма последовательности</a:t>
             </a:r>
           </a:p>
         </p:txBody>
@@ -11350,7 +11732,7 @@
     </p:spTree>
     <p:extLst>
       <p:ext uri="{BB962C8B-B14F-4D97-AF65-F5344CB8AC3E}">
-        <p14:creationId xmlns:p14="http://schemas.microsoft.com/office/powerpoint/2010/main" val="4005027346"/>
+        <p14:creationId xmlns:p14="http://schemas.microsoft.com/office/powerpoint/2010/main" val="2507825789"/>
       </p:ext>
     </p:extLst>
   </p:cSld>
